--- a/Ruby_On_Rails_Deck-Controller.pptx
+++ b/Ruby_On_Rails_Deck-Controller.pptx
@@ -5,7 +5,7 @@
     <p:sldMasterId id="2147483654" r:id="rId1"/>
   </p:sldMasterIdLst>
   <p:notesMasterIdLst>
-    <p:notesMasterId r:id="rId30"/>
+    <p:notesMasterId r:id="rId34"/>
   </p:notesMasterIdLst>
   <p:sldIdLst>
     <p:sldId id="256" r:id="rId2"/>
@@ -27,20 +27,24 @@
     <p:sldId id="279" r:id="rId18"/>
     <p:sldId id="287" r:id="rId19"/>
     <p:sldId id="288" r:id="rId20"/>
-    <p:sldId id="289" r:id="rId21"/>
+    <p:sldId id="298" r:id="rId21"/>
     <p:sldId id="290" r:id="rId22"/>
     <p:sldId id="291" r:id="rId23"/>
     <p:sldId id="292" r:id="rId24"/>
     <p:sldId id="293" r:id="rId25"/>
     <p:sldId id="294" r:id="rId26"/>
     <p:sldId id="295" r:id="rId27"/>
-    <p:sldId id="296" r:id="rId28"/>
-    <p:sldId id="297" r:id="rId29"/>
+    <p:sldId id="297" r:id="rId28"/>
+    <p:sldId id="299" r:id="rId29"/>
+    <p:sldId id="300" r:id="rId30"/>
+    <p:sldId id="301" r:id="rId31"/>
+    <p:sldId id="302" r:id="rId32"/>
+    <p:sldId id="303" r:id="rId33"/>
   </p:sldIdLst>
   <p:sldSz cx="9144000" cy="5143500" type="screen16x9"/>
   <p:notesSz cx="6858000" cy="9144000"/>
   <p:custDataLst>
-    <p:tags r:id="rId31"/>
+    <p:tags r:id="rId35"/>
   </p:custDataLst>
   <p:defaultTextStyle>
     <a:defPPr marR="0" algn="l" rtl="0">
@@ -2780,7 +2784,7 @@
           <a:graphicData uri="http://schemas.openxmlformats.org/presentationml/2006/ole">
             <mc:AlternateContent xmlns:mc="http://schemas.openxmlformats.org/markup-compatibility/2006">
               <mc:Choice xmlns:v="urn:schemas-microsoft-com:vml" Requires="v">
-                <p:oleObj spid="_x0000_s1094" name="think-cell Slide" r:id="rId10" imgW="270" imgH="270" progId="TCLayout.ActiveDocument.1">
+                <p:oleObj spid="_x0000_s1123" name="think-cell Slide" r:id="rId10" imgW="270" imgH="270" progId="TCLayout.ActiveDocument.1">
                   <p:embed/>
                 </p:oleObj>
               </mc:Choice>
@@ -4046,6 +4050,13 @@
   <p:clrMapOvr>
     <a:masterClrMapping/>
   </p:clrMapOvr>
+  <p:timing>
+    <p:tnLst>
+      <p:par>
+        <p:cTn id="1" dur="indefinite" restart="never" nodeType="tmRoot"/>
+      </p:par>
+    </p:tnLst>
+  </p:timing>
 </p:sld>
 </file>
 
@@ -4287,6 +4298,13 @@
   <p:clrMapOvr>
     <a:masterClrMapping/>
   </p:clrMapOvr>
+  <p:timing>
+    <p:tnLst>
+      <p:par>
+        <p:cTn id="1" dur="indefinite" restart="never" nodeType="tmRoot"/>
+      </p:par>
+    </p:tnLst>
+  </p:timing>
 </p:sld>
 </file>
 
@@ -4361,15 +4379,7 @@
           <a:p>
             <a:r>
               <a:rPr lang="en-US" sz="1200" dirty="0"/>
-              <a:t>In your controller you can access the session through the </a:t>
-            </a:r>
-            <a:r>
-              <a:rPr lang="en-US" sz="1200" dirty="0"/>
-              <a:t>session</a:t>
-            </a:r>
-            <a:r>
-              <a:rPr lang="en-US" sz="1200" dirty="0"/>
-              <a:t> instance method</a:t>
+              <a:t>In your controller you can access the session through the session instance method</a:t>
             </a:r>
             <a:r>
               <a:rPr lang="en-US" sz="1200" dirty="0" smtClean="0"/>
@@ -4600,9 +4610,6 @@
               </a:rPr>
               <a:t>end</a:t>
             </a:r>
-            <a:endParaRPr lang="en-US" sz="1200" dirty="0">
-              <a:latin typeface="Consolas"/>
-            </a:endParaRPr>
           </a:p>
         </p:txBody>
       </p:sp>
@@ -4616,6 +4623,13 @@
   <p:clrMapOvr>
     <a:masterClrMapping/>
   </p:clrMapOvr>
+  <p:timing>
+    <p:tnLst>
+      <p:par>
+        <p:cTn id="1" dur="indefinite" restart="never" nodeType="tmRoot"/>
+      </p:par>
+    </p:tnLst>
+  </p:timing>
 </p:sld>
 </file>
 
@@ -4899,9 +4913,6 @@
               </a:rPr>
               <a:t>end</a:t>
             </a:r>
-            <a:endParaRPr lang="en-US" sz="1200" dirty="0">
-              <a:latin typeface="Consolas"/>
-            </a:endParaRPr>
           </a:p>
         </p:txBody>
       </p:sp>
@@ -4915,6 +4926,13 @@
   <p:clrMapOvr>
     <a:masterClrMapping/>
   </p:clrMapOvr>
+  <p:timing>
+    <p:tnLst>
+      <p:par>
+        <p:cTn id="1" dur="indefinite" restart="never" nodeType="tmRoot"/>
+      </p:par>
+    </p:tnLst>
+  </p:timing>
 </p:sld>
 </file>
 
@@ -5025,15 +5043,7 @@
             </a:r>
             <a:r>
               <a:rPr lang="en-US" sz="1200" dirty="0"/>
-              <a:t> </a:t>
-            </a:r>
-            <a:r>
-              <a:rPr lang="en-US" sz="1200" dirty="0"/>
-              <a:t>request</a:t>
-            </a:r>
-            <a:r>
-              <a:rPr lang="en-US" sz="1200" dirty="0"/>
-              <a:t> method contains an instance of </a:t>
+              <a:t> request method contains an instance of </a:t>
             </a:r>
             <a:r>
               <a:rPr lang="en-US" sz="1200" dirty="0" err="1"/>
@@ -5066,15 +5076,7 @@
             </a:r>
             <a:r>
               <a:rPr lang="en-US" sz="1200" dirty="0"/>
-              <a:t> </a:t>
-            </a:r>
-            <a:r>
-              <a:rPr lang="en-US" sz="1200" dirty="0"/>
-              <a:t>response</a:t>
-            </a:r>
-            <a:r>
-              <a:rPr lang="en-US" sz="1200" dirty="0"/>
-              <a:t> method returns a response object representing what is going to be sent back to the client</a:t>
+              <a:t> response method returns a response object representing what is going to be sent back to the client</a:t>
             </a:r>
             <a:r>
               <a:rPr lang="en-US" sz="1200" dirty="0" smtClean="0"/>
@@ -6836,6 +6838,13 @@
   <p:clrMapOvr>
     <a:masterClrMapping/>
   </p:clrMapOvr>
+  <p:timing>
+    <p:tnLst>
+      <p:par>
+        <p:cTn id="1" dur="indefinite" restart="never" nodeType="tmRoot"/>
+      </p:par>
+    </p:tnLst>
+  </p:timing>
 </p:sld>
 </file>
 
@@ -7825,6 +7834,13 @@
   <p:clrMapOvr>
     <a:masterClrMapping/>
   </p:clrMapOvr>
+  <p:timing>
+    <p:tnLst>
+      <p:par>
+        <p:cTn id="1" dur="indefinite" restart="never" nodeType="tmRoot"/>
+      </p:par>
+    </p:tnLst>
+  </p:timing>
 </p:sld>
 </file>
 
@@ -7895,11 +7911,7 @@
             </a:pPr>
             <a:r>
               <a:rPr lang="en-US" sz="1200" dirty="0"/>
-              <a:t>render</a:t>
-            </a:r>
-            <a:r>
-              <a:rPr lang="en-US" sz="1200" dirty="0"/>
-              <a:t> will render a particular view using the instance variables available in the action</a:t>
+              <a:t>render will render a particular view using the instance variables available in the action</a:t>
             </a:r>
             <a:r>
               <a:rPr lang="en-US" sz="1200" dirty="0" smtClean="0"/>
@@ -8054,7 +8066,6 @@
               <a:rPr lang="en-US" sz="1200" dirty="0"/>
               <a:t> :action =&gt; :show</a:t>
             </a:r>
-            <a:endParaRPr lang="en-US" sz="1200" dirty="0"/>
           </a:p>
         </p:txBody>
       </p:sp>
@@ -8229,9 +8240,6 @@
               </a:rPr>
               <a:t>end</a:t>
             </a:r>
-            <a:endParaRPr lang="en-US" sz="1200" dirty="0">
-              <a:latin typeface="Consolas"/>
-            </a:endParaRPr>
           </a:p>
         </p:txBody>
       </p:sp>
@@ -8245,6 +8253,13 @@
   <p:clrMapOvr>
     <a:masterClrMapping/>
   </p:clrMapOvr>
+  <p:timing>
+    <p:tnLst>
+      <p:par>
+        <p:cTn id="1" dur="indefinite" restart="never" nodeType="tmRoot"/>
+      </p:par>
+    </p:tnLst>
+  </p:timing>
 </p:sld>
 </file>
 
@@ -8335,7 +8350,6 @@
               <a:rPr lang="en-US" dirty="0"/>
               <a:t>Rails router recognizes URLs and dispatches them to a controller's action. It can also generate paths and URLs, avoiding the need to hardcode strings in your views.</a:t>
             </a:r>
-            <a:endParaRPr lang="en-US" dirty="0"/>
           </a:p>
         </p:txBody>
       </p:sp>
@@ -8349,6 +8363,13 @@
   <p:clrMapOvr>
     <a:masterClrMapping/>
   </p:clrMapOvr>
+  <p:timing>
+    <p:tnLst>
+      <p:par>
+        <p:cTn id="1" dur="indefinite" restart="never" nodeType="tmRoot"/>
+      </p:par>
+    </p:tnLst>
+  </p:timing>
 </p:sld>
 </file>
 
@@ -8375,16 +8396,31 @@
           <a:chExt cx="0" cy="0"/>
         </a:xfrm>
       </p:grpSpPr>
-      <p:sp>
-        <p:nvSpPr>
-          <p:cNvPr id="3" name="Rectangle 3"/>
-          <p:cNvSpPr txBox="1"/>
+      <p:pic>
+        <p:nvPicPr>
+          <p:cNvPr id="2050" name="Picture 2"/>
+          <p:cNvPicPr>
+            <a:picLocks noChangeAspect="1" noChangeArrowheads="1"/>
+          </p:cNvPicPr>
           <p:nvPr/>
-        </p:nvSpPr>
-        <p:spPr>
+        </p:nvPicPr>
+        <p:blipFill>
+          <a:blip r:embed="rId2">
+            <a:extLst>
+              <a:ext uri="{28A0092B-C50C-407E-A947-70E740481C1C}">
+                <a14:useLocalDpi xmlns:a14="http://schemas.microsoft.com/office/drawing/2010/main" val="0"/>
+              </a:ext>
+            </a:extLst>
+          </a:blip>
+          <a:srcRect/>
+          <a:stretch>
+            <a:fillRect/>
+          </a:stretch>
+        </p:blipFill>
+        <p:spPr bwMode="auto">
           <a:xfrm>
-            <a:off x="457200" y="819150"/>
-            <a:ext cx="8229600" cy="3657600"/>
+            <a:off x="533400" y="590550"/>
+            <a:ext cx="8193221" cy="3962400"/>
           </a:xfrm>
           <a:prstGeom prst="rect">
             <a:avLst/>
@@ -8393,327 +8429,37 @@
           <a:ln>
             <a:noFill/>
           </a:ln>
+          <a:effectLst/>
+          <a:extLst>
+            <a:ext uri="{909E8E84-426E-40DD-AFC4-6F175D3DCCD1}">
+              <a14:hiddenFill xmlns:a14="http://schemas.microsoft.com/office/drawing/2010/main">
+                <a:solidFill>
+                  <a:schemeClr val="accent1"/>
+                </a:solidFill>
+              </a14:hiddenFill>
+            </a:ext>
+            <a:ext uri="{91240B29-F687-4F45-9708-019B960494DF}">
+              <a14:hiddenLine xmlns:a14="http://schemas.microsoft.com/office/drawing/2010/main" w="9525">
+                <a:solidFill>
+                  <a:schemeClr val="tx1"/>
+                </a:solidFill>
+                <a:miter lim="800000"/>
+                <a:headEnd/>
+                <a:tailEnd/>
+              </a14:hiddenLine>
+            </a:ext>
+            <a:ext uri="{AF507438-7753-43E0-B8FC-AC1667EBCBE1}">
+              <a14:hiddenEffects xmlns:a14="http://schemas.microsoft.com/office/drawing/2010/main">
+                <a:effectLst>
+                  <a:outerShdw dist="35921" dir="2700000" algn="ctr" rotWithShape="0">
+                    <a:schemeClr val="bg2"/>
+                  </a:outerShdw>
+                </a:effectLst>
+              </a14:hiddenEffects>
+            </a:ext>
+          </a:extLst>
         </p:spPr>
-        <p:txBody>
-          <a:bodyPr lIns="91425" tIns="91425" rIns="91425" bIns="91425" anchor="t" anchorCtr="0"/>
-          <a:lstStyle>
-            <a:defPPr marR="0" algn="l" rtl="0">
-              <a:lnSpc>
-                <a:spcPct val="100000"/>
-              </a:lnSpc>
-              <a:spcBef>
-                <a:spcPts val="0"/>
-              </a:spcBef>
-              <a:spcAft>
-                <a:spcPts val="0"/>
-              </a:spcAft>
-            </a:defPPr>
-            <a:lvl1pPr>
-              <a:spcBef>
-                <a:spcPts val="600"/>
-              </a:spcBef>
-              <a:buClr>
-                <a:schemeClr val="dk1"/>
-              </a:buClr>
-              <a:buSzPct val="100000"/>
-              <a:defRPr sz="3000">
-                <a:solidFill>
-                  <a:schemeClr val="dk1"/>
-                </a:solidFill>
-              </a:defRPr>
-            </a:lvl1pPr>
-            <a:lvl2pPr>
-              <a:spcBef>
-                <a:spcPts val="480"/>
-              </a:spcBef>
-              <a:buClr>
-                <a:schemeClr val="dk1"/>
-              </a:buClr>
-              <a:buSzPct val="100000"/>
-              <a:defRPr sz="2400">
-                <a:solidFill>
-                  <a:schemeClr val="dk1"/>
-                </a:solidFill>
-              </a:defRPr>
-            </a:lvl2pPr>
-            <a:lvl3pPr>
-              <a:spcBef>
-                <a:spcPts val="480"/>
-              </a:spcBef>
-              <a:buClr>
-                <a:schemeClr val="dk1"/>
-              </a:buClr>
-              <a:buSzPct val="100000"/>
-              <a:defRPr sz="2400">
-                <a:solidFill>
-                  <a:schemeClr val="dk1"/>
-                </a:solidFill>
-              </a:defRPr>
-            </a:lvl3pPr>
-            <a:lvl4pPr>
-              <a:spcBef>
-                <a:spcPts val="360"/>
-              </a:spcBef>
-              <a:buClr>
-                <a:schemeClr val="dk1"/>
-              </a:buClr>
-              <a:buSzPct val="100000"/>
-              <a:defRPr sz="1800">
-                <a:solidFill>
-                  <a:schemeClr val="dk1"/>
-                </a:solidFill>
-              </a:defRPr>
-            </a:lvl4pPr>
-            <a:lvl5pPr>
-              <a:spcBef>
-                <a:spcPts val="360"/>
-              </a:spcBef>
-              <a:buClr>
-                <a:schemeClr val="dk1"/>
-              </a:buClr>
-              <a:buSzPct val="100000"/>
-              <a:defRPr sz="1800">
-                <a:solidFill>
-                  <a:schemeClr val="dk1"/>
-                </a:solidFill>
-              </a:defRPr>
-            </a:lvl5pPr>
-            <a:lvl6pPr>
-              <a:spcBef>
-                <a:spcPts val="360"/>
-              </a:spcBef>
-              <a:buClr>
-                <a:schemeClr val="dk1"/>
-              </a:buClr>
-              <a:buSzPct val="100000"/>
-              <a:defRPr sz="1800">
-                <a:solidFill>
-                  <a:schemeClr val="dk1"/>
-                </a:solidFill>
-              </a:defRPr>
-            </a:lvl6pPr>
-            <a:lvl7pPr>
-              <a:spcBef>
-                <a:spcPts val="360"/>
-              </a:spcBef>
-              <a:buClr>
-                <a:schemeClr val="dk1"/>
-              </a:buClr>
-              <a:buSzPct val="100000"/>
-              <a:defRPr sz="1800">
-                <a:solidFill>
-                  <a:schemeClr val="dk1"/>
-                </a:solidFill>
-              </a:defRPr>
-            </a:lvl7pPr>
-            <a:lvl8pPr>
-              <a:spcBef>
-                <a:spcPts val="360"/>
-              </a:spcBef>
-              <a:buClr>
-                <a:schemeClr val="dk1"/>
-              </a:buClr>
-              <a:buSzPct val="100000"/>
-              <a:defRPr sz="1800">
-                <a:solidFill>
-                  <a:schemeClr val="dk1"/>
-                </a:solidFill>
-              </a:defRPr>
-            </a:lvl8pPr>
-            <a:lvl9pPr>
-              <a:spcBef>
-                <a:spcPts val="360"/>
-              </a:spcBef>
-              <a:buClr>
-                <a:schemeClr val="dk1"/>
-              </a:buClr>
-              <a:buSzPct val="100000"/>
-              <a:defRPr sz="1800">
-                <a:solidFill>
-                  <a:schemeClr val="dk1"/>
-                </a:solidFill>
-              </a:defRPr>
-            </a:lvl9pPr>
-          </a:lstStyle>
-          <a:p>
-            <a:r>
-              <a:rPr lang="en-US" sz="2400" dirty="0" smtClean="0"/>
-              <a:t>URL: </a:t>
-            </a:r>
-            <a:r>
-              <a:rPr lang="en-US" sz="2400" dirty="0"/>
-              <a:t>GET /</a:t>
-            </a:r>
-            <a:r>
-              <a:rPr lang="en-US" sz="2400" dirty="0" smtClean="0"/>
-              <a:t>patients/17  will translate to: </a:t>
-            </a:r>
-          </a:p>
-          <a:p>
-            <a:endParaRPr lang="en-US" sz="2400" dirty="0" smtClean="0"/>
-          </a:p>
-          <a:p>
-            <a:endParaRPr lang="en-US" sz="2400" dirty="0" smtClean="0"/>
-          </a:p>
-          <a:p>
-            <a:r>
-              <a:rPr lang="en-US" sz="2400" dirty="0" smtClean="0"/>
-              <a:t>Which </a:t>
-            </a:r>
-            <a:r>
-              <a:rPr lang="en-US" sz="2400" dirty="0" err="1" smtClean="0"/>
-              <a:t>inturn</a:t>
-            </a:r>
-            <a:r>
-              <a:rPr lang="en-US" sz="2400" dirty="0" smtClean="0"/>
-              <a:t> will search for show method in </a:t>
-            </a:r>
-            <a:r>
-              <a:rPr lang="en-US" sz="2400" dirty="0" err="1" smtClean="0"/>
-              <a:t>PatientController</a:t>
-            </a:r>
-            <a:r>
-              <a:rPr lang="en-US" sz="2400" dirty="0" smtClean="0"/>
-              <a:t> class</a:t>
-            </a:r>
-            <a:endParaRPr lang="en-US" sz="2400" dirty="0"/>
-          </a:p>
-          <a:p>
-            <a:r>
-              <a:rPr lang="en-US" sz="1400" i="1" dirty="0" smtClean="0"/>
-              <a:t>Class </a:t>
-            </a:r>
-            <a:r>
-              <a:rPr lang="en-US" sz="1400" i="1" dirty="0" err="1" smtClean="0"/>
-              <a:t>PatientController</a:t>
-            </a:r>
-            <a:r>
-              <a:rPr lang="en-US" sz="1400" i="1" dirty="0" smtClean="0"/>
-              <a:t> &lt; </a:t>
-            </a:r>
-            <a:r>
-              <a:rPr lang="en-US" sz="1400" i="1" dirty="0" err="1" smtClean="0"/>
-              <a:t>ApplicationController</a:t>
-            </a:r>
-            <a:endParaRPr lang="en-US" sz="1400" i="1" dirty="0" smtClean="0"/>
-          </a:p>
-          <a:p>
-            <a:r>
-              <a:rPr lang="en-US" sz="1400" i="1" dirty="0" err="1"/>
-              <a:t>d</a:t>
-            </a:r>
-            <a:r>
-              <a:rPr lang="en-US" sz="1400" i="1" dirty="0" err="1" smtClean="0"/>
-              <a:t>ef</a:t>
-            </a:r>
-            <a:r>
-              <a:rPr lang="en-US" sz="1400" i="1" dirty="0" smtClean="0"/>
-              <a:t> show</a:t>
-            </a:r>
-          </a:p>
-          <a:p>
-            <a:r>
-              <a:rPr lang="en-US" sz="1400" i="1" dirty="0" smtClean="0"/>
-              <a:t>end</a:t>
-            </a:r>
-          </a:p>
-          <a:p>
-            <a:r>
-              <a:rPr lang="en-US" sz="1400" i="1" dirty="0" smtClean="0"/>
-              <a:t>end</a:t>
-            </a:r>
-          </a:p>
-        </p:txBody>
-      </p:sp>
-      <p:graphicFrame>
-        <p:nvGraphicFramePr>
-          <p:cNvPr id="5" name="Table 4"/>
-          <p:cNvGraphicFramePr>
-            <a:graphicFrameLocks noGrp="1"/>
-          </p:cNvGraphicFramePr>
-          <p:nvPr>
-            <p:extLst>
-              <p:ext uri="{D42A27DB-BD31-4B8C-83A1-F6EECF244321}">
-                <p14:modId xmlns:p14="http://schemas.microsoft.com/office/powerpoint/2010/main" val="3646056384"/>
-              </p:ext>
-            </p:extLst>
-          </p:nvPr>
-        </p:nvGraphicFramePr>
-        <p:xfrm>
-          <a:off x="1524000" y="1581150"/>
-          <a:ext cx="5410200" cy="426720"/>
-        </p:xfrm>
-        <a:graphic>
-          <a:graphicData uri="http://schemas.openxmlformats.org/drawingml/2006/table">
-            <a:tbl>
-              <a:tblPr/>
-              <a:tblGrid>
-                <a:gridCol w="5410200"/>
-              </a:tblGrid>
-              <a:tr h="0">
-                <a:tc>
-                  <a:txBody>
-                    <a:bodyPr/>
-                    <a:lstStyle/>
-                    <a:p>
-                      <a:pPr algn="l" fontAlgn="base"/>
-                      <a:r>
-                        <a:rPr lang="en-US" b="0" i="0" dirty="0">
-                          <a:effectLst/>
-                          <a:latin typeface="Consolas"/>
-                        </a:rPr>
-                        <a:t>get '/patients/:id', to: </a:t>
-                      </a:r>
-                      <a:r>
-                        <a:rPr lang="en-US" b="0" i="0" dirty="0" smtClean="0">
-                          <a:effectLst/>
-                          <a:latin typeface="Consolas"/>
-                        </a:rPr>
-                        <a:t>'</a:t>
-                      </a:r>
-                      <a:r>
-                        <a:rPr lang="en-US" b="0" i="0" dirty="0" err="1" smtClean="0">
-                          <a:effectLst/>
-                          <a:latin typeface="Consolas"/>
-                        </a:rPr>
-                        <a:t>patients#show</a:t>
-                      </a:r>
-                      <a:r>
-                        <a:rPr lang="en-US" b="0" i="0" dirty="0" smtClean="0">
-                          <a:effectLst/>
-                          <a:latin typeface="Consolas"/>
-                        </a:rPr>
-                        <a:t>'</a:t>
-                      </a:r>
-                    </a:p>
-                    <a:p>
-                      <a:pPr algn="l" fontAlgn="base"/>
-                      <a:endParaRPr lang="en-US" b="0" i="0" dirty="0">
-                        <a:effectLst/>
-                        <a:latin typeface="Consolas"/>
-                      </a:endParaRPr>
-                    </a:p>
-                  </a:txBody>
-                  <a:tcPr marL="0" marR="0" marT="0" marB="0" anchor="ctr">
-                    <a:lnL>
-                      <a:noFill/>
-                    </a:lnL>
-                    <a:lnR>
-                      <a:noFill/>
-                    </a:lnR>
-                    <a:lnT>
-                      <a:noFill/>
-                    </a:lnT>
-                    <a:lnB>
-                      <a:noFill/>
-                    </a:lnB>
-                  </a:tcPr>
-                </a:tc>
-              </a:tr>
-            </a:tbl>
-          </a:graphicData>
-        </a:graphic>
-      </p:graphicFrame>
+      </p:pic>
     </p:spTree>
     <p:extLst>
       <p:ext uri="{BB962C8B-B14F-4D97-AF65-F5344CB8AC3E}">
@@ -8724,6 +8470,13 @@
   <p:clrMapOvr>
     <a:masterClrMapping/>
   </p:clrMapOvr>
+  <p:timing>
+    <p:tnLst>
+      <p:par>
+        <p:cTn id="1" dur="indefinite" restart="never" nodeType="tmRoot"/>
+      </p:par>
+    </p:tnLst>
+  </p:timing>
 </p:sld>
 </file>
 
@@ -8884,12 +8637,6 @@
 <file path=ppt/slides/slide20.xml><?xml version="1.0" encoding="utf-8"?>
 <p:sld xmlns:a="http://schemas.openxmlformats.org/drawingml/2006/main" xmlns:r="http://schemas.openxmlformats.org/officeDocument/2006/relationships" xmlns:p="http://schemas.openxmlformats.org/presentationml/2006/main">
   <p:cSld>
-    <p:bg>
-      <p:bgPr>
-        <a:noFill/>
-        <a:effectLst/>
-      </p:bgPr>
-    </p:bg>
     <p:spTree>
       <p:nvGrpSpPr>
         <p:cNvPr id="1" name=""/>
@@ -8904,39 +8651,31 @@
           <a:chExt cx="0" cy="0"/>
         </a:xfrm>
       </p:grpSpPr>
-      <p:sp>
-        <p:nvSpPr>
-          <p:cNvPr id="2" name="Title 1"/>
-          <p:cNvSpPr>
-            <a:spLocks noGrp="1"/>
-          </p:cNvSpPr>
-          <p:nvPr>
-            <p:ph type="title"/>
-          </p:nvPr>
-        </p:nvSpPr>
-        <p:spPr/>
-        <p:txBody>
-          <a:bodyPr/>
-          <a:lstStyle/>
-          <a:p>
-            <a:r>
-              <a:rPr lang="en-US" dirty="0" smtClean="0"/>
-              <a:t>Path and URL Helpers</a:t>
-            </a:r>
-            <a:endParaRPr lang="en-US" dirty="0"/>
-          </a:p>
-        </p:txBody>
-      </p:sp>
-      <p:sp>
-        <p:nvSpPr>
-          <p:cNvPr id="3" name="Rectangle 3"/>
-          <p:cNvSpPr txBox="1"/>
+      <p:pic>
+        <p:nvPicPr>
+          <p:cNvPr id="3074" name="Picture 2"/>
+          <p:cNvPicPr>
+            <a:picLocks noChangeAspect="1" noChangeArrowheads="1"/>
+          </p:cNvPicPr>
           <p:nvPr/>
-        </p:nvSpPr>
-        <p:spPr>
+        </p:nvPicPr>
+        <p:blipFill>
+          <a:blip r:embed="rId2">
+            <a:extLst>
+              <a:ext uri="{28A0092B-C50C-407E-A947-70E740481C1C}">
+                <a14:useLocalDpi xmlns:a14="http://schemas.microsoft.com/office/drawing/2010/main" val="0"/>
+              </a:ext>
+            </a:extLst>
+          </a:blip>
+          <a:srcRect/>
+          <a:stretch>
+            <a:fillRect/>
+          </a:stretch>
+        </p:blipFill>
+        <p:spPr bwMode="auto">
           <a:xfrm>
-            <a:off x="457200" y="1200150"/>
-            <a:ext cx="8229600" cy="3810000"/>
+            <a:off x="685800" y="72320"/>
+            <a:ext cx="7848600" cy="4937830"/>
           </a:xfrm>
           <a:prstGeom prst="rect">
             <a:avLst/>
@@ -8945,391 +8684,54 @@
           <a:ln>
             <a:noFill/>
           </a:ln>
+          <a:effectLst/>
+          <a:extLst>
+            <a:ext uri="{909E8E84-426E-40DD-AFC4-6F175D3DCCD1}">
+              <a14:hiddenFill xmlns:a14="http://schemas.microsoft.com/office/drawing/2010/main">
+                <a:solidFill>
+                  <a:schemeClr val="accent1"/>
+                </a:solidFill>
+              </a14:hiddenFill>
+            </a:ext>
+            <a:ext uri="{91240B29-F687-4F45-9708-019B960494DF}">
+              <a14:hiddenLine xmlns:a14="http://schemas.microsoft.com/office/drawing/2010/main" w="9525">
+                <a:solidFill>
+                  <a:schemeClr val="tx1"/>
+                </a:solidFill>
+                <a:miter lim="800000"/>
+                <a:headEnd/>
+                <a:tailEnd/>
+              </a14:hiddenLine>
+            </a:ext>
+            <a:ext uri="{AF507438-7753-43E0-B8FC-AC1667EBCBE1}">
+              <a14:hiddenEffects xmlns:a14="http://schemas.microsoft.com/office/drawing/2010/main">
+                <a:effectLst>
+                  <a:outerShdw dist="35921" dir="2700000" algn="ctr" rotWithShape="0">
+                    <a:schemeClr val="bg2"/>
+                  </a:outerShdw>
+                </a:effectLst>
+              </a14:hiddenEffects>
+            </a:ext>
+          </a:extLst>
         </p:spPr>
-        <p:txBody>
-          <a:bodyPr lIns="91425" tIns="91425" rIns="91425" bIns="91425" anchor="t" anchorCtr="0"/>
-          <a:lstStyle>
-            <a:defPPr marR="0" algn="l" rtl="0">
-              <a:lnSpc>
-                <a:spcPct val="100000"/>
-              </a:lnSpc>
-              <a:spcBef>
-                <a:spcPts val="0"/>
-              </a:spcBef>
-              <a:spcAft>
-                <a:spcPts val="0"/>
-              </a:spcAft>
-            </a:defPPr>
-            <a:lvl1pPr>
-              <a:spcBef>
-                <a:spcPts val="600"/>
-              </a:spcBef>
-              <a:buClr>
-                <a:schemeClr val="dk1"/>
-              </a:buClr>
-              <a:buSzPct val="100000"/>
-              <a:defRPr sz="3000">
-                <a:solidFill>
-                  <a:schemeClr val="dk1"/>
-                </a:solidFill>
-              </a:defRPr>
-            </a:lvl1pPr>
-            <a:lvl2pPr>
-              <a:spcBef>
-                <a:spcPts val="480"/>
-              </a:spcBef>
-              <a:buClr>
-                <a:schemeClr val="dk1"/>
-              </a:buClr>
-              <a:buSzPct val="100000"/>
-              <a:defRPr sz="2400">
-                <a:solidFill>
-                  <a:schemeClr val="dk1"/>
-                </a:solidFill>
-              </a:defRPr>
-            </a:lvl2pPr>
-            <a:lvl3pPr>
-              <a:spcBef>
-                <a:spcPts val="480"/>
-              </a:spcBef>
-              <a:buClr>
-                <a:schemeClr val="dk1"/>
-              </a:buClr>
-              <a:buSzPct val="100000"/>
-              <a:defRPr sz="2400">
-                <a:solidFill>
-                  <a:schemeClr val="dk1"/>
-                </a:solidFill>
-              </a:defRPr>
-            </a:lvl3pPr>
-            <a:lvl4pPr>
-              <a:spcBef>
-                <a:spcPts val="360"/>
-              </a:spcBef>
-              <a:buClr>
-                <a:schemeClr val="dk1"/>
-              </a:buClr>
-              <a:buSzPct val="100000"/>
-              <a:defRPr sz="1800">
-                <a:solidFill>
-                  <a:schemeClr val="dk1"/>
-                </a:solidFill>
-              </a:defRPr>
-            </a:lvl4pPr>
-            <a:lvl5pPr>
-              <a:spcBef>
-                <a:spcPts val="360"/>
-              </a:spcBef>
-              <a:buClr>
-                <a:schemeClr val="dk1"/>
-              </a:buClr>
-              <a:buSzPct val="100000"/>
-              <a:defRPr sz="1800">
-                <a:solidFill>
-                  <a:schemeClr val="dk1"/>
-                </a:solidFill>
-              </a:defRPr>
-            </a:lvl5pPr>
-            <a:lvl6pPr>
-              <a:spcBef>
-                <a:spcPts val="360"/>
-              </a:spcBef>
-              <a:buClr>
-                <a:schemeClr val="dk1"/>
-              </a:buClr>
-              <a:buSzPct val="100000"/>
-              <a:defRPr sz="1800">
-                <a:solidFill>
-                  <a:schemeClr val="dk1"/>
-                </a:solidFill>
-              </a:defRPr>
-            </a:lvl6pPr>
-            <a:lvl7pPr>
-              <a:spcBef>
-                <a:spcPts val="360"/>
-              </a:spcBef>
-              <a:buClr>
-                <a:schemeClr val="dk1"/>
-              </a:buClr>
-              <a:buSzPct val="100000"/>
-              <a:defRPr sz="1800">
-                <a:solidFill>
-                  <a:schemeClr val="dk1"/>
-                </a:solidFill>
-              </a:defRPr>
-            </a:lvl7pPr>
-            <a:lvl8pPr>
-              <a:spcBef>
-                <a:spcPts val="360"/>
-              </a:spcBef>
-              <a:buClr>
-                <a:schemeClr val="dk1"/>
-              </a:buClr>
-              <a:buSzPct val="100000"/>
-              <a:defRPr sz="1800">
-                <a:solidFill>
-                  <a:schemeClr val="dk1"/>
-                </a:solidFill>
-              </a:defRPr>
-            </a:lvl8pPr>
-            <a:lvl9pPr>
-              <a:spcBef>
-                <a:spcPts val="360"/>
-              </a:spcBef>
-              <a:buClr>
-                <a:schemeClr val="dk1"/>
-              </a:buClr>
-              <a:buSzPct val="100000"/>
-              <a:defRPr sz="1800">
-                <a:solidFill>
-                  <a:schemeClr val="dk1"/>
-                </a:solidFill>
-              </a:defRPr>
-            </a:lvl9pPr>
-          </a:lstStyle>
-          <a:p>
-            <a:endParaRPr lang="en-US" sz="2000" dirty="0" smtClean="0"/>
-          </a:p>
-          <a:p>
-            <a:endParaRPr lang="en-US" sz="2000" dirty="0"/>
-          </a:p>
-          <a:p>
-            <a:endParaRPr lang="en-US" sz="2000" dirty="0" smtClean="0"/>
-          </a:p>
-          <a:p>
-            <a:endParaRPr lang="en-US" sz="2000" dirty="0"/>
-          </a:p>
-          <a:p>
-            <a:endParaRPr lang="en-US" sz="2000" dirty="0" smtClean="0"/>
-          </a:p>
-          <a:p>
-            <a:r>
-              <a:rPr lang="en-US" sz="1800" dirty="0" smtClean="0"/>
-              <a:t>Adding as: patient in the routes. We get a method named as </a:t>
-            </a:r>
-            <a:r>
-              <a:rPr lang="en-US" sz="1800" dirty="0" err="1" smtClean="0"/>
-              <a:t>patient_path</a:t>
-            </a:r>
-            <a:r>
-              <a:rPr lang="en-US" sz="1800" dirty="0" smtClean="0"/>
-              <a:t> or </a:t>
-            </a:r>
-            <a:r>
-              <a:rPr lang="en-US" sz="1800" dirty="0" err="1" smtClean="0"/>
-              <a:t>patient_url</a:t>
-            </a:r>
-            <a:r>
-              <a:rPr lang="en-US" sz="1800" dirty="0" smtClean="0"/>
-              <a:t> which will be take </a:t>
-            </a:r>
-            <a:r>
-              <a:rPr lang="en-US" sz="1800" dirty="0" err="1" smtClean="0"/>
-              <a:t>patient_id</a:t>
-            </a:r>
-            <a:r>
-              <a:rPr lang="en-US" sz="1800" dirty="0" smtClean="0"/>
-              <a:t> as parameter.</a:t>
-            </a:r>
-            <a:endParaRPr lang="en-US" sz="1800" dirty="0"/>
-          </a:p>
-        </p:txBody>
-      </p:sp>
-      <p:graphicFrame>
-        <p:nvGraphicFramePr>
-          <p:cNvPr id="5" name="Table 4"/>
-          <p:cNvGraphicFramePr>
-            <a:graphicFrameLocks noGrp="1"/>
-          </p:cNvGraphicFramePr>
-          <p:nvPr>
-            <p:extLst>
-              <p:ext uri="{D42A27DB-BD31-4B8C-83A1-F6EECF244321}">
-                <p14:modId xmlns:p14="http://schemas.microsoft.com/office/powerpoint/2010/main" val="1310674072"/>
-              </p:ext>
-            </p:extLst>
-          </p:nvPr>
-        </p:nvGraphicFramePr>
-        <p:xfrm>
-          <a:off x="685800" y="1733550"/>
-          <a:ext cx="5413375" cy="213360"/>
-        </p:xfrm>
-        <a:graphic>
-          <a:graphicData uri="http://schemas.openxmlformats.org/drawingml/2006/table">
-            <a:tbl>
-              <a:tblPr/>
-              <a:tblGrid>
-                <a:gridCol w="5413375"/>
-              </a:tblGrid>
-              <a:tr h="0">
-                <a:tc>
-                  <a:txBody>
-                    <a:bodyPr/>
-                    <a:lstStyle/>
-                    <a:p>
-                      <a:pPr algn="l" fontAlgn="base"/>
-                      <a:r>
-                        <a:rPr lang="en-US" b="0" i="0" dirty="0">
-                          <a:effectLst/>
-                          <a:latin typeface="Consolas"/>
-                        </a:rPr>
-                        <a:t>get '/patients/:id', to: '</a:t>
-                      </a:r>
-                      <a:r>
-                        <a:rPr lang="en-US" b="0" i="0" dirty="0" err="1">
-                          <a:effectLst/>
-                          <a:latin typeface="Consolas"/>
-                        </a:rPr>
-                        <a:t>patients#show</a:t>
-                      </a:r>
-                      <a:r>
-                        <a:rPr lang="en-US" b="0" i="0" dirty="0">
-                          <a:effectLst/>
-                          <a:latin typeface="Consolas"/>
-                        </a:rPr>
-                        <a:t>', </a:t>
-                      </a:r>
-                      <a:r>
-                        <a:rPr lang="en-US" b="0" i="0" dirty="0" err="1">
-                          <a:effectLst/>
-                          <a:latin typeface="Consolas"/>
-                        </a:rPr>
-                        <a:t>as</a:t>
-                      </a:r>
-                      <a:r>
-                        <a:rPr lang="en-US" b="0" i="0" dirty="0" err="1" smtClean="0">
-                          <a:effectLst/>
-                          <a:latin typeface="Consolas"/>
-                        </a:rPr>
-                        <a:t>:'patient</a:t>
-                      </a:r>
-                      <a:r>
-                        <a:rPr lang="en-US" b="0" i="0" dirty="0" smtClean="0">
-                          <a:effectLst/>
-                          <a:latin typeface="Consolas"/>
-                        </a:rPr>
-                        <a:t>‘</a:t>
-                      </a:r>
-                    </a:p>
-                  </a:txBody>
-                  <a:tcPr marL="0" marR="0" marT="0" marB="0" anchor="ctr">
-                    <a:lnL>
-                      <a:noFill/>
-                    </a:lnL>
-                    <a:lnR>
-                      <a:noFill/>
-                    </a:lnR>
-                    <a:lnT>
-                      <a:noFill/>
-                    </a:lnT>
-                    <a:lnB>
-                      <a:noFill/>
-                    </a:lnB>
-                  </a:tcPr>
-                </a:tc>
-              </a:tr>
-            </a:tbl>
-          </a:graphicData>
-        </a:graphic>
-      </p:graphicFrame>
-      <p:graphicFrame>
-        <p:nvGraphicFramePr>
-          <p:cNvPr id="6" name="Table 5"/>
-          <p:cNvGraphicFramePr>
-            <a:graphicFrameLocks noGrp="1"/>
-          </p:cNvGraphicFramePr>
-          <p:nvPr>
-            <p:extLst>
-              <p:ext uri="{D42A27DB-BD31-4B8C-83A1-F6EECF244321}">
-                <p14:modId xmlns:p14="http://schemas.microsoft.com/office/powerpoint/2010/main" val="2569539606"/>
-              </p:ext>
-            </p:extLst>
-          </p:nvPr>
-        </p:nvGraphicFramePr>
-        <p:xfrm>
-          <a:off x="609600" y="2266950"/>
-          <a:ext cx="5943600" cy="1009491"/>
-        </p:xfrm>
-        <a:graphic>
-          <a:graphicData uri="http://schemas.openxmlformats.org/drawingml/2006/table">
-            <a:tbl>
-              <a:tblPr/>
-              <a:tblGrid>
-                <a:gridCol w="5943600"/>
-              </a:tblGrid>
-              <a:tr h="1009491">
-                <a:tc>
-                  <a:txBody>
-                    <a:bodyPr/>
-                    <a:lstStyle/>
-                    <a:p>
-                      <a:pPr algn="l" fontAlgn="base"/>
-                      <a:r>
-                        <a:rPr lang="en-US" b="0" i="0" dirty="0">
-                          <a:effectLst/>
-                          <a:latin typeface="Consolas"/>
-                        </a:rPr>
-                        <a:t>&lt;%= </a:t>
-                      </a:r>
-                      <a:r>
-                        <a:rPr lang="en-US" b="0" i="0" dirty="0" err="1">
-                          <a:effectLst/>
-                          <a:latin typeface="Consolas"/>
-                        </a:rPr>
-                        <a:t>link_to</a:t>
-                      </a:r>
-                      <a:r>
-                        <a:rPr lang="en-US" b="0" i="0" dirty="0">
-                          <a:effectLst/>
-                          <a:latin typeface="Consolas"/>
-                        </a:rPr>
-                        <a:t> 'Patient Record', </a:t>
-                      </a:r>
-                      <a:r>
-                        <a:rPr lang="en-US" b="0" i="0" dirty="0" err="1">
-                          <a:effectLst/>
-                          <a:latin typeface="Consolas"/>
-                        </a:rPr>
-                        <a:t>patient_path</a:t>
-                      </a:r>
-                      <a:r>
-                        <a:rPr lang="en-US" b="0" i="0" dirty="0">
-                          <a:effectLst/>
-                          <a:latin typeface="Consolas"/>
-                        </a:rPr>
-                        <a:t>(@patient) %&gt;</a:t>
-                      </a:r>
-                    </a:p>
-                  </a:txBody>
-                  <a:tcPr marL="0" marR="0" marT="0" marB="0" anchor="ctr">
-                    <a:lnL>
-                      <a:noFill/>
-                    </a:lnL>
-                    <a:lnR>
-                      <a:noFill/>
-                    </a:lnR>
-                    <a:lnT>
-                      <a:noFill/>
-                    </a:lnT>
-                    <a:lnB>
-                      <a:noFill/>
-                    </a:lnB>
-                  </a:tcPr>
-                </a:tc>
-              </a:tr>
-            </a:tbl>
-          </a:graphicData>
-        </a:graphic>
-      </p:graphicFrame>
+      </p:pic>
     </p:spTree>
     <p:extLst>
       <p:ext uri="{BB962C8B-B14F-4D97-AF65-F5344CB8AC3E}">
-        <p14:creationId xmlns:p14="http://schemas.microsoft.com/office/powerpoint/2010/main" val="2898070197"/>
+        <p14:creationId xmlns:p14="http://schemas.microsoft.com/office/powerpoint/2010/main" val="3012034353"/>
       </p:ext>
     </p:extLst>
   </p:cSld>
   <p:clrMapOvr>
     <a:masterClrMapping/>
   </p:clrMapOvr>
+  <p:timing>
+    <p:tnLst>
+      <p:par>
+        <p:cTn id="1" dur="indefinite" restart="never" nodeType="tmRoot"/>
+      </p:par>
+    </p:tnLst>
+  </p:timing>
 </p:sld>
 </file>
 
@@ -9385,8 +8787,8 @@
         </p:nvSpPr>
         <p:spPr>
           <a:xfrm>
-            <a:off x="440094" y="1047750"/>
-            <a:ext cx="8229600" cy="3638550"/>
+            <a:off x="440094" y="1047749"/>
+            <a:ext cx="8229600" cy="3781425"/>
           </a:xfrm>
           <a:prstGeom prst="rect">
             <a:avLst/>
@@ -9538,24 +8940,114 @@
             </a:lvl9pPr>
           </a:lstStyle>
           <a:p>
-            <a:endParaRPr lang="en-US" sz="1800" i="1" dirty="0" smtClean="0"/>
-          </a:p>
-          <a:p>
+            <a:pPr marL="285750" indent="-285750">
+              <a:buFont typeface="Arial" pitchFamily="34" charset="0"/>
+              <a:buChar char="•"/>
+            </a:pPr>
+            <a:r>
+              <a:rPr lang="en-US" sz="1400" dirty="0"/>
+              <a:t>Resource routing allows you to quickly declare all of the common routes for a given resourceful controller. </a:t>
+            </a:r>
+            <a:endParaRPr lang="en-US" sz="1400" dirty="0" smtClean="0"/>
+          </a:p>
+          <a:p>
+            <a:endParaRPr lang="en-US" sz="1400" dirty="0" smtClean="0"/>
+          </a:p>
+          <a:p>
+            <a:pPr marL="285750" lvl="1" indent="-285750">
+              <a:buFont typeface="Arial" pitchFamily="34" charset="0"/>
+              <a:buChar char="•"/>
+            </a:pPr>
+            <a:r>
+              <a:rPr lang="en-US" sz="1400" dirty="0" smtClean="0"/>
+              <a:t>Instead </a:t>
+            </a:r>
+            <a:r>
+              <a:rPr lang="en-US" sz="1400" dirty="0"/>
+              <a:t>of declaring separate routes for your </a:t>
+            </a:r>
+            <a:r>
+              <a:rPr lang="en-US" sz="1400" dirty="0"/>
+              <a:t>index</a:t>
+            </a:r>
+            <a:r>
+              <a:rPr lang="en-US" sz="1400" dirty="0"/>
+              <a:t>, </a:t>
+            </a:r>
+            <a:r>
+              <a:rPr lang="en-US" sz="1400" dirty="0"/>
+              <a:t>show</a:t>
+            </a:r>
+            <a:r>
+              <a:rPr lang="en-US" sz="1400" dirty="0"/>
+              <a:t>, </a:t>
+            </a:r>
+            <a:r>
+              <a:rPr lang="en-US" sz="1400" dirty="0"/>
+              <a:t>new</a:t>
+            </a:r>
+            <a:r>
+              <a:rPr lang="en-US" sz="1400" dirty="0"/>
+              <a:t>, </a:t>
+            </a:r>
+            <a:r>
+              <a:rPr lang="en-US" sz="1400" dirty="0"/>
+              <a:t>edit</a:t>
+            </a:r>
+            <a:r>
+              <a:rPr lang="en-US" sz="1400" dirty="0"/>
+              <a:t>, </a:t>
+            </a:r>
+            <a:r>
+              <a:rPr lang="en-US" sz="1400" dirty="0"/>
+              <a:t>create</a:t>
+            </a:r>
+            <a:r>
+              <a:rPr lang="en-US" sz="1400" dirty="0"/>
+              <a:t>, </a:t>
+            </a:r>
+            <a:r>
+              <a:rPr lang="en-US" sz="1400" dirty="0" err="1"/>
+              <a:t>update</a:t>
+            </a:r>
+            <a:r>
+              <a:rPr lang="en-US" sz="1400" dirty="0" err="1"/>
+              <a:t>and</a:t>
+            </a:r>
+            <a:r>
+              <a:rPr lang="en-US" sz="1400" dirty="0"/>
+              <a:t> </a:t>
+            </a:r>
+            <a:r>
+              <a:rPr lang="en-US" sz="1400" dirty="0"/>
+              <a:t>destroy</a:t>
+            </a:r>
+            <a:r>
+              <a:rPr lang="en-US" sz="1400" dirty="0"/>
+              <a:t> actions, a resourceful route declares them in a single line of code</a:t>
+            </a:r>
+            <a:r>
+              <a:rPr lang="en-US" sz="1400" dirty="0" smtClean="0"/>
+              <a:t>.</a:t>
+            </a:r>
+          </a:p>
+          <a:p>
+            <a:pPr marL="285750" lvl="1" indent="-285750">
+              <a:buFont typeface="Arial" pitchFamily="34" charset="0"/>
+              <a:buChar char="•"/>
+            </a:pPr>
+            <a:endParaRPr lang="en-US" sz="1400" dirty="0"/>
+          </a:p>
+          <a:p>
+            <a:pPr lvl="1"/>
+            <a:endParaRPr lang="en-US" sz="1400" dirty="0" smtClean="0"/>
+          </a:p>
+          <a:p>
+            <a:pPr marL="285750" lvl="1" indent="-285750">
+              <a:buFont typeface="Arial" pitchFamily="34" charset="0"/>
+              <a:buChar char="•"/>
+            </a:pPr>
             <a:endParaRPr lang="en-US" sz="1800" i="1" dirty="0"/>
-          </a:p>
-          <a:p>
-            <a:r>
-              <a:rPr lang="en-US" sz="1800" i="1" dirty="0" smtClean="0"/>
-              <a:t>resources </a:t>
-            </a:r>
-            <a:r>
-              <a:rPr lang="en-US" sz="1800" i="1" dirty="0"/>
-              <a:t>:</a:t>
-            </a:r>
-            <a:r>
-              <a:rPr lang="en-US" sz="1800" i="1" dirty="0" smtClean="0"/>
-              <a:t>photos</a:t>
-            </a:r>
           </a:p>
         </p:txBody>
       </p:sp>
@@ -9675,6 +9167,70 @@
           </a:p>
         </p:txBody>
       </p:sp>
+      <p:pic>
+        <p:nvPicPr>
+          <p:cNvPr id="4098" name="Picture 2"/>
+          <p:cNvPicPr>
+            <a:picLocks noChangeAspect="1" noChangeArrowheads="1"/>
+          </p:cNvPicPr>
+          <p:nvPr/>
+        </p:nvPicPr>
+        <p:blipFill>
+          <a:blip r:embed="rId2">
+            <a:extLst>
+              <a:ext uri="{28A0092B-C50C-407E-A947-70E740481C1C}">
+                <a14:useLocalDpi xmlns:a14="http://schemas.microsoft.com/office/drawing/2010/main" val="0"/>
+              </a:ext>
+            </a:extLst>
+          </a:blip>
+          <a:srcRect/>
+          <a:stretch>
+            <a:fillRect/>
+          </a:stretch>
+        </p:blipFill>
+        <p:spPr bwMode="auto">
+          <a:xfrm>
+            <a:off x="1454020" y="2800350"/>
+            <a:ext cx="6248400" cy="2028825"/>
+          </a:xfrm>
+          <a:prstGeom prst="rect">
+            <a:avLst/>
+          </a:prstGeom>
+          <a:noFill/>
+          <a:ln>
+            <a:noFill/>
+          </a:ln>
+          <a:effectLst/>
+          <a:extLst>
+            <a:ext uri="{909E8E84-426E-40DD-AFC4-6F175D3DCCD1}">
+              <a14:hiddenFill xmlns:a14="http://schemas.microsoft.com/office/drawing/2010/main">
+                <a:solidFill>
+                  <a:schemeClr val="accent1"/>
+                </a:solidFill>
+              </a14:hiddenFill>
+            </a:ext>
+            <a:ext uri="{91240B29-F687-4F45-9708-019B960494DF}">
+              <a14:hiddenLine xmlns:a14="http://schemas.microsoft.com/office/drawing/2010/main" w="9525">
+                <a:solidFill>
+                  <a:schemeClr val="tx1"/>
+                </a:solidFill>
+                <a:miter lim="800000"/>
+                <a:headEnd/>
+                <a:tailEnd/>
+              </a14:hiddenLine>
+            </a:ext>
+            <a:ext uri="{AF507438-7753-43E0-B8FC-AC1667EBCBE1}">
+              <a14:hiddenEffects xmlns:a14="http://schemas.microsoft.com/office/drawing/2010/main">
+                <a:effectLst>
+                  <a:outerShdw dist="35921" dir="2700000" algn="ctr" rotWithShape="0">
+                    <a:schemeClr val="bg2"/>
+                  </a:outerShdw>
+                </a:effectLst>
+              </a14:hiddenEffects>
+            </a:ext>
+          </a:extLst>
+        </p:spPr>
+      </p:pic>
     </p:spTree>
     <p:extLst>
       <p:ext uri="{BB962C8B-B14F-4D97-AF65-F5344CB8AC3E}">
@@ -9685,6 +9241,13 @@
   <p:clrMapOvr>
     <a:masterClrMapping/>
   </p:clrMapOvr>
+  <p:timing>
+    <p:tnLst>
+      <p:par>
+        <p:cTn id="1" dur="indefinite" restart="never" nodeType="tmRoot"/>
+      </p:par>
+    </p:tnLst>
+  </p:timing>
 </p:sld>
 </file>
 
@@ -11853,6 +11416,13 @@
   <p:clrMapOvr>
     <a:masterClrMapping/>
   </p:clrMapOvr>
+  <p:timing>
+    <p:tnLst>
+      <p:par>
+        <p:cTn id="1" dur="indefinite" restart="never" nodeType="tmRoot"/>
+      </p:par>
+    </p:tnLst>
+  </p:timing>
 </p:sld>
 </file>
 
@@ -12067,127 +11637,70 @@
           </a:p>
         </p:txBody>
       </p:sp>
-      <p:graphicFrame>
-        <p:nvGraphicFramePr>
-          <p:cNvPr id="5" name="Table 4"/>
-          <p:cNvGraphicFramePr>
-            <a:graphicFrameLocks noGrp="1"/>
-          </p:cNvGraphicFramePr>
+      <p:pic>
+        <p:nvPicPr>
+          <p:cNvPr id="5122" name="Picture 2"/>
+          <p:cNvPicPr>
+            <a:picLocks noChangeAspect="1" noChangeArrowheads="1"/>
+          </p:cNvPicPr>
           <p:nvPr/>
-        </p:nvGraphicFramePr>
-        <p:xfrm>
-          <a:off x="1866900" y="2743041"/>
-          <a:ext cx="5410200" cy="640080"/>
-        </p:xfrm>
-        <a:graphic>
-          <a:graphicData uri="http://schemas.openxmlformats.org/drawingml/2006/table">
-            <a:tbl>
-              <a:tblPr/>
-              <a:tblGrid>
-                <a:gridCol w="5410200"/>
-              </a:tblGrid>
-              <a:tr h="0">
-                <a:tc>
-                  <a:txBody>
-                    <a:bodyPr/>
-                    <a:lstStyle/>
-                    <a:p>
-                      <a:pPr algn="l" fontAlgn="base"/>
-                      <a:r>
-                        <a:rPr lang="fr-FR" b="0" i="0" dirty="0" err="1">
-                          <a:effectLst/>
-                          <a:latin typeface="Consolas"/>
-                        </a:rPr>
-                        <a:t>namespace</a:t>
-                      </a:r>
-                      <a:r>
-                        <a:rPr lang="fr-FR" b="0" i="0" dirty="0">
-                          <a:effectLst/>
-                          <a:latin typeface="Consolas"/>
-                        </a:rPr>
-                        <a:t> :</a:t>
-                      </a:r>
-                      <a:r>
-                        <a:rPr lang="fr-FR" b="0" i="0" dirty="0" err="1">
-                          <a:effectLst/>
-                          <a:latin typeface="Consolas"/>
-                        </a:rPr>
-                        <a:t>admin</a:t>
-                      </a:r>
-                      <a:r>
-                        <a:rPr lang="fr-FR" b="0" i="0" dirty="0">
-                          <a:effectLst/>
-                          <a:latin typeface="Consolas"/>
-                        </a:rPr>
-                        <a:t> do</a:t>
-                      </a:r>
-                    </a:p>
-                    <a:p>
-                      <a:pPr algn="l" fontAlgn="base"/>
-                      <a:r>
-                        <a:rPr lang="fr-FR" b="0" i="0" dirty="0">
-                          <a:effectLst/>
-                          <a:latin typeface="Consolas"/>
-                        </a:rPr>
-                        <a:t>  </a:t>
-                      </a:r>
-                      <a:r>
-                        <a:rPr lang="fr-FR" b="0" i="0" dirty="0" err="1">
-                          <a:effectLst/>
-                          <a:latin typeface="Consolas"/>
-                        </a:rPr>
-                        <a:t>resources</a:t>
-                      </a:r>
-                      <a:r>
-                        <a:rPr lang="fr-FR" b="0" i="0" dirty="0">
-                          <a:effectLst/>
-                          <a:latin typeface="Consolas"/>
-                        </a:rPr>
-                        <a:t> :articles, :</a:t>
-                      </a:r>
-                      <a:r>
-                        <a:rPr lang="fr-FR" b="0" i="0" dirty="0" err="1">
-                          <a:effectLst/>
-                          <a:latin typeface="Consolas"/>
-                        </a:rPr>
-                        <a:t>comments</a:t>
-                      </a:r>
-                      <a:endParaRPr lang="fr-FR" b="0" i="0" dirty="0">
-                        <a:effectLst/>
-                        <a:latin typeface="Consolas"/>
-                      </a:endParaRPr>
-                    </a:p>
-                    <a:p>
-                      <a:pPr algn="l" fontAlgn="base"/>
-                      <a:r>
-                        <a:rPr lang="fr-FR" b="0" i="0" dirty="0">
-                          <a:effectLst/>
-                          <a:latin typeface="Consolas"/>
-                        </a:rPr>
-                        <a:t>end</a:t>
-                      </a:r>
-                    </a:p>
-                  </a:txBody>
-                  <a:tcPr marL="0" marR="0" marT="0" marB="0" anchor="ctr">
-                    <a:lnL>
-                      <a:noFill/>
-                    </a:lnL>
-                    <a:lnR>
-                      <a:noFill/>
-                    </a:lnR>
-                    <a:lnT>
-                      <a:noFill/>
-                    </a:lnT>
-                    <a:lnB>
-                      <a:noFill/>
-                    </a:lnB>
-                  </a:tcPr>
-                </a:tc>
-              </a:tr>
-            </a:tbl>
-          </a:graphicData>
-        </a:graphic>
-      </p:graphicFrame>
+        </p:nvPicPr>
+        <p:blipFill>
+          <a:blip r:embed="rId2">
+            <a:extLst>
+              <a:ext uri="{28A0092B-C50C-407E-A947-70E740481C1C}">
+                <a14:useLocalDpi xmlns:a14="http://schemas.microsoft.com/office/drawing/2010/main" val="0"/>
+              </a:ext>
+            </a:extLst>
+          </a:blip>
+          <a:srcRect/>
+          <a:stretch>
+            <a:fillRect/>
+          </a:stretch>
+        </p:blipFill>
+        <p:spPr bwMode="auto">
+          <a:xfrm>
+            <a:off x="685800" y="1262063"/>
+            <a:ext cx="7885106" cy="3367087"/>
+          </a:xfrm>
+          <a:prstGeom prst="rect">
+            <a:avLst/>
+          </a:prstGeom>
+          <a:noFill/>
+          <a:ln>
+            <a:noFill/>
+          </a:ln>
+          <a:effectLst/>
+          <a:extLst>
+            <a:ext uri="{909E8E84-426E-40DD-AFC4-6F175D3DCCD1}">
+              <a14:hiddenFill xmlns:a14="http://schemas.microsoft.com/office/drawing/2010/main">
+                <a:solidFill>
+                  <a:schemeClr val="accent1"/>
+                </a:solidFill>
+              </a14:hiddenFill>
+            </a:ext>
+            <a:ext uri="{91240B29-F687-4F45-9708-019B960494DF}">
+              <a14:hiddenLine xmlns:a14="http://schemas.microsoft.com/office/drawing/2010/main" w="9525">
+                <a:solidFill>
+                  <a:schemeClr val="tx1"/>
+                </a:solidFill>
+                <a:miter lim="800000"/>
+                <a:headEnd/>
+                <a:tailEnd/>
+              </a14:hiddenLine>
+            </a:ext>
+            <a:ext uri="{AF507438-7753-43E0-B8FC-AC1667EBCBE1}">
+              <a14:hiddenEffects xmlns:a14="http://schemas.microsoft.com/office/drawing/2010/main">
+                <a:effectLst>
+                  <a:outerShdw dist="35921" dir="2700000" algn="ctr" rotWithShape="0">
+                    <a:schemeClr val="bg2"/>
+                  </a:outerShdw>
+                </a:effectLst>
+              </a14:hiddenEffects>
+            </a:ext>
+          </a:extLst>
+        </p:spPr>
+      </p:pic>
     </p:spTree>
     <p:extLst>
       <p:ext uri="{BB962C8B-B14F-4D97-AF65-F5344CB8AC3E}">
@@ -12198,6 +11711,13 @@
   <p:clrMapOvr>
     <a:masterClrMapping/>
   </p:clrMapOvr>
+  <p:timing>
+    <p:tnLst>
+      <p:par>
+        <p:cTn id="1" dur="indefinite" restart="never" nodeType="tmRoot"/>
+      </p:par>
+    </p:tnLst>
+  </p:timing>
 </p:sld>
 </file>
 
@@ -14172,6 +13692,13 @@
   <p:clrMapOvr>
     <a:masterClrMapping/>
   </p:clrMapOvr>
+  <p:timing>
+    <p:tnLst>
+      <p:par>
+        <p:cTn id="1" dur="indefinite" restart="never" nodeType="tmRoot"/>
+      </p:par>
+    </p:tnLst>
+  </p:timing>
 </p:sld>
 </file>
 
@@ -14208,7 +13735,12 @@
             <p:ph type="title"/>
           </p:nvPr>
         </p:nvSpPr>
-        <p:spPr/>
+        <p:spPr>
+          <a:xfrm>
+            <a:off x="457200" y="133350"/>
+            <a:ext cx="8229600" cy="857250"/>
+          </a:xfrm>
+        </p:spPr>
         <p:txBody>
           <a:bodyPr/>
           <a:lstStyle/>
@@ -14386,183 +13918,6 @@
           </a:p>
         </p:txBody>
       </p:sp>
-      <p:graphicFrame>
-        <p:nvGraphicFramePr>
-          <p:cNvPr id="5" name="Table 4"/>
-          <p:cNvGraphicFramePr>
-            <a:graphicFrameLocks noGrp="1"/>
-          </p:cNvGraphicFramePr>
-          <p:nvPr>
-            <p:extLst>
-              <p:ext uri="{D42A27DB-BD31-4B8C-83A1-F6EECF244321}">
-                <p14:modId xmlns:p14="http://schemas.microsoft.com/office/powerpoint/2010/main" val="4214011150"/>
-              </p:ext>
-            </p:extLst>
-          </p:nvPr>
-        </p:nvGraphicFramePr>
-        <p:xfrm>
-          <a:off x="609600" y="1276350"/>
-          <a:ext cx="5410200" cy="1493520"/>
-        </p:xfrm>
-        <a:graphic>
-          <a:graphicData uri="http://schemas.openxmlformats.org/drawingml/2006/table">
-            <a:tbl>
-              <a:tblPr/>
-              <a:tblGrid>
-                <a:gridCol w="5410200"/>
-              </a:tblGrid>
-              <a:tr h="0">
-                <a:tc>
-                  <a:txBody>
-                    <a:bodyPr/>
-                    <a:lstStyle/>
-                    <a:p>
-                      <a:pPr algn="l" fontAlgn="base"/>
-                      <a:r>
-                        <a:rPr lang="en-US" b="0" i="0" dirty="0">
-                          <a:effectLst/>
-                          <a:latin typeface="Consolas"/>
-                        </a:rPr>
-                        <a:t>class Magazine &lt; </a:t>
-                      </a:r>
-                      <a:r>
-                        <a:rPr lang="en-US" b="0" i="0" dirty="0" err="1">
-                          <a:effectLst/>
-                          <a:latin typeface="Consolas"/>
-                        </a:rPr>
-                        <a:t>ActiveRecord</a:t>
-                      </a:r>
-                      <a:r>
-                        <a:rPr lang="en-US" b="0" i="0" dirty="0">
-                          <a:effectLst/>
-                          <a:latin typeface="Consolas"/>
-                        </a:rPr>
-                        <a:t>::Base</a:t>
-                      </a:r>
-                    </a:p>
-                    <a:p>
-                      <a:pPr algn="l" fontAlgn="base"/>
-                      <a:r>
-                        <a:rPr lang="en-US" b="0" i="0" dirty="0">
-                          <a:effectLst/>
-                          <a:latin typeface="Consolas"/>
-                        </a:rPr>
-                        <a:t>  </a:t>
-                      </a:r>
-                      <a:r>
-                        <a:rPr lang="en-US" b="0" i="0" dirty="0" err="1">
-                          <a:effectLst/>
-                          <a:latin typeface="Consolas"/>
-                        </a:rPr>
-                        <a:t>has_many</a:t>
-                      </a:r>
-                      <a:r>
-                        <a:rPr lang="en-US" b="0" i="0" dirty="0">
-                          <a:effectLst/>
-                          <a:latin typeface="Consolas"/>
-                        </a:rPr>
-                        <a:t> :ads</a:t>
-                      </a:r>
-                    </a:p>
-                    <a:p>
-                      <a:pPr algn="l" fontAlgn="base"/>
-                      <a:r>
-                        <a:rPr lang="en-US" b="0" i="0" dirty="0">
-                          <a:effectLst/>
-                          <a:latin typeface="Consolas"/>
-                        </a:rPr>
-                        <a:t>end</a:t>
-                      </a:r>
-                    </a:p>
-                    <a:p>
-                      <a:pPr algn="l" fontAlgn="base"/>
-                      <a:r>
-                        <a:rPr lang="en-US" b="0" i="0" dirty="0">
-                          <a:effectLst/>
-                          <a:latin typeface="Consolas"/>
-                        </a:rPr>
-                        <a:t> </a:t>
-                      </a:r>
-                    </a:p>
-                    <a:p>
-                      <a:pPr algn="l" fontAlgn="base"/>
-                      <a:r>
-                        <a:rPr lang="en-US" b="0" i="0" dirty="0">
-                          <a:effectLst/>
-                          <a:latin typeface="Consolas"/>
-                        </a:rPr>
-                        <a:t>class Ad &lt; </a:t>
-                      </a:r>
-                      <a:r>
-                        <a:rPr lang="en-US" b="0" i="0" dirty="0" err="1">
-                          <a:effectLst/>
-                          <a:latin typeface="Consolas"/>
-                        </a:rPr>
-                        <a:t>ActiveRecord</a:t>
-                      </a:r>
-                      <a:r>
-                        <a:rPr lang="en-US" b="0" i="0" dirty="0">
-                          <a:effectLst/>
-                          <a:latin typeface="Consolas"/>
-                        </a:rPr>
-                        <a:t>::Base</a:t>
-                      </a:r>
-                    </a:p>
-                    <a:p>
-                      <a:pPr algn="l" fontAlgn="base"/>
-                      <a:r>
-                        <a:rPr lang="en-US" b="0" i="0" dirty="0">
-                          <a:effectLst/>
-                          <a:latin typeface="Consolas"/>
-                        </a:rPr>
-                        <a:t>  </a:t>
-                      </a:r>
-                      <a:r>
-                        <a:rPr lang="en-US" b="0" i="0" dirty="0" err="1">
-                          <a:effectLst/>
-                          <a:latin typeface="Consolas"/>
-                        </a:rPr>
-                        <a:t>belongs_to</a:t>
-                      </a:r>
-                      <a:r>
-                        <a:rPr lang="en-US" b="0" i="0" dirty="0">
-                          <a:effectLst/>
-                          <a:latin typeface="Consolas"/>
-                        </a:rPr>
-                        <a:t> :magazine</a:t>
-                      </a:r>
-                    </a:p>
-                    <a:p>
-                      <a:pPr algn="l" fontAlgn="base"/>
-                      <a:r>
-                        <a:rPr lang="en-US" b="0" i="0" dirty="0">
-                          <a:effectLst/>
-                          <a:latin typeface="Consolas"/>
-                        </a:rPr>
-                        <a:t>end</a:t>
-                      </a:r>
-                    </a:p>
-                  </a:txBody>
-                  <a:tcPr marL="0" marR="0" marT="0" marB="0" anchor="ctr">
-                    <a:lnL>
-                      <a:noFill/>
-                    </a:lnL>
-                    <a:lnR>
-                      <a:noFill/>
-                    </a:lnR>
-                    <a:lnT>
-                      <a:noFill/>
-                    </a:lnT>
-                    <a:lnB>
-                      <a:noFill/>
-                    </a:lnB>
-                  </a:tcPr>
-                </a:tc>
-              </a:tr>
-            </a:tbl>
-          </a:graphicData>
-        </a:graphic>
-      </p:graphicFrame>
       <p:sp>
         <p:nvSpPr>
           <p:cNvPr id="6" name="Rectangle 2"/>
@@ -14679,87 +14034,6 @@
           </a:p>
         </p:txBody>
       </p:sp>
-      <p:graphicFrame>
-        <p:nvGraphicFramePr>
-          <p:cNvPr id="9" name="Table 8"/>
-          <p:cNvGraphicFramePr>
-            <a:graphicFrameLocks noGrp="1"/>
-          </p:cNvGraphicFramePr>
-          <p:nvPr>
-            <p:extLst>
-              <p:ext uri="{D42A27DB-BD31-4B8C-83A1-F6EECF244321}">
-                <p14:modId xmlns:p14="http://schemas.microsoft.com/office/powerpoint/2010/main" val="1395681794"/>
-              </p:ext>
-            </p:extLst>
-          </p:nvPr>
-        </p:nvGraphicFramePr>
-        <p:xfrm>
-          <a:off x="685800" y="3486150"/>
-          <a:ext cx="5410200" cy="640080"/>
-        </p:xfrm>
-        <a:graphic>
-          <a:graphicData uri="http://schemas.openxmlformats.org/drawingml/2006/table">
-            <a:tbl>
-              <a:tblPr/>
-              <a:tblGrid>
-                <a:gridCol w="5410200"/>
-              </a:tblGrid>
-              <a:tr h="0">
-                <a:tc>
-                  <a:txBody>
-                    <a:bodyPr/>
-                    <a:lstStyle/>
-                    <a:p>
-                      <a:pPr algn="l" fontAlgn="base"/>
-                      <a:r>
-                        <a:rPr lang="en-US" b="0" i="0" dirty="0">
-                          <a:effectLst/>
-                          <a:latin typeface="Consolas"/>
-                        </a:rPr>
-                        <a:t>resources :magazines do</a:t>
-                      </a:r>
-                    </a:p>
-                    <a:p>
-                      <a:pPr algn="l" fontAlgn="base"/>
-                      <a:r>
-                        <a:rPr lang="en-US" b="0" i="0" dirty="0">
-                          <a:effectLst/>
-                          <a:latin typeface="Consolas"/>
-                        </a:rPr>
-                        <a:t>  resources :ads</a:t>
-                      </a:r>
-                    </a:p>
-                    <a:p>
-                      <a:pPr algn="l" fontAlgn="base"/>
-                      <a:r>
-                        <a:rPr lang="en-US" b="0" i="0" dirty="0">
-                          <a:effectLst/>
-                          <a:latin typeface="Consolas"/>
-                        </a:rPr>
-                        <a:t>end</a:t>
-                      </a:r>
-                    </a:p>
-                  </a:txBody>
-                  <a:tcPr marL="0" marR="0" marT="0" marB="0" anchor="ctr">
-                    <a:lnL>
-                      <a:noFill/>
-                    </a:lnL>
-                    <a:lnR>
-                      <a:noFill/>
-                    </a:lnR>
-                    <a:lnT>
-                      <a:noFill/>
-                    </a:lnT>
-                    <a:lnB>
-                      <a:noFill/>
-                    </a:lnB>
-                  </a:tcPr>
-                </a:tc>
-              </a:tr>
-            </a:tbl>
-          </a:graphicData>
-        </a:graphic>
-      </p:graphicFrame>
       <p:sp>
         <p:nvSpPr>
           <p:cNvPr id="10" name="Rectangle 4"/>
@@ -14876,2443 +14150,31 @@
           </a:p>
         </p:txBody>
       </p:sp>
-    </p:spTree>
-    <p:extLst>
-      <p:ext uri="{BB962C8B-B14F-4D97-AF65-F5344CB8AC3E}">
-        <p14:creationId xmlns:p14="http://schemas.microsoft.com/office/powerpoint/2010/main" val="705124251"/>
-      </p:ext>
-    </p:extLst>
-  </p:cSld>
-  <p:clrMapOvr>
-    <a:masterClrMapping/>
-  </p:clrMapOvr>
-</p:sld>
-</file>
-
-<file path=ppt/slides/slide26.xml><?xml version="1.0" encoding="utf-8"?>
-<p:sld xmlns:a="http://schemas.openxmlformats.org/drawingml/2006/main" xmlns:r="http://schemas.openxmlformats.org/officeDocument/2006/relationships" xmlns:p="http://schemas.openxmlformats.org/presentationml/2006/main">
-  <p:cSld>
-    <p:spTree>
-      <p:nvGrpSpPr>
-        <p:cNvPr id="1" name=""/>
-        <p:cNvGrpSpPr/>
-        <p:nvPr/>
-      </p:nvGrpSpPr>
-      <p:grpSpPr>
-        <a:xfrm>
-          <a:off x="0" y="0"/>
-          <a:ext cx="0" cy="0"/>
-          <a:chOff x="0" y="0"/>
-          <a:chExt cx="0" cy="0"/>
-        </a:xfrm>
-      </p:grpSpPr>
-      <p:sp>
-        <p:nvSpPr>
-          <p:cNvPr id="2" name="Title 1"/>
-          <p:cNvSpPr>
-            <a:spLocks noGrp="1"/>
-          </p:cNvSpPr>
-          <p:nvPr>
-            <p:ph type="title"/>
-          </p:nvPr>
-        </p:nvSpPr>
-        <p:spPr/>
-        <p:txBody>
-          <a:bodyPr/>
-          <a:lstStyle/>
-          <a:p>
-            <a:r>
-              <a:rPr lang="en-US" dirty="0" smtClean="0"/>
-              <a:t>Cont..</a:t>
-            </a:r>
-            <a:endParaRPr lang="en-US" dirty="0"/>
-          </a:p>
-        </p:txBody>
-      </p:sp>
-      <p:sp>
-        <p:nvSpPr>
-          <p:cNvPr id="3" name="Rectangle 3"/>
-          <p:cNvSpPr txBox="1"/>
+      <p:pic>
+        <p:nvPicPr>
+          <p:cNvPr id="6146" name="Picture 2"/>
+          <p:cNvPicPr>
+            <a:picLocks noChangeAspect="1" noChangeArrowheads="1"/>
+          </p:cNvPicPr>
           <p:nvPr/>
-        </p:nvSpPr>
-        <p:spPr>
-          <a:xfrm>
-            <a:off x="457200" y="1200150"/>
-            <a:ext cx="8229600" cy="553998"/>
-          </a:xfrm>
-          <a:prstGeom prst="rect">
-            <a:avLst/>
-          </a:prstGeom>
-          <a:noFill/>
-          <a:ln>
-            <a:noFill/>
-          </a:ln>
-        </p:spPr>
-        <p:txBody>
-          <a:bodyPr lIns="91425" tIns="91425" rIns="91425" bIns="91425" anchor="t" anchorCtr="0"/>
-          <a:lstStyle>
-            <a:defPPr marR="0" algn="l" rtl="0">
-              <a:lnSpc>
-                <a:spcPct val="100000"/>
-              </a:lnSpc>
-              <a:spcBef>
-                <a:spcPts val="0"/>
-              </a:spcBef>
-              <a:spcAft>
-                <a:spcPts val="0"/>
-              </a:spcAft>
-            </a:defPPr>
-            <a:lvl1pPr>
-              <a:spcBef>
-                <a:spcPts val="600"/>
-              </a:spcBef>
-              <a:buClr>
-                <a:schemeClr val="dk1"/>
-              </a:buClr>
-              <a:buSzPct val="100000"/>
-              <a:defRPr sz="3000">
-                <a:solidFill>
-                  <a:schemeClr val="dk1"/>
-                </a:solidFill>
-              </a:defRPr>
-            </a:lvl1pPr>
-            <a:lvl2pPr>
-              <a:spcBef>
-                <a:spcPts val="480"/>
-              </a:spcBef>
-              <a:buClr>
-                <a:schemeClr val="dk1"/>
-              </a:buClr>
-              <a:buSzPct val="100000"/>
-              <a:defRPr sz="2400">
-                <a:solidFill>
-                  <a:schemeClr val="dk1"/>
-                </a:solidFill>
-              </a:defRPr>
-            </a:lvl2pPr>
-            <a:lvl3pPr>
-              <a:spcBef>
-                <a:spcPts val="480"/>
-              </a:spcBef>
-              <a:buClr>
-                <a:schemeClr val="dk1"/>
-              </a:buClr>
-              <a:buSzPct val="100000"/>
-              <a:defRPr sz="2400">
-                <a:solidFill>
-                  <a:schemeClr val="dk1"/>
-                </a:solidFill>
-              </a:defRPr>
-            </a:lvl3pPr>
-            <a:lvl4pPr>
-              <a:spcBef>
-                <a:spcPts val="360"/>
-              </a:spcBef>
-              <a:buClr>
-                <a:schemeClr val="dk1"/>
-              </a:buClr>
-              <a:buSzPct val="100000"/>
-              <a:defRPr sz="1800">
-                <a:solidFill>
-                  <a:schemeClr val="dk1"/>
-                </a:solidFill>
-              </a:defRPr>
-            </a:lvl4pPr>
-            <a:lvl5pPr>
-              <a:spcBef>
-                <a:spcPts val="360"/>
-              </a:spcBef>
-              <a:buClr>
-                <a:schemeClr val="dk1"/>
-              </a:buClr>
-              <a:buSzPct val="100000"/>
-              <a:defRPr sz="1800">
-                <a:solidFill>
-                  <a:schemeClr val="dk1"/>
-                </a:solidFill>
-              </a:defRPr>
-            </a:lvl5pPr>
-            <a:lvl6pPr>
-              <a:spcBef>
-                <a:spcPts val="360"/>
-              </a:spcBef>
-              <a:buClr>
-                <a:schemeClr val="dk1"/>
-              </a:buClr>
-              <a:buSzPct val="100000"/>
-              <a:defRPr sz="1800">
-                <a:solidFill>
-                  <a:schemeClr val="dk1"/>
-                </a:solidFill>
-              </a:defRPr>
-            </a:lvl6pPr>
-            <a:lvl7pPr>
-              <a:spcBef>
-                <a:spcPts val="360"/>
-              </a:spcBef>
-              <a:buClr>
-                <a:schemeClr val="dk1"/>
-              </a:buClr>
-              <a:buSzPct val="100000"/>
-              <a:defRPr sz="1800">
-                <a:solidFill>
-                  <a:schemeClr val="dk1"/>
-                </a:solidFill>
-              </a:defRPr>
-            </a:lvl7pPr>
-            <a:lvl8pPr>
-              <a:spcBef>
-                <a:spcPts val="360"/>
-              </a:spcBef>
-              <a:buClr>
-                <a:schemeClr val="dk1"/>
-              </a:buClr>
-              <a:buSzPct val="100000"/>
-              <a:defRPr sz="1800">
-                <a:solidFill>
-                  <a:schemeClr val="dk1"/>
-                </a:solidFill>
-              </a:defRPr>
-            </a:lvl8pPr>
-            <a:lvl9pPr>
-              <a:spcBef>
-                <a:spcPts val="360"/>
-              </a:spcBef>
-              <a:buClr>
-                <a:schemeClr val="dk1"/>
-              </a:buClr>
-              <a:buSzPct val="100000"/>
-              <a:defRPr sz="1800">
-                <a:solidFill>
-                  <a:schemeClr val="dk1"/>
-                </a:solidFill>
-              </a:defRPr>
-            </a:lvl9pPr>
-          </a:lstStyle>
-          <a:p>
-            <a:endParaRPr lang="en-US" dirty="0"/>
-          </a:p>
-        </p:txBody>
-      </p:sp>
-      <p:graphicFrame>
-        <p:nvGraphicFramePr>
-          <p:cNvPr id="5" name="Table 4"/>
-          <p:cNvGraphicFramePr>
-            <a:graphicFrameLocks noGrp="1"/>
-          </p:cNvGraphicFramePr>
-          <p:nvPr/>
-        </p:nvGraphicFramePr>
-        <p:xfrm>
-          <a:off x="2130294" y="1200149"/>
-          <a:ext cx="4883412" cy="3725865"/>
-        </p:xfrm>
-        <a:graphic>
-          <a:graphicData uri="http://schemas.openxmlformats.org/drawingml/2006/table">
-            <a:tbl>
-              <a:tblPr/>
-              <a:tblGrid>
-                <a:gridCol w="1220853"/>
-                <a:gridCol w="1220853"/>
-                <a:gridCol w="1220853"/>
-                <a:gridCol w="1220853"/>
-              </a:tblGrid>
-              <a:tr h="228345">
-                <a:tc>
-                  <a:txBody>
-                    <a:bodyPr/>
-                    <a:lstStyle/>
-                    <a:p>
-                      <a:pPr algn="l"/>
-                      <a:r>
-                        <a:rPr lang="en-US" sz="800" b="1">
-                          <a:effectLst/>
-                        </a:rPr>
-                        <a:t>HTTP Verb</a:t>
-                      </a:r>
-                    </a:p>
-                  </a:txBody>
-                  <a:tcPr marL="56521" marR="56521" marT="50869" marB="50869" anchor="ctr">
-                    <a:lnL w="9525" cap="flat" cmpd="sng" algn="ctr">
-                      <a:solidFill>
-                        <a:srgbClr val="CCCCCC"/>
-                      </a:solidFill>
-                      <a:prstDash val="solid"/>
-                      <a:round/>
-                      <a:headEnd type="none" w="med" len="med"/>
-                      <a:tailEnd type="none" w="med" len="med"/>
-                    </a:lnL>
-                    <a:lnR w="9525" cap="flat" cmpd="sng" algn="ctr">
-                      <a:solidFill>
-                        <a:srgbClr val="CCCCCC"/>
-                      </a:solidFill>
-                      <a:prstDash val="solid"/>
-                      <a:round/>
-                      <a:headEnd type="none" w="med" len="med"/>
-                      <a:tailEnd type="none" w="med" len="med"/>
-                    </a:lnR>
-                    <a:lnT w="9525" cap="flat" cmpd="sng" algn="ctr">
-                      <a:solidFill>
-                        <a:srgbClr val="CCCCCC"/>
-                      </a:solidFill>
-                      <a:prstDash val="solid"/>
-                      <a:round/>
-                      <a:headEnd type="none" w="med" len="med"/>
-                      <a:tailEnd type="none" w="med" len="med"/>
-                    </a:lnT>
-                    <a:lnB w="9525" cap="flat" cmpd="sng" algn="ctr">
-                      <a:solidFill>
-                        <a:srgbClr val="CCCCCC"/>
-                      </a:solidFill>
-                      <a:prstDash val="solid"/>
-                      <a:round/>
-                      <a:headEnd type="none" w="med" len="med"/>
-                      <a:tailEnd type="none" w="med" len="med"/>
-                    </a:lnB>
-                    <a:solidFill>
-                      <a:srgbClr val="EEEEEE"/>
-                    </a:solidFill>
-                  </a:tcPr>
-                </a:tc>
-                <a:tc>
-                  <a:txBody>
-                    <a:bodyPr/>
-                    <a:lstStyle/>
-                    <a:p>
-                      <a:pPr algn="l"/>
-                      <a:r>
-                        <a:rPr lang="en-US" sz="800" b="1">
-                          <a:effectLst/>
-                        </a:rPr>
-                        <a:t>Path</a:t>
-                      </a:r>
-                    </a:p>
-                  </a:txBody>
-                  <a:tcPr marL="56521" marR="56521" marT="50869" marB="50869" anchor="ctr">
-                    <a:lnL w="9525" cap="flat" cmpd="sng" algn="ctr">
-                      <a:solidFill>
-                        <a:srgbClr val="CCCCCC"/>
-                      </a:solidFill>
-                      <a:prstDash val="solid"/>
-                      <a:round/>
-                      <a:headEnd type="none" w="med" len="med"/>
-                      <a:tailEnd type="none" w="med" len="med"/>
-                    </a:lnL>
-                    <a:lnR w="9525" cap="flat" cmpd="sng" algn="ctr">
-                      <a:solidFill>
-                        <a:srgbClr val="CCCCCC"/>
-                      </a:solidFill>
-                      <a:prstDash val="solid"/>
-                      <a:round/>
-                      <a:headEnd type="none" w="med" len="med"/>
-                      <a:tailEnd type="none" w="med" len="med"/>
-                    </a:lnR>
-                    <a:lnT w="9525" cap="flat" cmpd="sng" algn="ctr">
-                      <a:solidFill>
-                        <a:srgbClr val="CCCCCC"/>
-                      </a:solidFill>
-                      <a:prstDash val="solid"/>
-                      <a:round/>
-                      <a:headEnd type="none" w="med" len="med"/>
-                      <a:tailEnd type="none" w="med" len="med"/>
-                    </a:lnT>
-                    <a:lnB w="9525" cap="flat" cmpd="sng" algn="ctr">
-                      <a:solidFill>
-                        <a:srgbClr val="CCCCCC"/>
-                      </a:solidFill>
-                      <a:prstDash val="solid"/>
-                      <a:round/>
-                      <a:headEnd type="none" w="med" len="med"/>
-                      <a:tailEnd type="none" w="med" len="med"/>
-                    </a:lnB>
-                    <a:solidFill>
-                      <a:srgbClr val="EEEEEE"/>
-                    </a:solidFill>
-                  </a:tcPr>
-                </a:tc>
-                <a:tc>
-                  <a:txBody>
-                    <a:bodyPr/>
-                    <a:lstStyle/>
-                    <a:p>
-                      <a:pPr algn="l"/>
-                      <a:r>
-                        <a:rPr lang="en-US" sz="800" b="1">
-                          <a:effectLst/>
-                        </a:rPr>
-                        <a:t>Controller#Action</a:t>
-                      </a:r>
-                    </a:p>
-                  </a:txBody>
-                  <a:tcPr marL="56521" marR="56521" marT="50869" marB="50869" anchor="ctr">
-                    <a:lnL w="9525" cap="flat" cmpd="sng" algn="ctr">
-                      <a:solidFill>
-                        <a:srgbClr val="CCCCCC"/>
-                      </a:solidFill>
-                      <a:prstDash val="solid"/>
-                      <a:round/>
-                      <a:headEnd type="none" w="med" len="med"/>
-                      <a:tailEnd type="none" w="med" len="med"/>
-                    </a:lnL>
-                    <a:lnR w="9525" cap="flat" cmpd="sng" algn="ctr">
-                      <a:solidFill>
-                        <a:srgbClr val="CCCCCC"/>
-                      </a:solidFill>
-                      <a:prstDash val="solid"/>
-                      <a:round/>
-                      <a:headEnd type="none" w="med" len="med"/>
-                      <a:tailEnd type="none" w="med" len="med"/>
-                    </a:lnR>
-                    <a:lnT w="9525" cap="flat" cmpd="sng" algn="ctr">
-                      <a:solidFill>
-                        <a:srgbClr val="CCCCCC"/>
-                      </a:solidFill>
-                      <a:prstDash val="solid"/>
-                      <a:round/>
-                      <a:headEnd type="none" w="med" len="med"/>
-                      <a:tailEnd type="none" w="med" len="med"/>
-                    </a:lnT>
-                    <a:lnB w="9525" cap="flat" cmpd="sng" algn="ctr">
-                      <a:solidFill>
-                        <a:srgbClr val="CCCCCC"/>
-                      </a:solidFill>
-                      <a:prstDash val="solid"/>
-                      <a:round/>
-                      <a:headEnd type="none" w="med" len="med"/>
-                      <a:tailEnd type="none" w="med" len="med"/>
-                    </a:lnB>
-                    <a:solidFill>
-                      <a:srgbClr val="EEEEEE"/>
-                    </a:solidFill>
-                  </a:tcPr>
-                </a:tc>
-                <a:tc>
-                  <a:txBody>
-                    <a:bodyPr/>
-                    <a:lstStyle/>
-                    <a:p>
-                      <a:pPr algn="l"/>
-                      <a:r>
-                        <a:rPr lang="en-US" sz="800" b="1">
-                          <a:effectLst/>
-                        </a:rPr>
-                        <a:t>Used for</a:t>
-                      </a:r>
-                    </a:p>
-                  </a:txBody>
-                  <a:tcPr marL="56521" marR="56521" marT="50869" marB="50869" anchor="ctr">
-                    <a:lnL w="9525" cap="flat" cmpd="sng" algn="ctr">
-                      <a:solidFill>
-                        <a:srgbClr val="CCCCCC"/>
-                      </a:solidFill>
-                      <a:prstDash val="solid"/>
-                      <a:round/>
-                      <a:headEnd type="none" w="med" len="med"/>
-                      <a:tailEnd type="none" w="med" len="med"/>
-                    </a:lnL>
-                    <a:lnR w="9525" cap="flat" cmpd="sng" algn="ctr">
-                      <a:solidFill>
-                        <a:srgbClr val="CCCCCC"/>
-                      </a:solidFill>
-                      <a:prstDash val="solid"/>
-                      <a:round/>
-                      <a:headEnd type="none" w="med" len="med"/>
-                      <a:tailEnd type="none" w="med" len="med"/>
-                    </a:lnR>
-                    <a:lnT w="9525" cap="flat" cmpd="sng" algn="ctr">
-                      <a:solidFill>
-                        <a:srgbClr val="CCCCCC"/>
-                      </a:solidFill>
-                      <a:prstDash val="solid"/>
-                      <a:round/>
-                      <a:headEnd type="none" w="med" len="med"/>
-                      <a:tailEnd type="none" w="med" len="med"/>
-                    </a:lnT>
-                    <a:lnB w="9525" cap="flat" cmpd="sng" algn="ctr">
-                      <a:solidFill>
-                        <a:srgbClr val="CCCCCC"/>
-                      </a:solidFill>
-                      <a:prstDash val="solid"/>
-                      <a:round/>
-                      <a:headEnd type="none" w="med" len="med"/>
-                      <a:tailEnd type="none" w="med" len="med"/>
-                    </a:lnB>
-                    <a:solidFill>
-                      <a:srgbClr val="EEEEEE"/>
-                    </a:solidFill>
-                  </a:tcPr>
-                </a:tc>
-              </a:tr>
-              <a:tr h="354952">
-                <a:tc>
-                  <a:txBody>
-                    <a:bodyPr/>
-                    <a:lstStyle/>
-                    <a:p>
-                      <a:pPr algn="l"/>
-                      <a:r>
-                        <a:rPr lang="en-US" sz="800" b="0">
-                          <a:effectLst/>
-                        </a:rPr>
-                        <a:t>GET</a:t>
-                      </a:r>
-                    </a:p>
-                  </a:txBody>
-                  <a:tcPr marL="56521" marR="56521" marT="50869" marB="50869" anchor="ctr">
-                    <a:lnL w="9525" cap="flat" cmpd="sng" algn="ctr">
-                      <a:solidFill>
-                        <a:srgbClr val="CCCCCC"/>
-                      </a:solidFill>
-                      <a:prstDash val="solid"/>
-                      <a:round/>
-                      <a:headEnd type="none" w="med" len="med"/>
-                      <a:tailEnd type="none" w="med" len="med"/>
-                    </a:lnL>
-                    <a:lnR w="9525" cap="flat" cmpd="sng" algn="ctr">
-                      <a:solidFill>
-                        <a:srgbClr val="CCCCCC"/>
-                      </a:solidFill>
-                      <a:prstDash val="solid"/>
-                      <a:round/>
-                      <a:headEnd type="none" w="med" len="med"/>
-                      <a:tailEnd type="none" w="med" len="med"/>
-                    </a:lnR>
-                    <a:lnT w="9525" cap="flat" cmpd="sng" algn="ctr">
-                      <a:solidFill>
-                        <a:srgbClr val="CCCCCC"/>
-                      </a:solidFill>
-                      <a:prstDash val="solid"/>
-                      <a:round/>
-                      <a:headEnd type="none" w="med" len="med"/>
-                      <a:tailEnd type="none" w="med" len="med"/>
-                    </a:lnT>
-                    <a:lnB w="9525" cap="flat" cmpd="sng" algn="ctr">
-                      <a:solidFill>
-                        <a:srgbClr val="CCCCCC"/>
-                      </a:solidFill>
-                      <a:prstDash val="solid"/>
-                      <a:round/>
-                      <a:headEnd type="none" w="med" len="med"/>
-                      <a:tailEnd type="none" w="med" len="med"/>
-                    </a:lnB>
-                    <a:solidFill>
-                      <a:srgbClr val="FFFFFF"/>
-                    </a:solidFill>
-                  </a:tcPr>
-                </a:tc>
-                <a:tc>
-                  <a:txBody>
-                    <a:bodyPr/>
-                    <a:lstStyle/>
-                    <a:p>
-                      <a:pPr algn="l"/>
-                      <a:r>
-                        <a:rPr lang="en-US" sz="800" b="0">
-                          <a:effectLst/>
-                        </a:rPr>
-                        <a:t>/magazines/:magazine_id/ads</a:t>
-                      </a:r>
-                    </a:p>
-                  </a:txBody>
-                  <a:tcPr marL="56521" marR="56521" marT="50869" marB="50869" anchor="ctr">
-                    <a:lnL w="9525" cap="flat" cmpd="sng" algn="ctr">
-                      <a:solidFill>
-                        <a:srgbClr val="CCCCCC"/>
-                      </a:solidFill>
-                      <a:prstDash val="solid"/>
-                      <a:round/>
-                      <a:headEnd type="none" w="med" len="med"/>
-                      <a:tailEnd type="none" w="med" len="med"/>
-                    </a:lnL>
-                    <a:lnR w="9525" cap="flat" cmpd="sng" algn="ctr">
-                      <a:solidFill>
-                        <a:srgbClr val="CCCCCC"/>
-                      </a:solidFill>
-                      <a:prstDash val="solid"/>
-                      <a:round/>
-                      <a:headEnd type="none" w="med" len="med"/>
-                      <a:tailEnd type="none" w="med" len="med"/>
-                    </a:lnR>
-                    <a:lnT w="9525" cap="flat" cmpd="sng" algn="ctr">
-                      <a:solidFill>
-                        <a:srgbClr val="CCCCCC"/>
-                      </a:solidFill>
-                      <a:prstDash val="solid"/>
-                      <a:round/>
-                      <a:headEnd type="none" w="med" len="med"/>
-                      <a:tailEnd type="none" w="med" len="med"/>
-                    </a:lnT>
-                    <a:lnB w="9525" cap="flat" cmpd="sng" algn="ctr">
-                      <a:solidFill>
-                        <a:srgbClr val="CCCCCC"/>
-                      </a:solidFill>
-                      <a:prstDash val="solid"/>
-                      <a:round/>
-                      <a:headEnd type="none" w="med" len="med"/>
-                      <a:tailEnd type="none" w="med" len="med"/>
-                    </a:lnB>
-                    <a:solidFill>
-                      <a:srgbClr val="FFFFFF"/>
-                    </a:solidFill>
-                  </a:tcPr>
-                </a:tc>
-                <a:tc>
-                  <a:txBody>
-                    <a:bodyPr/>
-                    <a:lstStyle/>
-                    <a:p>
-                      <a:pPr algn="l"/>
-                      <a:r>
-                        <a:rPr lang="en-US" sz="800" b="0">
-                          <a:effectLst/>
-                        </a:rPr>
-                        <a:t>ads#index</a:t>
-                      </a:r>
-                    </a:p>
-                  </a:txBody>
-                  <a:tcPr marL="56521" marR="56521" marT="50869" marB="50869" anchor="ctr">
-                    <a:lnL w="9525" cap="flat" cmpd="sng" algn="ctr">
-                      <a:solidFill>
-                        <a:srgbClr val="CCCCCC"/>
-                      </a:solidFill>
-                      <a:prstDash val="solid"/>
-                      <a:round/>
-                      <a:headEnd type="none" w="med" len="med"/>
-                      <a:tailEnd type="none" w="med" len="med"/>
-                    </a:lnL>
-                    <a:lnR w="9525" cap="flat" cmpd="sng" algn="ctr">
-                      <a:solidFill>
-                        <a:srgbClr val="CCCCCC"/>
-                      </a:solidFill>
-                      <a:prstDash val="solid"/>
-                      <a:round/>
-                      <a:headEnd type="none" w="med" len="med"/>
-                      <a:tailEnd type="none" w="med" len="med"/>
-                    </a:lnR>
-                    <a:lnT w="9525" cap="flat" cmpd="sng" algn="ctr">
-                      <a:solidFill>
-                        <a:srgbClr val="CCCCCC"/>
-                      </a:solidFill>
-                      <a:prstDash val="solid"/>
-                      <a:round/>
-                      <a:headEnd type="none" w="med" len="med"/>
-                      <a:tailEnd type="none" w="med" len="med"/>
-                    </a:lnT>
-                    <a:lnB w="9525" cap="flat" cmpd="sng" algn="ctr">
-                      <a:solidFill>
-                        <a:srgbClr val="CCCCCC"/>
-                      </a:solidFill>
-                      <a:prstDash val="solid"/>
-                      <a:round/>
-                      <a:headEnd type="none" w="med" len="med"/>
-                      <a:tailEnd type="none" w="med" len="med"/>
-                    </a:lnB>
-                    <a:solidFill>
-                      <a:srgbClr val="FFFFFF"/>
-                    </a:solidFill>
-                  </a:tcPr>
-                </a:tc>
-                <a:tc>
-                  <a:txBody>
-                    <a:bodyPr/>
-                    <a:lstStyle/>
-                    <a:p>
-                      <a:pPr algn="l"/>
-                      <a:r>
-                        <a:rPr lang="en-US" sz="800" b="0">
-                          <a:effectLst/>
-                        </a:rPr>
-                        <a:t>display a list of all ads for a specific magazine</a:t>
-                      </a:r>
-                    </a:p>
-                  </a:txBody>
-                  <a:tcPr marL="56521" marR="56521" marT="50869" marB="50869" anchor="ctr">
-                    <a:lnL w="9525" cap="flat" cmpd="sng" algn="ctr">
-                      <a:solidFill>
-                        <a:srgbClr val="CCCCCC"/>
-                      </a:solidFill>
-                      <a:prstDash val="solid"/>
-                      <a:round/>
-                      <a:headEnd type="none" w="med" len="med"/>
-                      <a:tailEnd type="none" w="med" len="med"/>
-                    </a:lnL>
-                    <a:lnR w="9525" cap="flat" cmpd="sng" algn="ctr">
-                      <a:solidFill>
-                        <a:srgbClr val="CCCCCC"/>
-                      </a:solidFill>
-                      <a:prstDash val="solid"/>
-                      <a:round/>
-                      <a:headEnd type="none" w="med" len="med"/>
-                      <a:tailEnd type="none" w="med" len="med"/>
-                    </a:lnR>
-                    <a:lnT w="9525" cap="flat" cmpd="sng" algn="ctr">
-                      <a:solidFill>
-                        <a:srgbClr val="CCCCCC"/>
-                      </a:solidFill>
-                      <a:prstDash val="solid"/>
-                      <a:round/>
-                      <a:headEnd type="none" w="med" len="med"/>
-                      <a:tailEnd type="none" w="med" len="med"/>
-                    </a:lnT>
-                    <a:lnB w="9525" cap="flat" cmpd="sng" algn="ctr">
-                      <a:solidFill>
-                        <a:srgbClr val="CCCCCC"/>
-                      </a:solidFill>
-                      <a:prstDash val="solid"/>
-                      <a:round/>
-                      <a:headEnd type="none" w="med" len="med"/>
-                      <a:tailEnd type="none" w="med" len="med"/>
-                    </a:lnB>
-                    <a:solidFill>
-                      <a:srgbClr val="FFFFFF"/>
-                    </a:solidFill>
-                  </a:tcPr>
-                </a:tc>
-              </a:tr>
-              <a:tr h="608166">
-                <a:tc>
-                  <a:txBody>
-                    <a:bodyPr/>
-                    <a:lstStyle/>
-                    <a:p>
-                      <a:pPr algn="l"/>
-                      <a:r>
-                        <a:rPr lang="en-US" sz="800" b="0" dirty="0">
-                          <a:effectLst/>
-                        </a:rPr>
-                        <a:t>GET</a:t>
-                      </a:r>
-                    </a:p>
-                  </a:txBody>
-                  <a:tcPr marL="56521" marR="56521" marT="50869" marB="50869" anchor="ctr">
-                    <a:lnL w="9525" cap="flat" cmpd="sng" algn="ctr">
-                      <a:solidFill>
-                        <a:srgbClr val="CCCCCC"/>
-                      </a:solidFill>
-                      <a:prstDash val="solid"/>
-                      <a:round/>
-                      <a:headEnd type="none" w="med" len="med"/>
-                      <a:tailEnd type="none" w="med" len="med"/>
-                    </a:lnL>
-                    <a:lnR w="9525" cap="flat" cmpd="sng" algn="ctr">
-                      <a:solidFill>
-                        <a:srgbClr val="CCCCCC"/>
-                      </a:solidFill>
-                      <a:prstDash val="solid"/>
-                      <a:round/>
-                      <a:headEnd type="none" w="med" len="med"/>
-                      <a:tailEnd type="none" w="med" len="med"/>
-                    </a:lnR>
-                    <a:lnT w="9525" cap="flat" cmpd="sng" algn="ctr">
-                      <a:solidFill>
-                        <a:srgbClr val="CCCCCC"/>
-                      </a:solidFill>
-                      <a:prstDash val="solid"/>
-                      <a:round/>
-                      <a:headEnd type="none" w="med" len="med"/>
-                      <a:tailEnd type="none" w="med" len="med"/>
-                    </a:lnT>
-                    <a:lnB w="9525" cap="flat" cmpd="sng" algn="ctr">
-                      <a:solidFill>
-                        <a:srgbClr val="CCCCCC"/>
-                      </a:solidFill>
-                      <a:prstDash val="solid"/>
-                      <a:round/>
-                      <a:headEnd type="none" w="med" len="med"/>
-                      <a:tailEnd type="none" w="med" len="med"/>
-                    </a:lnB>
-                    <a:solidFill>
-                      <a:srgbClr val="FFFFFF"/>
-                    </a:solidFill>
-                  </a:tcPr>
-                </a:tc>
-                <a:tc>
-                  <a:txBody>
-                    <a:bodyPr/>
-                    <a:lstStyle/>
-                    <a:p>
-                      <a:pPr algn="l"/>
-                      <a:r>
-                        <a:rPr lang="en-US" sz="800" b="0">
-                          <a:effectLst/>
-                        </a:rPr>
-                        <a:t>/magazines/:magazine_id/ads/new</a:t>
-                      </a:r>
-                    </a:p>
-                  </a:txBody>
-                  <a:tcPr marL="56521" marR="56521" marT="50869" marB="50869" anchor="ctr">
-                    <a:lnL w="9525" cap="flat" cmpd="sng" algn="ctr">
-                      <a:solidFill>
-                        <a:srgbClr val="CCCCCC"/>
-                      </a:solidFill>
-                      <a:prstDash val="solid"/>
-                      <a:round/>
-                      <a:headEnd type="none" w="med" len="med"/>
-                      <a:tailEnd type="none" w="med" len="med"/>
-                    </a:lnL>
-                    <a:lnR w="9525" cap="flat" cmpd="sng" algn="ctr">
-                      <a:solidFill>
-                        <a:srgbClr val="CCCCCC"/>
-                      </a:solidFill>
-                      <a:prstDash val="solid"/>
-                      <a:round/>
-                      <a:headEnd type="none" w="med" len="med"/>
-                      <a:tailEnd type="none" w="med" len="med"/>
-                    </a:lnR>
-                    <a:lnT w="9525" cap="flat" cmpd="sng" algn="ctr">
-                      <a:solidFill>
-                        <a:srgbClr val="CCCCCC"/>
-                      </a:solidFill>
-                      <a:prstDash val="solid"/>
-                      <a:round/>
-                      <a:headEnd type="none" w="med" len="med"/>
-                      <a:tailEnd type="none" w="med" len="med"/>
-                    </a:lnT>
-                    <a:lnB w="9525" cap="flat" cmpd="sng" algn="ctr">
-                      <a:solidFill>
-                        <a:srgbClr val="CCCCCC"/>
-                      </a:solidFill>
-                      <a:prstDash val="solid"/>
-                      <a:round/>
-                      <a:headEnd type="none" w="med" len="med"/>
-                      <a:tailEnd type="none" w="med" len="med"/>
-                    </a:lnB>
-                    <a:solidFill>
-                      <a:srgbClr val="FFFFFF"/>
-                    </a:solidFill>
-                  </a:tcPr>
-                </a:tc>
-                <a:tc>
-                  <a:txBody>
-                    <a:bodyPr/>
-                    <a:lstStyle/>
-                    <a:p>
-                      <a:pPr algn="l"/>
-                      <a:r>
-                        <a:rPr lang="en-US" sz="800" b="0">
-                          <a:effectLst/>
-                        </a:rPr>
-                        <a:t>ads#new</a:t>
-                      </a:r>
-                    </a:p>
-                  </a:txBody>
-                  <a:tcPr marL="56521" marR="56521" marT="50869" marB="50869" anchor="ctr">
-                    <a:lnL w="9525" cap="flat" cmpd="sng" algn="ctr">
-                      <a:solidFill>
-                        <a:srgbClr val="CCCCCC"/>
-                      </a:solidFill>
-                      <a:prstDash val="solid"/>
-                      <a:round/>
-                      <a:headEnd type="none" w="med" len="med"/>
-                      <a:tailEnd type="none" w="med" len="med"/>
-                    </a:lnL>
-                    <a:lnR w="9525" cap="flat" cmpd="sng" algn="ctr">
-                      <a:solidFill>
-                        <a:srgbClr val="CCCCCC"/>
-                      </a:solidFill>
-                      <a:prstDash val="solid"/>
-                      <a:round/>
-                      <a:headEnd type="none" w="med" len="med"/>
-                      <a:tailEnd type="none" w="med" len="med"/>
-                    </a:lnR>
-                    <a:lnT w="9525" cap="flat" cmpd="sng" algn="ctr">
-                      <a:solidFill>
-                        <a:srgbClr val="CCCCCC"/>
-                      </a:solidFill>
-                      <a:prstDash val="solid"/>
-                      <a:round/>
-                      <a:headEnd type="none" w="med" len="med"/>
-                      <a:tailEnd type="none" w="med" len="med"/>
-                    </a:lnT>
-                    <a:lnB w="9525" cap="flat" cmpd="sng" algn="ctr">
-                      <a:solidFill>
-                        <a:srgbClr val="CCCCCC"/>
-                      </a:solidFill>
-                      <a:prstDash val="solid"/>
-                      <a:round/>
-                      <a:headEnd type="none" w="med" len="med"/>
-                      <a:tailEnd type="none" w="med" len="med"/>
-                    </a:lnB>
-                    <a:solidFill>
-                      <a:srgbClr val="FFFFFF"/>
-                    </a:solidFill>
-                  </a:tcPr>
-                </a:tc>
-                <a:tc>
-                  <a:txBody>
-                    <a:bodyPr/>
-                    <a:lstStyle/>
-                    <a:p>
-                      <a:pPr algn="l"/>
-                      <a:r>
-                        <a:rPr lang="en-US" sz="800" b="0">
-                          <a:effectLst/>
-                        </a:rPr>
-                        <a:t>return an HTML form for creating a new ad belonging to a specific magazine</a:t>
-                      </a:r>
-                    </a:p>
-                  </a:txBody>
-                  <a:tcPr marL="56521" marR="56521" marT="50869" marB="50869" anchor="ctr">
-                    <a:lnL w="9525" cap="flat" cmpd="sng" algn="ctr">
-                      <a:solidFill>
-                        <a:srgbClr val="CCCCCC"/>
-                      </a:solidFill>
-                      <a:prstDash val="solid"/>
-                      <a:round/>
-                      <a:headEnd type="none" w="med" len="med"/>
-                      <a:tailEnd type="none" w="med" len="med"/>
-                    </a:lnL>
-                    <a:lnR w="9525" cap="flat" cmpd="sng" algn="ctr">
-                      <a:solidFill>
-                        <a:srgbClr val="CCCCCC"/>
-                      </a:solidFill>
-                      <a:prstDash val="solid"/>
-                      <a:round/>
-                      <a:headEnd type="none" w="med" len="med"/>
-                      <a:tailEnd type="none" w="med" len="med"/>
-                    </a:lnR>
-                    <a:lnT w="9525" cap="flat" cmpd="sng" algn="ctr">
-                      <a:solidFill>
-                        <a:srgbClr val="CCCCCC"/>
-                      </a:solidFill>
-                      <a:prstDash val="solid"/>
-                      <a:round/>
-                      <a:headEnd type="none" w="med" len="med"/>
-                      <a:tailEnd type="none" w="med" len="med"/>
-                    </a:lnT>
-                    <a:lnB w="9525" cap="flat" cmpd="sng" algn="ctr">
-                      <a:solidFill>
-                        <a:srgbClr val="CCCCCC"/>
-                      </a:solidFill>
-                      <a:prstDash val="solid"/>
-                      <a:round/>
-                      <a:headEnd type="none" w="med" len="med"/>
-                      <a:tailEnd type="none" w="med" len="med"/>
-                    </a:lnB>
-                    <a:solidFill>
-                      <a:srgbClr val="FFFFFF"/>
-                    </a:solidFill>
-                  </a:tcPr>
-                </a:tc>
-              </a:tr>
-              <a:tr h="481559">
-                <a:tc>
-                  <a:txBody>
-                    <a:bodyPr/>
-                    <a:lstStyle/>
-                    <a:p>
-                      <a:pPr algn="l"/>
-                      <a:r>
-                        <a:rPr lang="en-US" sz="800" b="0">
-                          <a:effectLst/>
-                        </a:rPr>
-                        <a:t>POST</a:t>
-                      </a:r>
-                    </a:p>
-                  </a:txBody>
-                  <a:tcPr marL="56521" marR="56521" marT="50869" marB="50869" anchor="ctr">
-                    <a:lnL w="9525" cap="flat" cmpd="sng" algn="ctr">
-                      <a:solidFill>
-                        <a:srgbClr val="CCCCCC"/>
-                      </a:solidFill>
-                      <a:prstDash val="solid"/>
-                      <a:round/>
-                      <a:headEnd type="none" w="med" len="med"/>
-                      <a:tailEnd type="none" w="med" len="med"/>
-                    </a:lnL>
-                    <a:lnR w="9525" cap="flat" cmpd="sng" algn="ctr">
-                      <a:solidFill>
-                        <a:srgbClr val="CCCCCC"/>
-                      </a:solidFill>
-                      <a:prstDash val="solid"/>
-                      <a:round/>
-                      <a:headEnd type="none" w="med" len="med"/>
-                      <a:tailEnd type="none" w="med" len="med"/>
-                    </a:lnR>
-                    <a:lnT w="9525" cap="flat" cmpd="sng" algn="ctr">
-                      <a:solidFill>
-                        <a:srgbClr val="CCCCCC"/>
-                      </a:solidFill>
-                      <a:prstDash val="solid"/>
-                      <a:round/>
-                      <a:headEnd type="none" w="med" len="med"/>
-                      <a:tailEnd type="none" w="med" len="med"/>
-                    </a:lnT>
-                    <a:lnB w="9525" cap="flat" cmpd="sng" algn="ctr">
-                      <a:solidFill>
-                        <a:srgbClr val="CCCCCC"/>
-                      </a:solidFill>
-                      <a:prstDash val="solid"/>
-                      <a:round/>
-                      <a:headEnd type="none" w="med" len="med"/>
-                      <a:tailEnd type="none" w="med" len="med"/>
-                    </a:lnB>
-                    <a:solidFill>
-                      <a:srgbClr val="FFFFFF"/>
-                    </a:solidFill>
-                  </a:tcPr>
-                </a:tc>
-                <a:tc>
-                  <a:txBody>
-                    <a:bodyPr/>
-                    <a:lstStyle/>
-                    <a:p>
-                      <a:pPr algn="l"/>
-                      <a:r>
-                        <a:rPr lang="en-US" sz="800" b="0">
-                          <a:effectLst/>
-                        </a:rPr>
-                        <a:t>/magazines/:magazine_id/ads</a:t>
-                      </a:r>
-                    </a:p>
-                  </a:txBody>
-                  <a:tcPr marL="56521" marR="56521" marT="50869" marB="50869" anchor="ctr">
-                    <a:lnL w="9525" cap="flat" cmpd="sng" algn="ctr">
-                      <a:solidFill>
-                        <a:srgbClr val="CCCCCC"/>
-                      </a:solidFill>
-                      <a:prstDash val="solid"/>
-                      <a:round/>
-                      <a:headEnd type="none" w="med" len="med"/>
-                      <a:tailEnd type="none" w="med" len="med"/>
-                    </a:lnL>
-                    <a:lnR w="9525" cap="flat" cmpd="sng" algn="ctr">
-                      <a:solidFill>
-                        <a:srgbClr val="CCCCCC"/>
-                      </a:solidFill>
-                      <a:prstDash val="solid"/>
-                      <a:round/>
-                      <a:headEnd type="none" w="med" len="med"/>
-                      <a:tailEnd type="none" w="med" len="med"/>
-                    </a:lnR>
-                    <a:lnT w="9525" cap="flat" cmpd="sng" algn="ctr">
-                      <a:solidFill>
-                        <a:srgbClr val="CCCCCC"/>
-                      </a:solidFill>
-                      <a:prstDash val="solid"/>
-                      <a:round/>
-                      <a:headEnd type="none" w="med" len="med"/>
-                      <a:tailEnd type="none" w="med" len="med"/>
-                    </a:lnT>
-                    <a:lnB w="9525" cap="flat" cmpd="sng" algn="ctr">
-                      <a:solidFill>
-                        <a:srgbClr val="CCCCCC"/>
-                      </a:solidFill>
-                      <a:prstDash val="solid"/>
-                      <a:round/>
-                      <a:headEnd type="none" w="med" len="med"/>
-                      <a:tailEnd type="none" w="med" len="med"/>
-                    </a:lnB>
-                    <a:solidFill>
-                      <a:srgbClr val="FFFFFF"/>
-                    </a:solidFill>
-                  </a:tcPr>
-                </a:tc>
-                <a:tc>
-                  <a:txBody>
-                    <a:bodyPr/>
-                    <a:lstStyle/>
-                    <a:p>
-                      <a:pPr algn="l"/>
-                      <a:r>
-                        <a:rPr lang="en-US" sz="800" b="0">
-                          <a:effectLst/>
-                        </a:rPr>
-                        <a:t>ads#create</a:t>
-                      </a:r>
-                    </a:p>
-                  </a:txBody>
-                  <a:tcPr marL="56521" marR="56521" marT="50869" marB="50869" anchor="ctr">
-                    <a:lnL w="9525" cap="flat" cmpd="sng" algn="ctr">
-                      <a:solidFill>
-                        <a:srgbClr val="CCCCCC"/>
-                      </a:solidFill>
-                      <a:prstDash val="solid"/>
-                      <a:round/>
-                      <a:headEnd type="none" w="med" len="med"/>
-                      <a:tailEnd type="none" w="med" len="med"/>
-                    </a:lnL>
-                    <a:lnR w="9525" cap="flat" cmpd="sng" algn="ctr">
-                      <a:solidFill>
-                        <a:srgbClr val="CCCCCC"/>
-                      </a:solidFill>
-                      <a:prstDash val="solid"/>
-                      <a:round/>
-                      <a:headEnd type="none" w="med" len="med"/>
-                      <a:tailEnd type="none" w="med" len="med"/>
-                    </a:lnR>
-                    <a:lnT w="9525" cap="flat" cmpd="sng" algn="ctr">
-                      <a:solidFill>
-                        <a:srgbClr val="CCCCCC"/>
-                      </a:solidFill>
-                      <a:prstDash val="solid"/>
-                      <a:round/>
-                      <a:headEnd type="none" w="med" len="med"/>
-                      <a:tailEnd type="none" w="med" len="med"/>
-                    </a:lnT>
-                    <a:lnB w="9525" cap="flat" cmpd="sng" algn="ctr">
-                      <a:solidFill>
-                        <a:srgbClr val="CCCCCC"/>
-                      </a:solidFill>
-                      <a:prstDash val="solid"/>
-                      <a:round/>
-                      <a:headEnd type="none" w="med" len="med"/>
-                      <a:tailEnd type="none" w="med" len="med"/>
-                    </a:lnB>
-                    <a:solidFill>
-                      <a:srgbClr val="FFFFFF"/>
-                    </a:solidFill>
-                  </a:tcPr>
-                </a:tc>
-                <a:tc>
-                  <a:txBody>
-                    <a:bodyPr/>
-                    <a:lstStyle/>
-                    <a:p>
-                      <a:pPr algn="l"/>
-                      <a:r>
-                        <a:rPr lang="en-US" sz="800" b="0">
-                          <a:effectLst/>
-                        </a:rPr>
-                        <a:t>create a new ad belonging to a specific magazine</a:t>
-                      </a:r>
-                    </a:p>
-                  </a:txBody>
-                  <a:tcPr marL="56521" marR="56521" marT="50869" marB="50869" anchor="ctr">
-                    <a:lnL w="9525" cap="flat" cmpd="sng" algn="ctr">
-                      <a:solidFill>
-                        <a:srgbClr val="CCCCCC"/>
-                      </a:solidFill>
-                      <a:prstDash val="solid"/>
-                      <a:round/>
-                      <a:headEnd type="none" w="med" len="med"/>
-                      <a:tailEnd type="none" w="med" len="med"/>
-                    </a:lnL>
-                    <a:lnR w="9525" cap="flat" cmpd="sng" algn="ctr">
-                      <a:solidFill>
-                        <a:srgbClr val="CCCCCC"/>
-                      </a:solidFill>
-                      <a:prstDash val="solid"/>
-                      <a:round/>
-                      <a:headEnd type="none" w="med" len="med"/>
-                      <a:tailEnd type="none" w="med" len="med"/>
-                    </a:lnR>
-                    <a:lnT w="9525" cap="flat" cmpd="sng" algn="ctr">
-                      <a:solidFill>
-                        <a:srgbClr val="CCCCCC"/>
-                      </a:solidFill>
-                      <a:prstDash val="solid"/>
-                      <a:round/>
-                      <a:headEnd type="none" w="med" len="med"/>
-                      <a:tailEnd type="none" w="med" len="med"/>
-                    </a:lnT>
-                    <a:lnB w="9525" cap="flat" cmpd="sng" algn="ctr">
-                      <a:solidFill>
-                        <a:srgbClr val="CCCCCC"/>
-                      </a:solidFill>
-                      <a:prstDash val="solid"/>
-                      <a:round/>
-                      <a:headEnd type="none" w="med" len="med"/>
-                      <a:tailEnd type="none" w="med" len="med"/>
-                    </a:lnB>
-                    <a:solidFill>
-                      <a:srgbClr val="FFFFFF"/>
-                    </a:solidFill>
-                  </a:tcPr>
-                </a:tc>
-              </a:tr>
-              <a:tr h="481559">
-                <a:tc>
-                  <a:txBody>
-                    <a:bodyPr/>
-                    <a:lstStyle/>
-                    <a:p>
-                      <a:pPr algn="l"/>
-                      <a:r>
-                        <a:rPr lang="en-US" sz="800" b="0">
-                          <a:effectLst/>
-                        </a:rPr>
-                        <a:t>GET</a:t>
-                      </a:r>
-                    </a:p>
-                  </a:txBody>
-                  <a:tcPr marL="56521" marR="56521" marT="50869" marB="50869" anchor="ctr">
-                    <a:lnL w="9525" cap="flat" cmpd="sng" algn="ctr">
-                      <a:solidFill>
-                        <a:srgbClr val="CCCCCC"/>
-                      </a:solidFill>
-                      <a:prstDash val="solid"/>
-                      <a:round/>
-                      <a:headEnd type="none" w="med" len="med"/>
-                      <a:tailEnd type="none" w="med" len="med"/>
-                    </a:lnL>
-                    <a:lnR w="9525" cap="flat" cmpd="sng" algn="ctr">
-                      <a:solidFill>
-                        <a:srgbClr val="CCCCCC"/>
-                      </a:solidFill>
-                      <a:prstDash val="solid"/>
-                      <a:round/>
-                      <a:headEnd type="none" w="med" len="med"/>
-                      <a:tailEnd type="none" w="med" len="med"/>
-                    </a:lnR>
-                    <a:lnT w="9525" cap="flat" cmpd="sng" algn="ctr">
-                      <a:solidFill>
-                        <a:srgbClr val="CCCCCC"/>
-                      </a:solidFill>
-                      <a:prstDash val="solid"/>
-                      <a:round/>
-                      <a:headEnd type="none" w="med" len="med"/>
-                      <a:tailEnd type="none" w="med" len="med"/>
-                    </a:lnT>
-                    <a:lnB w="9525" cap="flat" cmpd="sng" algn="ctr">
-                      <a:solidFill>
-                        <a:srgbClr val="CCCCCC"/>
-                      </a:solidFill>
-                      <a:prstDash val="solid"/>
-                      <a:round/>
-                      <a:headEnd type="none" w="med" len="med"/>
-                      <a:tailEnd type="none" w="med" len="med"/>
-                    </a:lnB>
-                    <a:solidFill>
-                      <a:srgbClr val="FFFFFF"/>
-                    </a:solidFill>
-                  </a:tcPr>
-                </a:tc>
-                <a:tc>
-                  <a:txBody>
-                    <a:bodyPr/>
-                    <a:lstStyle/>
-                    <a:p>
-                      <a:pPr algn="l"/>
-                      <a:r>
-                        <a:rPr lang="en-US" sz="800" b="0">
-                          <a:effectLst/>
-                        </a:rPr>
-                        <a:t>/magazines/:magazine_id/ads/:id</a:t>
-                      </a:r>
-                    </a:p>
-                  </a:txBody>
-                  <a:tcPr marL="56521" marR="56521" marT="50869" marB="50869" anchor="ctr">
-                    <a:lnL w="9525" cap="flat" cmpd="sng" algn="ctr">
-                      <a:solidFill>
-                        <a:srgbClr val="CCCCCC"/>
-                      </a:solidFill>
-                      <a:prstDash val="solid"/>
-                      <a:round/>
-                      <a:headEnd type="none" w="med" len="med"/>
-                      <a:tailEnd type="none" w="med" len="med"/>
-                    </a:lnL>
-                    <a:lnR w="9525" cap="flat" cmpd="sng" algn="ctr">
-                      <a:solidFill>
-                        <a:srgbClr val="CCCCCC"/>
-                      </a:solidFill>
-                      <a:prstDash val="solid"/>
-                      <a:round/>
-                      <a:headEnd type="none" w="med" len="med"/>
-                      <a:tailEnd type="none" w="med" len="med"/>
-                    </a:lnR>
-                    <a:lnT w="9525" cap="flat" cmpd="sng" algn="ctr">
-                      <a:solidFill>
-                        <a:srgbClr val="CCCCCC"/>
-                      </a:solidFill>
-                      <a:prstDash val="solid"/>
-                      <a:round/>
-                      <a:headEnd type="none" w="med" len="med"/>
-                      <a:tailEnd type="none" w="med" len="med"/>
-                    </a:lnT>
-                    <a:lnB w="9525" cap="flat" cmpd="sng" algn="ctr">
-                      <a:solidFill>
-                        <a:srgbClr val="CCCCCC"/>
-                      </a:solidFill>
-                      <a:prstDash val="solid"/>
-                      <a:round/>
-                      <a:headEnd type="none" w="med" len="med"/>
-                      <a:tailEnd type="none" w="med" len="med"/>
-                    </a:lnB>
-                    <a:solidFill>
-                      <a:srgbClr val="FFFFFF"/>
-                    </a:solidFill>
-                  </a:tcPr>
-                </a:tc>
-                <a:tc>
-                  <a:txBody>
-                    <a:bodyPr/>
-                    <a:lstStyle/>
-                    <a:p>
-                      <a:pPr algn="l"/>
-                      <a:r>
-                        <a:rPr lang="en-US" sz="800" b="0">
-                          <a:effectLst/>
-                        </a:rPr>
-                        <a:t>ads#show</a:t>
-                      </a:r>
-                    </a:p>
-                  </a:txBody>
-                  <a:tcPr marL="56521" marR="56521" marT="50869" marB="50869" anchor="ctr">
-                    <a:lnL w="9525" cap="flat" cmpd="sng" algn="ctr">
-                      <a:solidFill>
-                        <a:srgbClr val="CCCCCC"/>
-                      </a:solidFill>
-                      <a:prstDash val="solid"/>
-                      <a:round/>
-                      <a:headEnd type="none" w="med" len="med"/>
-                      <a:tailEnd type="none" w="med" len="med"/>
-                    </a:lnL>
-                    <a:lnR w="9525" cap="flat" cmpd="sng" algn="ctr">
-                      <a:solidFill>
-                        <a:srgbClr val="CCCCCC"/>
-                      </a:solidFill>
-                      <a:prstDash val="solid"/>
-                      <a:round/>
-                      <a:headEnd type="none" w="med" len="med"/>
-                      <a:tailEnd type="none" w="med" len="med"/>
-                    </a:lnR>
-                    <a:lnT w="9525" cap="flat" cmpd="sng" algn="ctr">
-                      <a:solidFill>
-                        <a:srgbClr val="CCCCCC"/>
-                      </a:solidFill>
-                      <a:prstDash val="solid"/>
-                      <a:round/>
-                      <a:headEnd type="none" w="med" len="med"/>
-                      <a:tailEnd type="none" w="med" len="med"/>
-                    </a:lnT>
-                    <a:lnB w="9525" cap="flat" cmpd="sng" algn="ctr">
-                      <a:solidFill>
-                        <a:srgbClr val="CCCCCC"/>
-                      </a:solidFill>
-                      <a:prstDash val="solid"/>
-                      <a:round/>
-                      <a:headEnd type="none" w="med" len="med"/>
-                      <a:tailEnd type="none" w="med" len="med"/>
-                    </a:lnB>
-                    <a:solidFill>
-                      <a:srgbClr val="FFFFFF"/>
-                    </a:solidFill>
-                  </a:tcPr>
-                </a:tc>
-                <a:tc>
-                  <a:txBody>
-                    <a:bodyPr/>
-                    <a:lstStyle/>
-                    <a:p>
-                      <a:pPr algn="l"/>
-                      <a:r>
-                        <a:rPr lang="en-US" sz="800" b="0">
-                          <a:effectLst/>
-                        </a:rPr>
-                        <a:t>display a specific ad belonging to a specific magazine</a:t>
-                      </a:r>
-                    </a:p>
-                  </a:txBody>
-                  <a:tcPr marL="56521" marR="56521" marT="50869" marB="50869" anchor="ctr">
-                    <a:lnL w="9525" cap="flat" cmpd="sng" algn="ctr">
-                      <a:solidFill>
-                        <a:srgbClr val="CCCCCC"/>
-                      </a:solidFill>
-                      <a:prstDash val="solid"/>
-                      <a:round/>
-                      <a:headEnd type="none" w="med" len="med"/>
-                      <a:tailEnd type="none" w="med" len="med"/>
-                    </a:lnL>
-                    <a:lnR w="9525" cap="flat" cmpd="sng" algn="ctr">
-                      <a:solidFill>
-                        <a:srgbClr val="CCCCCC"/>
-                      </a:solidFill>
-                      <a:prstDash val="solid"/>
-                      <a:round/>
-                      <a:headEnd type="none" w="med" len="med"/>
-                      <a:tailEnd type="none" w="med" len="med"/>
-                    </a:lnR>
-                    <a:lnT w="9525" cap="flat" cmpd="sng" algn="ctr">
-                      <a:solidFill>
-                        <a:srgbClr val="CCCCCC"/>
-                      </a:solidFill>
-                      <a:prstDash val="solid"/>
-                      <a:round/>
-                      <a:headEnd type="none" w="med" len="med"/>
-                      <a:tailEnd type="none" w="med" len="med"/>
-                    </a:lnT>
-                    <a:lnB w="9525" cap="flat" cmpd="sng" algn="ctr">
-                      <a:solidFill>
-                        <a:srgbClr val="CCCCCC"/>
-                      </a:solidFill>
-                      <a:prstDash val="solid"/>
-                      <a:round/>
-                      <a:headEnd type="none" w="med" len="med"/>
-                      <a:tailEnd type="none" w="med" len="med"/>
-                    </a:lnB>
-                    <a:solidFill>
-                      <a:srgbClr val="FFFFFF"/>
-                    </a:solidFill>
-                  </a:tcPr>
-                </a:tc>
-              </a:tr>
-              <a:tr h="608166">
-                <a:tc>
-                  <a:txBody>
-                    <a:bodyPr/>
-                    <a:lstStyle/>
-                    <a:p>
-                      <a:pPr algn="l"/>
-                      <a:r>
-                        <a:rPr lang="en-US" sz="800" b="0">
-                          <a:effectLst/>
-                        </a:rPr>
-                        <a:t>GET</a:t>
-                      </a:r>
-                    </a:p>
-                  </a:txBody>
-                  <a:tcPr marL="56521" marR="56521" marT="50869" marB="50869" anchor="ctr">
-                    <a:lnL w="9525" cap="flat" cmpd="sng" algn="ctr">
-                      <a:solidFill>
-                        <a:srgbClr val="CCCCCC"/>
-                      </a:solidFill>
-                      <a:prstDash val="solid"/>
-                      <a:round/>
-                      <a:headEnd type="none" w="med" len="med"/>
-                      <a:tailEnd type="none" w="med" len="med"/>
-                    </a:lnL>
-                    <a:lnR w="9525" cap="flat" cmpd="sng" algn="ctr">
-                      <a:solidFill>
-                        <a:srgbClr val="CCCCCC"/>
-                      </a:solidFill>
-                      <a:prstDash val="solid"/>
-                      <a:round/>
-                      <a:headEnd type="none" w="med" len="med"/>
-                      <a:tailEnd type="none" w="med" len="med"/>
-                    </a:lnR>
-                    <a:lnT w="9525" cap="flat" cmpd="sng" algn="ctr">
-                      <a:solidFill>
-                        <a:srgbClr val="CCCCCC"/>
-                      </a:solidFill>
-                      <a:prstDash val="solid"/>
-                      <a:round/>
-                      <a:headEnd type="none" w="med" len="med"/>
-                      <a:tailEnd type="none" w="med" len="med"/>
-                    </a:lnT>
-                    <a:lnB w="9525" cap="flat" cmpd="sng" algn="ctr">
-                      <a:solidFill>
-                        <a:srgbClr val="CCCCCC"/>
-                      </a:solidFill>
-                      <a:prstDash val="solid"/>
-                      <a:round/>
-                      <a:headEnd type="none" w="med" len="med"/>
-                      <a:tailEnd type="none" w="med" len="med"/>
-                    </a:lnB>
-                    <a:solidFill>
-                      <a:srgbClr val="FFFFFF"/>
-                    </a:solidFill>
-                  </a:tcPr>
-                </a:tc>
-                <a:tc>
-                  <a:txBody>
-                    <a:bodyPr/>
-                    <a:lstStyle/>
-                    <a:p>
-                      <a:pPr algn="l"/>
-                      <a:r>
-                        <a:rPr lang="en-US" sz="800" b="0">
-                          <a:effectLst/>
-                        </a:rPr>
-                        <a:t>/magazines/:magazine_id/ads/:id/edit</a:t>
-                      </a:r>
-                    </a:p>
-                  </a:txBody>
-                  <a:tcPr marL="56521" marR="56521" marT="50869" marB="50869" anchor="ctr">
-                    <a:lnL w="9525" cap="flat" cmpd="sng" algn="ctr">
-                      <a:solidFill>
-                        <a:srgbClr val="CCCCCC"/>
-                      </a:solidFill>
-                      <a:prstDash val="solid"/>
-                      <a:round/>
-                      <a:headEnd type="none" w="med" len="med"/>
-                      <a:tailEnd type="none" w="med" len="med"/>
-                    </a:lnL>
-                    <a:lnR w="9525" cap="flat" cmpd="sng" algn="ctr">
-                      <a:solidFill>
-                        <a:srgbClr val="CCCCCC"/>
-                      </a:solidFill>
-                      <a:prstDash val="solid"/>
-                      <a:round/>
-                      <a:headEnd type="none" w="med" len="med"/>
-                      <a:tailEnd type="none" w="med" len="med"/>
-                    </a:lnR>
-                    <a:lnT w="9525" cap="flat" cmpd="sng" algn="ctr">
-                      <a:solidFill>
-                        <a:srgbClr val="CCCCCC"/>
-                      </a:solidFill>
-                      <a:prstDash val="solid"/>
-                      <a:round/>
-                      <a:headEnd type="none" w="med" len="med"/>
-                      <a:tailEnd type="none" w="med" len="med"/>
-                    </a:lnT>
-                    <a:lnB w="9525" cap="flat" cmpd="sng" algn="ctr">
-                      <a:solidFill>
-                        <a:srgbClr val="CCCCCC"/>
-                      </a:solidFill>
-                      <a:prstDash val="solid"/>
-                      <a:round/>
-                      <a:headEnd type="none" w="med" len="med"/>
-                      <a:tailEnd type="none" w="med" len="med"/>
-                    </a:lnB>
-                    <a:solidFill>
-                      <a:srgbClr val="FFFFFF"/>
-                    </a:solidFill>
-                  </a:tcPr>
-                </a:tc>
-                <a:tc>
-                  <a:txBody>
-                    <a:bodyPr/>
-                    <a:lstStyle/>
-                    <a:p>
-                      <a:pPr algn="l"/>
-                      <a:r>
-                        <a:rPr lang="en-US" sz="800" b="0">
-                          <a:effectLst/>
-                        </a:rPr>
-                        <a:t>ads#edit</a:t>
-                      </a:r>
-                    </a:p>
-                  </a:txBody>
-                  <a:tcPr marL="56521" marR="56521" marT="50869" marB="50869" anchor="ctr">
-                    <a:lnL w="9525" cap="flat" cmpd="sng" algn="ctr">
-                      <a:solidFill>
-                        <a:srgbClr val="CCCCCC"/>
-                      </a:solidFill>
-                      <a:prstDash val="solid"/>
-                      <a:round/>
-                      <a:headEnd type="none" w="med" len="med"/>
-                      <a:tailEnd type="none" w="med" len="med"/>
-                    </a:lnL>
-                    <a:lnR w="9525" cap="flat" cmpd="sng" algn="ctr">
-                      <a:solidFill>
-                        <a:srgbClr val="CCCCCC"/>
-                      </a:solidFill>
-                      <a:prstDash val="solid"/>
-                      <a:round/>
-                      <a:headEnd type="none" w="med" len="med"/>
-                      <a:tailEnd type="none" w="med" len="med"/>
-                    </a:lnR>
-                    <a:lnT w="9525" cap="flat" cmpd="sng" algn="ctr">
-                      <a:solidFill>
-                        <a:srgbClr val="CCCCCC"/>
-                      </a:solidFill>
-                      <a:prstDash val="solid"/>
-                      <a:round/>
-                      <a:headEnd type="none" w="med" len="med"/>
-                      <a:tailEnd type="none" w="med" len="med"/>
-                    </a:lnT>
-                    <a:lnB w="9525" cap="flat" cmpd="sng" algn="ctr">
-                      <a:solidFill>
-                        <a:srgbClr val="CCCCCC"/>
-                      </a:solidFill>
-                      <a:prstDash val="solid"/>
-                      <a:round/>
-                      <a:headEnd type="none" w="med" len="med"/>
-                      <a:tailEnd type="none" w="med" len="med"/>
-                    </a:lnB>
-                    <a:solidFill>
-                      <a:srgbClr val="FFFFFF"/>
-                    </a:solidFill>
-                  </a:tcPr>
-                </a:tc>
-                <a:tc>
-                  <a:txBody>
-                    <a:bodyPr/>
-                    <a:lstStyle/>
-                    <a:p>
-                      <a:pPr algn="l"/>
-                      <a:r>
-                        <a:rPr lang="en-US" sz="800" b="0">
-                          <a:effectLst/>
-                        </a:rPr>
-                        <a:t>return an HTML form for editing an ad belonging to a specific magazine</a:t>
-                      </a:r>
-                    </a:p>
-                  </a:txBody>
-                  <a:tcPr marL="56521" marR="56521" marT="50869" marB="50869" anchor="ctr">
-                    <a:lnL w="9525" cap="flat" cmpd="sng" algn="ctr">
-                      <a:solidFill>
-                        <a:srgbClr val="CCCCCC"/>
-                      </a:solidFill>
-                      <a:prstDash val="solid"/>
-                      <a:round/>
-                      <a:headEnd type="none" w="med" len="med"/>
-                      <a:tailEnd type="none" w="med" len="med"/>
-                    </a:lnL>
-                    <a:lnR w="9525" cap="flat" cmpd="sng" algn="ctr">
-                      <a:solidFill>
-                        <a:srgbClr val="CCCCCC"/>
-                      </a:solidFill>
-                      <a:prstDash val="solid"/>
-                      <a:round/>
-                      <a:headEnd type="none" w="med" len="med"/>
-                      <a:tailEnd type="none" w="med" len="med"/>
-                    </a:lnR>
-                    <a:lnT w="9525" cap="flat" cmpd="sng" algn="ctr">
-                      <a:solidFill>
-                        <a:srgbClr val="CCCCCC"/>
-                      </a:solidFill>
-                      <a:prstDash val="solid"/>
-                      <a:round/>
-                      <a:headEnd type="none" w="med" len="med"/>
-                      <a:tailEnd type="none" w="med" len="med"/>
-                    </a:lnT>
-                    <a:lnB w="9525" cap="flat" cmpd="sng" algn="ctr">
-                      <a:solidFill>
-                        <a:srgbClr val="CCCCCC"/>
-                      </a:solidFill>
-                      <a:prstDash val="solid"/>
-                      <a:round/>
-                      <a:headEnd type="none" w="med" len="med"/>
-                      <a:tailEnd type="none" w="med" len="med"/>
-                    </a:lnB>
-                    <a:solidFill>
-                      <a:srgbClr val="FFFFFF"/>
-                    </a:solidFill>
-                  </a:tcPr>
-                </a:tc>
-              </a:tr>
-              <a:tr h="481559">
-                <a:tc>
-                  <a:txBody>
-                    <a:bodyPr/>
-                    <a:lstStyle/>
-                    <a:p>
-                      <a:pPr algn="l"/>
-                      <a:r>
-                        <a:rPr lang="en-US" sz="800" b="0">
-                          <a:effectLst/>
-                        </a:rPr>
-                        <a:t>PATCH/PUT</a:t>
-                      </a:r>
-                    </a:p>
-                  </a:txBody>
-                  <a:tcPr marL="56521" marR="56521" marT="50869" marB="50869" anchor="ctr">
-                    <a:lnL w="9525" cap="flat" cmpd="sng" algn="ctr">
-                      <a:solidFill>
-                        <a:srgbClr val="CCCCCC"/>
-                      </a:solidFill>
-                      <a:prstDash val="solid"/>
-                      <a:round/>
-                      <a:headEnd type="none" w="med" len="med"/>
-                      <a:tailEnd type="none" w="med" len="med"/>
-                    </a:lnL>
-                    <a:lnR w="9525" cap="flat" cmpd="sng" algn="ctr">
-                      <a:solidFill>
-                        <a:srgbClr val="CCCCCC"/>
-                      </a:solidFill>
-                      <a:prstDash val="solid"/>
-                      <a:round/>
-                      <a:headEnd type="none" w="med" len="med"/>
-                      <a:tailEnd type="none" w="med" len="med"/>
-                    </a:lnR>
-                    <a:lnT w="9525" cap="flat" cmpd="sng" algn="ctr">
-                      <a:solidFill>
-                        <a:srgbClr val="CCCCCC"/>
-                      </a:solidFill>
-                      <a:prstDash val="solid"/>
-                      <a:round/>
-                      <a:headEnd type="none" w="med" len="med"/>
-                      <a:tailEnd type="none" w="med" len="med"/>
-                    </a:lnT>
-                    <a:lnB w="9525" cap="flat" cmpd="sng" algn="ctr">
-                      <a:solidFill>
-                        <a:srgbClr val="CCCCCC"/>
-                      </a:solidFill>
-                      <a:prstDash val="solid"/>
-                      <a:round/>
-                      <a:headEnd type="none" w="med" len="med"/>
-                      <a:tailEnd type="none" w="med" len="med"/>
-                    </a:lnB>
-                    <a:solidFill>
-                      <a:srgbClr val="FFFFFF"/>
-                    </a:solidFill>
-                  </a:tcPr>
-                </a:tc>
-                <a:tc>
-                  <a:txBody>
-                    <a:bodyPr/>
-                    <a:lstStyle/>
-                    <a:p>
-                      <a:pPr algn="l"/>
-                      <a:r>
-                        <a:rPr lang="en-US" sz="800" b="0">
-                          <a:effectLst/>
-                        </a:rPr>
-                        <a:t>/magazines/:magazine_id/ads/:id</a:t>
-                      </a:r>
-                    </a:p>
-                  </a:txBody>
-                  <a:tcPr marL="56521" marR="56521" marT="50869" marB="50869" anchor="ctr">
-                    <a:lnL w="9525" cap="flat" cmpd="sng" algn="ctr">
-                      <a:solidFill>
-                        <a:srgbClr val="CCCCCC"/>
-                      </a:solidFill>
-                      <a:prstDash val="solid"/>
-                      <a:round/>
-                      <a:headEnd type="none" w="med" len="med"/>
-                      <a:tailEnd type="none" w="med" len="med"/>
-                    </a:lnL>
-                    <a:lnR w="9525" cap="flat" cmpd="sng" algn="ctr">
-                      <a:solidFill>
-                        <a:srgbClr val="CCCCCC"/>
-                      </a:solidFill>
-                      <a:prstDash val="solid"/>
-                      <a:round/>
-                      <a:headEnd type="none" w="med" len="med"/>
-                      <a:tailEnd type="none" w="med" len="med"/>
-                    </a:lnR>
-                    <a:lnT w="9525" cap="flat" cmpd="sng" algn="ctr">
-                      <a:solidFill>
-                        <a:srgbClr val="CCCCCC"/>
-                      </a:solidFill>
-                      <a:prstDash val="solid"/>
-                      <a:round/>
-                      <a:headEnd type="none" w="med" len="med"/>
-                      <a:tailEnd type="none" w="med" len="med"/>
-                    </a:lnT>
-                    <a:lnB w="9525" cap="flat" cmpd="sng" algn="ctr">
-                      <a:solidFill>
-                        <a:srgbClr val="CCCCCC"/>
-                      </a:solidFill>
-                      <a:prstDash val="solid"/>
-                      <a:round/>
-                      <a:headEnd type="none" w="med" len="med"/>
-                      <a:tailEnd type="none" w="med" len="med"/>
-                    </a:lnB>
-                    <a:solidFill>
-                      <a:srgbClr val="FFFFFF"/>
-                    </a:solidFill>
-                  </a:tcPr>
-                </a:tc>
-                <a:tc>
-                  <a:txBody>
-                    <a:bodyPr/>
-                    <a:lstStyle/>
-                    <a:p>
-                      <a:pPr algn="l"/>
-                      <a:r>
-                        <a:rPr lang="en-US" sz="800" b="0">
-                          <a:effectLst/>
-                        </a:rPr>
-                        <a:t>ads#update</a:t>
-                      </a:r>
-                    </a:p>
-                  </a:txBody>
-                  <a:tcPr marL="56521" marR="56521" marT="50869" marB="50869" anchor="ctr">
-                    <a:lnL w="9525" cap="flat" cmpd="sng" algn="ctr">
-                      <a:solidFill>
-                        <a:srgbClr val="CCCCCC"/>
-                      </a:solidFill>
-                      <a:prstDash val="solid"/>
-                      <a:round/>
-                      <a:headEnd type="none" w="med" len="med"/>
-                      <a:tailEnd type="none" w="med" len="med"/>
-                    </a:lnL>
-                    <a:lnR w="9525" cap="flat" cmpd="sng" algn="ctr">
-                      <a:solidFill>
-                        <a:srgbClr val="CCCCCC"/>
-                      </a:solidFill>
-                      <a:prstDash val="solid"/>
-                      <a:round/>
-                      <a:headEnd type="none" w="med" len="med"/>
-                      <a:tailEnd type="none" w="med" len="med"/>
-                    </a:lnR>
-                    <a:lnT w="9525" cap="flat" cmpd="sng" algn="ctr">
-                      <a:solidFill>
-                        <a:srgbClr val="CCCCCC"/>
-                      </a:solidFill>
-                      <a:prstDash val="solid"/>
-                      <a:round/>
-                      <a:headEnd type="none" w="med" len="med"/>
-                      <a:tailEnd type="none" w="med" len="med"/>
-                    </a:lnT>
-                    <a:lnB w="9525" cap="flat" cmpd="sng" algn="ctr">
-                      <a:solidFill>
-                        <a:srgbClr val="CCCCCC"/>
-                      </a:solidFill>
-                      <a:prstDash val="solid"/>
-                      <a:round/>
-                      <a:headEnd type="none" w="med" len="med"/>
-                      <a:tailEnd type="none" w="med" len="med"/>
-                    </a:lnB>
-                    <a:solidFill>
-                      <a:srgbClr val="FFFFFF"/>
-                    </a:solidFill>
-                  </a:tcPr>
-                </a:tc>
-                <a:tc>
-                  <a:txBody>
-                    <a:bodyPr/>
-                    <a:lstStyle/>
-                    <a:p>
-                      <a:pPr algn="l"/>
-                      <a:r>
-                        <a:rPr lang="en-US" sz="800" b="0">
-                          <a:effectLst/>
-                        </a:rPr>
-                        <a:t>update a specific ad belonging to a specific magazine</a:t>
-                      </a:r>
-                    </a:p>
-                  </a:txBody>
-                  <a:tcPr marL="56521" marR="56521" marT="50869" marB="50869" anchor="ctr">
-                    <a:lnL w="9525" cap="flat" cmpd="sng" algn="ctr">
-                      <a:solidFill>
-                        <a:srgbClr val="CCCCCC"/>
-                      </a:solidFill>
-                      <a:prstDash val="solid"/>
-                      <a:round/>
-                      <a:headEnd type="none" w="med" len="med"/>
-                      <a:tailEnd type="none" w="med" len="med"/>
-                    </a:lnL>
-                    <a:lnR w="9525" cap="flat" cmpd="sng" algn="ctr">
-                      <a:solidFill>
-                        <a:srgbClr val="CCCCCC"/>
-                      </a:solidFill>
-                      <a:prstDash val="solid"/>
-                      <a:round/>
-                      <a:headEnd type="none" w="med" len="med"/>
-                      <a:tailEnd type="none" w="med" len="med"/>
-                    </a:lnR>
-                    <a:lnT w="9525" cap="flat" cmpd="sng" algn="ctr">
-                      <a:solidFill>
-                        <a:srgbClr val="CCCCCC"/>
-                      </a:solidFill>
-                      <a:prstDash val="solid"/>
-                      <a:round/>
-                      <a:headEnd type="none" w="med" len="med"/>
-                      <a:tailEnd type="none" w="med" len="med"/>
-                    </a:lnT>
-                    <a:lnB w="9525" cap="flat" cmpd="sng" algn="ctr">
-                      <a:solidFill>
-                        <a:srgbClr val="CCCCCC"/>
-                      </a:solidFill>
-                      <a:prstDash val="solid"/>
-                      <a:round/>
-                      <a:headEnd type="none" w="med" len="med"/>
-                      <a:tailEnd type="none" w="med" len="med"/>
-                    </a:lnB>
-                    <a:solidFill>
-                      <a:srgbClr val="FFFFFF"/>
-                    </a:solidFill>
-                  </a:tcPr>
-                </a:tc>
-              </a:tr>
-              <a:tr h="481559">
-                <a:tc>
-                  <a:txBody>
-                    <a:bodyPr/>
-                    <a:lstStyle/>
-                    <a:p>
-                      <a:pPr algn="l"/>
-                      <a:r>
-                        <a:rPr lang="en-US" sz="800" b="0">
-                          <a:effectLst/>
-                        </a:rPr>
-                        <a:t>DELETE</a:t>
-                      </a:r>
-                    </a:p>
-                  </a:txBody>
-                  <a:tcPr marL="56521" marR="56521" marT="50869" marB="50869" anchor="ctr">
-                    <a:lnL w="9525" cap="flat" cmpd="sng" algn="ctr">
-                      <a:solidFill>
-                        <a:srgbClr val="CCCCCC"/>
-                      </a:solidFill>
-                      <a:prstDash val="solid"/>
-                      <a:round/>
-                      <a:headEnd type="none" w="med" len="med"/>
-                      <a:tailEnd type="none" w="med" len="med"/>
-                    </a:lnL>
-                    <a:lnR w="9525" cap="flat" cmpd="sng" algn="ctr">
-                      <a:solidFill>
-                        <a:srgbClr val="CCCCCC"/>
-                      </a:solidFill>
-                      <a:prstDash val="solid"/>
-                      <a:round/>
-                      <a:headEnd type="none" w="med" len="med"/>
-                      <a:tailEnd type="none" w="med" len="med"/>
-                    </a:lnR>
-                    <a:lnT w="9525" cap="flat" cmpd="sng" algn="ctr">
-                      <a:solidFill>
-                        <a:srgbClr val="CCCCCC"/>
-                      </a:solidFill>
-                      <a:prstDash val="solid"/>
-                      <a:round/>
-                      <a:headEnd type="none" w="med" len="med"/>
-                      <a:tailEnd type="none" w="med" len="med"/>
-                    </a:lnT>
-                    <a:lnB w="9525" cap="flat" cmpd="sng" algn="ctr">
-                      <a:solidFill>
-                        <a:srgbClr val="CCCCCC"/>
-                      </a:solidFill>
-                      <a:prstDash val="solid"/>
-                      <a:round/>
-                      <a:headEnd type="none" w="med" len="med"/>
-                      <a:tailEnd type="none" w="med" len="med"/>
-                    </a:lnB>
-                    <a:solidFill>
-                      <a:srgbClr val="FFFFFF"/>
-                    </a:solidFill>
-                  </a:tcPr>
-                </a:tc>
-                <a:tc>
-                  <a:txBody>
-                    <a:bodyPr/>
-                    <a:lstStyle/>
-                    <a:p>
-                      <a:pPr algn="l"/>
-                      <a:r>
-                        <a:rPr lang="en-US" sz="800" b="0">
-                          <a:effectLst/>
-                        </a:rPr>
-                        <a:t>/magazines/:magazine_id/ads/:id</a:t>
-                      </a:r>
-                    </a:p>
-                  </a:txBody>
-                  <a:tcPr marL="56521" marR="56521" marT="50869" marB="50869" anchor="ctr">
-                    <a:lnL w="9525" cap="flat" cmpd="sng" algn="ctr">
-                      <a:solidFill>
-                        <a:srgbClr val="CCCCCC"/>
-                      </a:solidFill>
-                      <a:prstDash val="solid"/>
-                      <a:round/>
-                      <a:headEnd type="none" w="med" len="med"/>
-                      <a:tailEnd type="none" w="med" len="med"/>
-                    </a:lnL>
-                    <a:lnR w="9525" cap="flat" cmpd="sng" algn="ctr">
-                      <a:solidFill>
-                        <a:srgbClr val="CCCCCC"/>
-                      </a:solidFill>
-                      <a:prstDash val="solid"/>
-                      <a:round/>
-                      <a:headEnd type="none" w="med" len="med"/>
-                      <a:tailEnd type="none" w="med" len="med"/>
-                    </a:lnR>
-                    <a:lnT w="9525" cap="flat" cmpd="sng" algn="ctr">
-                      <a:solidFill>
-                        <a:srgbClr val="CCCCCC"/>
-                      </a:solidFill>
-                      <a:prstDash val="solid"/>
-                      <a:round/>
-                      <a:headEnd type="none" w="med" len="med"/>
-                      <a:tailEnd type="none" w="med" len="med"/>
-                    </a:lnT>
-                    <a:lnB w="9525" cap="flat" cmpd="sng" algn="ctr">
-                      <a:solidFill>
-                        <a:srgbClr val="CCCCCC"/>
-                      </a:solidFill>
-                      <a:prstDash val="solid"/>
-                      <a:round/>
-                      <a:headEnd type="none" w="med" len="med"/>
-                      <a:tailEnd type="none" w="med" len="med"/>
-                    </a:lnB>
-                    <a:solidFill>
-                      <a:srgbClr val="FFFFFF"/>
-                    </a:solidFill>
-                  </a:tcPr>
-                </a:tc>
-                <a:tc>
-                  <a:txBody>
-                    <a:bodyPr/>
-                    <a:lstStyle/>
-                    <a:p>
-                      <a:pPr algn="l"/>
-                      <a:r>
-                        <a:rPr lang="en-US" sz="800" b="0">
-                          <a:effectLst/>
-                        </a:rPr>
-                        <a:t>ads#destroy</a:t>
-                      </a:r>
-                    </a:p>
-                  </a:txBody>
-                  <a:tcPr marL="56521" marR="56521" marT="50869" marB="50869" anchor="ctr">
-                    <a:lnL w="9525" cap="flat" cmpd="sng" algn="ctr">
-                      <a:solidFill>
-                        <a:srgbClr val="CCCCCC"/>
-                      </a:solidFill>
-                      <a:prstDash val="solid"/>
-                      <a:round/>
-                      <a:headEnd type="none" w="med" len="med"/>
-                      <a:tailEnd type="none" w="med" len="med"/>
-                    </a:lnL>
-                    <a:lnR w="9525" cap="flat" cmpd="sng" algn="ctr">
-                      <a:solidFill>
-                        <a:srgbClr val="CCCCCC"/>
-                      </a:solidFill>
-                      <a:prstDash val="solid"/>
-                      <a:round/>
-                      <a:headEnd type="none" w="med" len="med"/>
-                      <a:tailEnd type="none" w="med" len="med"/>
-                    </a:lnR>
-                    <a:lnT w="9525" cap="flat" cmpd="sng" algn="ctr">
-                      <a:solidFill>
-                        <a:srgbClr val="CCCCCC"/>
-                      </a:solidFill>
-                      <a:prstDash val="solid"/>
-                      <a:round/>
-                      <a:headEnd type="none" w="med" len="med"/>
-                      <a:tailEnd type="none" w="med" len="med"/>
-                    </a:lnT>
-                    <a:lnB w="9525" cap="flat" cmpd="sng" algn="ctr">
-                      <a:solidFill>
-                        <a:srgbClr val="CCCCCC"/>
-                      </a:solidFill>
-                      <a:prstDash val="solid"/>
-                      <a:round/>
-                      <a:headEnd type="none" w="med" len="med"/>
-                      <a:tailEnd type="none" w="med" len="med"/>
-                    </a:lnB>
-                    <a:solidFill>
-                      <a:srgbClr val="FFFFFF"/>
-                    </a:solidFill>
-                  </a:tcPr>
-                </a:tc>
-                <a:tc>
-                  <a:txBody>
-                    <a:bodyPr/>
-                    <a:lstStyle/>
-                    <a:p>
-                      <a:pPr algn="l"/>
-                      <a:r>
-                        <a:rPr lang="en-US" sz="800" b="0" dirty="0">
-                          <a:effectLst/>
-                        </a:rPr>
-                        <a:t>delete a specific ad belonging to a specific magazine</a:t>
-                      </a:r>
-                    </a:p>
-                  </a:txBody>
-                  <a:tcPr marL="56521" marR="56521" marT="50869" marB="50869" anchor="ctr">
-                    <a:lnL w="9525" cap="flat" cmpd="sng" algn="ctr">
-                      <a:solidFill>
-                        <a:srgbClr val="CCCCCC"/>
-                      </a:solidFill>
-                      <a:prstDash val="solid"/>
-                      <a:round/>
-                      <a:headEnd type="none" w="med" len="med"/>
-                      <a:tailEnd type="none" w="med" len="med"/>
-                    </a:lnL>
-                    <a:lnR w="9525" cap="flat" cmpd="sng" algn="ctr">
-                      <a:solidFill>
-                        <a:srgbClr val="CCCCCC"/>
-                      </a:solidFill>
-                      <a:prstDash val="solid"/>
-                      <a:round/>
-                      <a:headEnd type="none" w="med" len="med"/>
-                      <a:tailEnd type="none" w="med" len="med"/>
-                    </a:lnR>
-                    <a:lnT w="9525" cap="flat" cmpd="sng" algn="ctr">
-                      <a:solidFill>
-                        <a:srgbClr val="CCCCCC"/>
-                      </a:solidFill>
-                      <a:prstDash val="solid"/>
-                      <a:round/>
-                      <a:headEnd type="none" w="med" len="med"/>
-                      <a:tailEnd type="none" w="med" len="med"/>
-                    </a:lnT>
-                    <a:lnB w="9525" cap="flat" cmpd="sng" algn="ctr">
-                      <a:solidFill>
-                        <a:srgbClr val="CCCCCC"/>
-                      </a:solidFill>
-                      <a:prstDash val="solid"/>
-                      <a:round/>
-                      <a:headEnd type="none" w="med" len="med"/>
-                      <a:tailEnd type="none" w="med" len="med"/>
-                    </a:lnB>
-                    <a:solidFill>
-                      <a:srgbClr val="FFFFFF"/>
-                    </a:solidFill>
-                  </a:tcPr>
-                </a:tc>
-              </a:tr>
-            </a:tbl>
-          </a:graphicData>
-        </a:graphic>
-      </p:graphicFrame>
-    </p:spTree>
-    <p:extLst>
-      <p:ext uri="{BB962C8B-B14F-4D97-AF65-F5344CB8AC3E}">
-        <p14:creationId xmlns:p14="http://schemas.microsoft.com/office/powerpoint/2010/main" val="2265521574"/>
-      </p:ext>
-    </p:extLst>
-  </p:cSld>
-  <p:clrMapOvr>
-    <a:masterClrMapping/>
-  </p:clrMapOvr>
-</p:sld>
-</file>
-
-<file path=ppt/slides/slide27.xml><?xml version="1.0" encoding="utf-8"?>
-<p:sld xmlns:a="http://schemas.openxmlformats.org/drawingml/2006/main" xmlns:r="http://schemas.openxmlformats.org/officeDocument/2006/relationships" xmlns:p="http://schemas.openxmlformats.org/presentationml/2006/main">
-  <p:cSld>
-    <p:bg>
-      <p:bgPr>
-        <a:noFill/>
-        <a:effectLst/>
-      </p:bgPr>
-    </p:bg>
-    <p:spTree>
-      <p:nvGrpSpPr>
-        <p:cNvPr id="1" name=""/>
-        <p:cNvGrpSpPr/>
-        <p:nvPr/>
-      </p:nvGrpSpPr>
-      <p:grpSpPr>
-        <a:xfrm>
-          <a:off x="0" y="0"/>
-          <a:ext cx="0" cy="0"/>
-          <a:chOff x="0" y="0"/>
-          <a:chExt cx="0" cy="0"/>
-        </a:xfrm>
-      </p:grpSpPr>
-      <p:sp>
-        <p:nvSpPr>
-          <p:cNvPr id="2" name="Title 1"/>
-          <p:cNvSpPr>
-            <a:spLocks noGrp="1"/>
-          </p:cNvSpPr>
-          <p:nvPr>
-            <p:ph type="title"/>
-          </p:nvPr>
-        </p:nvSpPr>
-        <p:spPr/>
-        <p:txBody>
-          <a:bodyPr/>
-          <a:lstStyle/>
-          <a:p>
-            <a:r>
-              <a:rPr lang="en-US" dirty="0" smtClean="0"/>
-              <a:t>Routing Concerns</a:t>
-            </a:r>
-            <a:endParaRPr lang="en-US" dirty="0"/>
-          </a:p>
-        </p:txBody>
-      </p:sp>
-      <p:sp>
-        <p:nvSpPr>
-          <p:cNvPr id="3" name="Rectangle 3"/>
-          <p:cNvSpPr txBox="1"/>
-          <p:nvPr/>
-        </p:nvSpPr>
-        <p:spPr>
-          <a:xfrm>
-            <a:off x="457200" y="1200150"/>
-            <a:ext cx="8229600" cy="553998"/>
-          </a:xfrm>
-          <a:prstGeom prst="rect">
-            <a:avLst/>
-          </a:prstGeom>
-          <a:noFill/>
-          <a:ln>
-            <a:noFill/>
-          </a:ln>
-        </p:spPr>
-        <p:txBody>
-          <a:bodyPr lIns="91425" tIns="91425" rIns="91425" bIns="91425" anchor="t" anchorCtr="0"/>
-          <a:lstStyle>
-            <a:defPPr marR="0" algn="l" rtl="0">
-              <a:lnSpc>
-                <a:spcPct val="100000"/>
-              </a:lnSpc>
-              <a:spcBef>
-                <a:spcPts val="0"/>
-              </a:spcBef>
-              <a:spcAft>
-                <a:spcPts val="0"/>
-              </a:spcAft>
-            </a:defPPr>
-            <a:lvl1pPr>
-              <a:spcBef>
-                <a:spcPts val="600"/>
-              </a:spcBef>
-              <a:buClr>
-                <a:schemeClr val="dk1"/>
-              </a:buClr>
-              <a:buSzPct val="100000"/>
-              <a:defRPr sz="3000">
-                <a:solidFill>
-                  <a:schemeClr val="dk1"/>
-                </a:solidFill>
-              </a:defRPr>
-            </a:lvl1pPr>
-            <a:lvl2pPr>
-              <a:spcBef>
-                <a:spcPts val="480"/>
-              </a:spcBef>
-              <a:buClr>
-                <a:schemeClr val="dk1"/>
-              </a:buClr>
-              <a:buSzPct val="100000"/>
-              <a:defRPr sz="2400">
-                <a:solidFill>
-                  <a:schemeClr val="dk1"/>
-                </a:solidFill>
-              </a:defRPr>
-            </a:lvl2pPr>
-            <a:lvl3pPr>
-              <a:spcBef>
-                <a:spcPts val="480"/>
-              </a:spcBef>
-              <a:buClr>
-                <a:schemeClr val="dk1"/>
-              </a:buClr>
-              <a:buSzPct val="100000"/>
-              <a:defRPr sz="2400">
-                <a:solidFill>
-                  <a:schemeClr val="dk1"/>
-                </a:solidFill>
-              </a:defRPr>
-            </a:lvl3pPr>
-            <a:lvl4pPr>
-              <a:spcBef>
-                <a:spcPts val="360"/>
-              </a:spcBef>
-              <a:buClr>
-                <a:schemeClr val="dk1"/>
-              </a:buClr>
-              <a:buSzPct val="100000"/>
-              <a:defRPr sz="1800">
-                <a:solidFill>
-                  <a:schemeClr val="dk1"/>
-                </a:solidFill>
-              </a:defRPr>
-            </a:lvl4pPr>
-            <a:lvl5pPr>
-              <a:spcBef>
-                <a:spcPts val="360"/>
-              </a:spcBef>
-              <a:buClr>
-                <a:schemeClr val="dk1"/>
-              </a:buClr>
-              <a:buSzPct val="100000"/>
-              <a:defRPr sz="1800">
-                <a:solidFill>
-                  <a:schemeClr val="dk1"/>
-                </a:solidFill>
-              </a:defRPr>
-            </a:lvl5pPr>
-            <a:lvl6pPr>
-              <a:spcBef>
-                <a:spcPts val="360"/>
-              </a:spcBef>
-              <a:buClr>
-                <a:schemeClr val="dk1"/>
-              </a:buClr>
-              <a:buSzPct val="100000"/>
-              <a:defRPr sz="1800">
-                <a:solidFill>
-                  <a:schemeClr val="dk1"/>
-                </a:solidFill>
-              </a:defRPr>
-            </a:lvl6pPr>
-            <a:lvl7pPr>
-              <a:spcBef>
-                <a:spcPts val="360"/>
-              </a:spcBef>
-              <a:buClr>
-                <a:schemeClr val="dk1"/>
-              </a:buClr>
-              <a:buSzPct val="100000"/>
-              <a:defRPr sz="1800">
-                <a:solidFill>
-                  <a:schemeClr val="dk1"/>
-                </a:solidFill>
-              </a:defRPr>
-            </a:lvl7pPr>
-            <a:lvl8pPr>
-              <a:spcBef>
-                <a:spcPts val="360"/>
-              </a:spcBef>
-              <a:buClr>
-                <a:schemeClr val="dk1"/>
-              </a:buClr>
-              <a:buSzPct val="100000"/>
-              <a:defRPr sz="1800">
-                <a:solidFill>
-                  <a:schemeClr val="dk1"/>
-                </a:solidFill>
-              </a:defRPr>
-            </a:lvl8pPr>
-            <a:lvl9pPr>
-              <a:spcBef>
-                <a:spcPts val="360"/>
-              </a:spcBef>
-              <a:buClr>
-                <a:schemeClr val="dk1"/>
-              </a:buClr>
-              <a:buSzPct val="100000"/>
-              <a:defRPr sz="1800">
-                <a:solidFill>
-                  <a:schemeClr val="dk1"/>
-                </a:solidFill>
-              </a:defRPr>
-            </a:lvl9pPr>
-          </a:lstStyle>
-          <a:p>
-            <a:endParaRPr lang="en-US" dirty="0"/>
-          </a:p>
-        </p:txBody>
-      </p:sp>
-      <p:graphicFrame>
-        <p:nvGraphicFramePr>
-          <p:cNvPr id="5" name="Table 4"/>
-          <p:cNvGraphicFramePr>
-            <a:graphicFrameLocks noGrp="1"/>
-          </p:cNvGraphicFramePr>
-          <p:nvPr>
-            <p:extLst>
-              <p:ext uri="{D42A27DB-BD31-4B8C-83A1-F6EECF244321}">
-                <p14:modId xmlns:p14="http://schemas.microsoft.com/office/powerpoint/2010/main" val="471651510"/>
-              </p:ext>
-            </p:extLst>
-          </p:nvPr>
-        </p:nvGraphicFramePr>
-        <p:xfrm>
-          <a:off x="609600" y="1007388"/>
-          <a:ext cx="3581400" cy="1493520"/>
-        </p:xfrm>
-        <a:graphic>
-          <a:graphicData uri="http://schemas.openxmlformats.org/drawingml/2006/table">
-            <a:tbl>
-              <a:tblPr/>
-              <a:tblGrid>
-                <a:gridCol w="3581400"/>
-              </a:tblGrid>
-              <a:tr h="838200">
-                <a:tc>
-                  <a:txBody>
-                    <a:bodyPr/>
-                    <a:lstStyle/>
-                    <a:p>
-                      <a:pPr algn="l" fontAlgn="base"/>
-                      <a:r>
-                        <a:rPr lang="en-US" b="1" i="0" dirty="0">
-                          <a:effectLst/>
-                          <a:latin typeface="Consolas"/>
-                        </a:rPr>
-                        <a:t>concern :</a:t>
-                      </a:r>
-                      <a:r>
-                        <a:rPr lang="en-US" b="1" i="0" dirty="0" err="1">
-                          <a:effectLst/>
-                          <a:latin typeface="Consolas"/>
-                        </a:rPr>
-                        <a:t>commentable</a:t>
-                      </a:r>
-                      <a:r>
-                        <a:rPr lang="en-US" b="1" i="0" dirty="0">
-                          <a:effectLst/>
-                          <a:latin typeface="Consolas"/>
-                        </a:rPr>
-                        <a:t> do</a:t>
-                      </a:r>
-                    </a:p>
-                    <a:p>
-                      <a:pPr algn="l" fontAlgn="base"/>
-                      <a:r>
-                        <a:rPr lang="en-US" b="1" i="0" dirty="0">
-                          <a:effectLst/>
-                          <a:latin typeface="Consolas"/>
-                        </a:rPr>
-                        <a:t>  resources :comments</a:t>
-                      </a:r>
-                    </a:p>
-                    <a:p>
-                      <a:pPr algn="l" fontAlgn="base"/>
-                      <a:r>
-                        <a:rPr lang="en-US" b="1" i="0" dirty="0">
-                          <a:effectLst/>
-                          <a:latin typeface="Consolas"/>
-                        </a:rPr>
-                        <a:t>end</a:t>
-                      </a:r>
-                    </a:p>
-                    <a:p>
-                      <a:pPr algn="l" fontAlgn="base"/>
-                      <a:r>
-                        <a:rPr lang="en-US" b="1" i="0" dirty="0">
-                          <a:effectLst/>
-                          <a:latin typeface="Consolas"/>
-                        </a:rPr>
-                        <a:t> </a:t>
-                      </a:r>
-                    </a:p>
-                    <a:p>
-                      <a:pPr algn="l" fontAlgn="base"/>
-                      <a:r>
-                        <a:rPr lang="en-US" b="1" i="0" dirty="0">
-                          <a:effectLst/>
-                          <a:latin typeface="Consolas"/>
-                        </a:rPr>
-                        <a:t>concern :</a:t>
-                      </a:r>
-                      <a:r>
-                        <a:rPr lang="en-US" b="1" i="0" dirty="0" err="1">
-                          <a:effectLst/>
-                          <a:latin typeface="Consolas"/>
-                        </a:rPr>
-                        <a:t>image_attachable</a:t>
-                      </a:r>
-                      <a:r>
-                        <a:rPr lang="en-US" b="1" i="0" dirty="0">
-                          <a:effectLst/>
-                          <a:latin typeface="Consolas"/>
-                        </a:rPr>
-                        <a:t> do</a:t>
-                      </a:r>
-                    </a:p>
-                    <a:p>
-                      <a:pPr algn="l" fontAlgn="base"/>
-                      <a:r>
-                        <a:rPr lang="en-US" b="1" i="0" dirty="0">
-                          <a:effectLst/>
-                          <a:latin typeface="Consolas"/>
-                        </a:rPr>
-                        <a:t>  resources :images, only: :index</a:t>
-                      </a:r>
-                    </a:p>
-                    <a:p>
-                      <a:pPr algn="l" fontAlgn="base"/>
-                      <a:r>
-                        <a:rPr lang="en-US" b="1" i="0" dirty="0">
-                          <a:effectLst/>
-                          <a:latin typeface="Consolas"/>
-                        </a:rPr>
-                        <a:t>end</a:t>
-                      </a:r>
-                    </a:p>
-                  </a:txBody>
-                  <a:tcPr marL="0" marR="0" marT="0" marB="0" anchor="ctr">
-                    <a:lnL>
-                      <a:noFill/>
-                    </a:lnL>
-                    <a:lnR>
-                      <a:noFill/>
-                    </a:lnR>
-                    <a:lnT>
-                      <a:noFill/>
-                    </a:lnT>
-                    <a:lnB>
-                      <a:noFill/>
-                    </a:lnB>
-                  </a:tcPr>
-                </a:tc>
-              </a:tr>
-            </a:tbl>
-          </a:graphicData>
-        </a:graphic>
-      </p:graphicFrame>
-      <p:sp>
-        <p:nvSpPr>
-          <p:cNvPr id="6" name="Rectangle 2"/>
-          <p:cNvSpPr>
-            <a:spLocks noChangeArrowheads="1"/>
-          </p:cNvSpPr>
-          <p:nvPr/>
-        </p:nvSpPr>
+        </p:nvPicPr>
+        <p:blipFill>
+          <a:blip r:embed="rId2">
+            <a:extLst>
+              <a:ext uri="{28A0092B-C50C-407E-A947-70E740481C1C}">
+                <a14:useLocalDpi xmlns:a14="http://schemas.microsoft.com/office/drawing/2010/main" val="0"/>
+              </a:ext>
+            </a:extLst>
+          </a:blip>
+          <a:srcRect/>
+          <a:stretch>
+            <a:fillRect/>
+          </a:stretch>
+        </p:blipFill>
         <p:spPr bwMode="auto">
           <a:xfrm>
-            <a:off x="1866900" y="2316163"/>
-            <a:ext cx="9144000" cy="0"/>
+            <a:off x="762000" y="1047750"/>
+            <a:ext cx="7467600" cy="3853593"/>
           </a:xfrm>
           <a:prstGeom prst="rect">
             <a:avLst/>
@@ -17351,227 +14213,2045 @@
             </a:ext>
           </a:extLst>
         </p:spPr>
+      </p:pic>
+    </p:spTree>
+    <p:extLst>
+      <p:ext uri="{BB962C8B-B14F-4D97-AF65-F5344CB8AC3E}">
+        <p14:creationId xmlns:p14="http://schemas.microsoft.com/office/powerpoint/2010/main" val="705124251"/>
+      </p:ext>
+    </p:extLst>
+  </p:cSld>
+  <p:clrMapOvr>
+    <a:masterClrMapping/>
+  </p:clrMapOvr>
+  <p:timing>
+    <p:tnLst>
+      <p:par>
+        <p:cTn id="1" dur="indefinite" restart="never" nodeType="tmRoot"/>
+      </p:par>
+    </p:tnLst>
+  </p:timing>
+</p:sld>
+</file>
+
+<file path=ppt/slides/slide26.xml><?xml version="1.0" encoding="utf-8"?>
+<p:sld xmlns:a="http://schemas.openxmlformats.org/drawingml/2006/main" xmlns:r="http://schemas.openxmlformats.org/officeDocument/2006/relationships" xmlns:p="http://schemas.openxmlformats.org/presentationml/2006/main">
+  <p:cSld>
+    <p:spTree>
+      <p:nvGrpSpPr>
+        <p:cNvPr id="1" name=""/>
+        <p:cNvGrpSpPr/>
+        <p:nvPr/>
+      </p:nvGrpSpPr>
+      <p:grpSpPr>
+        <a:xfrm>
+          <a:off x="0" y="0"/>
+          <a:ext cx="0" cy="0"/>
+          <a:chOff x="0" y="0"/>
+          <a:chExt cx="0" cy="0"/>
+        </a:xfrm>
+      </p:grpSpPr>
+      <p:sp>
+        <p:nvSpPr>
+          <p:cNvPr id="3" name="Rectangle 3"/>
+          <p:cNvSpPr txBox="1"/>
+          <p:nvPr/>
+        </p:nvSpPr>
+        <p:spPr>
+          <a:xfrm>
+            <a:off x="457200" y="1200150"/>
+            <a:ext cx="8229600" cy="553998"/>
+          </a:xfrm>
+          <a:prstGeom prst="rect">
+            <a:avLst/>
+          </a:prstGeom>
+          <a:noFill/>
+          <a:ln>
+            <a:noFill/>
+          </a:ln>
+        </p:spPr>
         <p:txBody>
-          <a:bodyPr vert="horz" wrap="none" lIns="91440" tIns="45720" rIns="91440" bIns="45720" numCol="1" anchor="ctr" anchorCtr="0" compatLnSpc="1">
-            <a:prstTxWarp prst="textNoShape">
-              <a:avLst/>
-            </a:prstTxWarp>
-            <a:spAutoFit/>
-          </a:bodyPr>
-          <a:lstStyle/>
-          <a:p>
-            <a:pPr marL="0" marR="0" lvl="0" indent="0" algn="l" defTabSz="914400" rtl="0" eaLnBrk="1" fontAlgn="base" latinLnBrk="0" hangingPunct="1">
+          <a:bodyPr lIns="91425" tIns="91425" rIns="91425" bIns="91425" anchor="t" anchorCtr="0"/>
+          <a:lstStyle>
+            <a:defPPr marR="0" algn="l" rtl="0">
               <a:lnSpc>
                 <a:spcPct val="100000"/>
               </a:lnSpc>
               <a:spcBef>
-                <a:spcPct val="0"/>
+                <a:spcPts val="0"/>
               </a:spcBef>
               <a:spcAft>
-                <a:spcPct val="0"/>
+                <a:spcPts val="0"/>
               </a:spcAft>
-              <a:buClrTx/>
-              <a:buSzTx/>
-              <a:buFontTx/>
-              <a:buNone/>
-              <a:tabLst/>
-            </a:pPr>
-            <a:r>
-              <a:rPr kumimoji="0" lang="en-US" sz="1800" b="0" i="0" u="none" strike="noStrike" cap="none" normalizeH="0" baseline="0" smtClean="0">
-                <a:ln>
-                  <a:noFill/>
-                </a:ln>
+            </a:defPPr>
+            <a:lvl1pPr>
+              <a:spcBef>
+                <a:spcPts val="600"/>
+              </a:spcBef>
+              <a:buClr>
+                <a:schemeClr val="dk1"/>
+              </a:buClr>
+              <a:buSzPct val="100000"/>
+              <a:defRPr sz="3000">
                 <a:solidFill>
-                  <a:schemeClr val="tx1"/>
+                  <a:schemeClr val="dk1"/>
                 </a:solidFill>
-                <a:effectLst/>
-                <a:latin typeface="Arial" pitchFamily="34" charset="0"/>
-                <a:cs typeface="Arial" pitchFamily="34" charset="0"/>
-              </a:rPr>
-              <a:t/>
-            </a:r>
-            <a:br>
-              <a:rPr kumimoji="0" lang="en-US" sz="1800" b="0" i="0" u="none" strike="noStrike" cap="none" normalizeH="0" baseline="0" smtClean="0">
-                <a:ln>
-                  <a:noFill/>
-                </a:ln>
+              </a:defRPr>
+            </a:lvl1pPr>
+            <a:lvl2pPr>
+              <a:spcBef>
+                <a:spcPts val="480"/>
+              </a:spcBef>
+              <a:buClr>
+                <a:schemeClr val="dk1"/>
+              </a:buClr>
+              <a:buSzPct val="100000"/>
+              <a:defRPr sz="2400">
                 <a:solidFill>
-                  <a:schemeClr val="tx1"/>
+                  <a:schemeClr val="dk1"/>
                 </a:solidFill>
-                <a:effectLst/>
-                <a:latin typeface="Arial" pitchFamily="34" charset="0"/>
-                <a:cs typeface="Arial" pitchFamily="34" charset="0"/>
-              </a:rPr>
-            </a:br>
-            <a:endParaRPr kumimoji="0" lang="en-US" sz="1800" b="0" i="0" u="none" strike="noStrike" cap="none" normalizeH="0" baseline="0" smtClean="0">
-              <a:ln>
-                <a:noFill/>
-              </a:ln>
-              <a:solidFill>
-                <a:schemeClr val="tx1"/>
-              </a:solidFill>
-              <a:effectLst/>
-              <a:latin typeface="Arial" pitchFamily="34" charset="0"/>
-              <a:cs typeface="Arial" pitchFamily="34" charset="0"/>
-            </a:endParaRPr>
+              </a:defRPr>
+            </a:lvl2pPr>
+            <a:lvl3pPr>
+              <a:spcBef>
+                <a:spcPts val="480"/>
+              </a:spcBef>
+              <a:buClr>
+                <a:schemeClr val="dk1"/>
+              </a:buClr>
+              <a:buSzPct val="100000"/>
+              <a:defRPr sz="2400">
+                <a:solidFill>
+                  <a:schemeClr val="dk1"/>
+                </a:solidFill>
+              </a:defRPr>
+            </a:lvl3pPr>
+            <a:lvl4pPr>
+              <a:spcBef>
+                <a:spcPts val="360"/>
+              </a:spcBef>
+              <a:buClr>
+                <a:schemeClr val="dk1"/>
+              </a:buClr>
+              <a:buSzPct val="100000"/>
+              <a:defRPr sz="1800">
+                <a:solidFill>
+                  <a:schemeClr val="dk1"/>
+                </a:solidFill>
+              </a:defRPr>
+            </a:lvl4pPr>
+            <a:lvl5pPr>
+              <a:spcBef>
+                <a:spcPts val="360"/>
+              </a:spcBef>
+              <a:buClr>
+                <a:schemeClr val="dk1"/>
+              </a:buClr>
+              <a:buSzPct val="100000"/>
+              <a:defRPr sz="1800">
+                <a:solidFill>
+                  <a:schemeClr val="dk1"/>
+                </a:solidFill>
+              </a:defRPr>
+            </a:lvl5pPr>
+            <a:lvl6pPr>
+              <a:spcBef>
+                <a:spcPts val="360"/>
+              </a:spcBef>
+              <a:buClr>
+                <a:schemeClr val="dk1"/>
+              </a:buClr>
+              <a:buSzPct val="100000"/>
+              <a:defRPr sz="1800">
+                <a:solidFill>
+                  <a:schemeClr val="dk1"/>
+                </a:solidFill>
+              </a:defRPr>
+            </a:lvl6pPr>
+            <a:lvl7pPr>
+              <a:spcBef>
+                <a:spcPts val="360"/>
+              </a:spcBef>
+              <a:buClr>
+                <a:schemeClr val="dk1"/>
+              </a:buClr>
+              <a:buSzPct val="100000"/>
+              <a:defRPr sz="1800">
+                <a:solidFill>
+                  <a:schemeClr val="dk1"/>
+                </a:solidFill>
+              </a:defRPr>
+            </a:lvl7pPr>
+            <a:lvl8pPr>
+              <a:spcBef>
+                <a:spcPts val="360"/>
+              </a:spcBef>
+              <a:buClr>
+                <a:schemeClr val="dk1"/>
+              </a:buClr>
+              <a:buSzPct val="100000"/>
+              <a:defRPr sz="1800">
+                <a:solidFill>
+                  <a:schemeClr val="dk1"/>
+                </a:solidFill>
+              </a:defRPr>
+            </a:lvl8pPr>
+            <a:lvl9pPr>
+              <a:spcBef>
+                <a:spcPts val="360"/>
+              </a:spcBef>
+              <a:buClr>
+                <a:schemeClr val="dk1"/>
+              </a:buClr>
+              <a:buSzPct val="100000"/>
+              <a:defRPr sz="1800">
+                <a:solidFill>
+                  <a:schemeClr val="dk1"/>
+                </a:solidFill>
+              </a:defRPr>
+            </a:lvl9pPr>
+          </a:lstStyle>
+          <a:p>
+            <a:endParaRPr lang="en-US" dirty="0"/>
           </a:p>
         </p:txBody>
       </p:sp>
       <p:graphicFrame>
         <p:nvGraphicFramePr>
-          <p:cNvPr id="7" name="Table 6"/>
+          <p:cNvPr id="5" name="Table 4"/>
           <p:cNvGraphicFramePr>
             <a:graphicFrameLocks noGrp="1"/>
           </p:cNvGraphicFramePr>
           <p:nvPr>
             <p:extLst>
               <p:ext uri="{D42A27DB-BD31-4B8C-83A1-F6EECF244321}">
-                <p14:modId xmlns:p14="http://schemas.microsoft.com/office/powerpoint/2010/main" val="2578670653"/>
+                <p14:modId xmlns:p14="http://schemas.microsoft.com/office/powerpoint/2010/main" val="327502799"/>
               </p:ext>
             </p:extLst>
           </p:nvPr>
         </p:nvGraphicFramePr>
         <p:xfrm>
-          <a:off x="457200" y="2636838"/>
-          <a:ext cx="4343400" cy="853440"/>
+          <a:off x="381000" y="209550"/>
+          <a:ext cx="8305800" cy="4821706"/>
         </p:xfrm>
         <a:graphic>
           <a:graphicData uri="http://schemas.openxmlformats.org/drawingml/2006/table">
             <a:tbl>
               <a:tblPr/>
               <a:tblGrid>
-                <a:gridCol w="4343400"/>
+                <a:gridCol w="2076450"/>
+                <a:gridCol w="2076450"/>
+                <a:gridCol w="2076450"/>
+                <a:gridCol w="2076450"/>
               </a:tblGrid>
-              <a:tr h="0">
+              <a:tr h="284871">
                 <a:tc>
                   <a:txBody>
                     <a:bodyPr/>
                     <a:lstStyle/>
                     <a:p>
-                      <a:pPr algn="l" fontAlgn="base"/>
+                      <a:pPr algn="l"/>
                       <a:r>
-                        <a:rPr lang="fr-FR" b="0" i="0" dirty="0" err="1">
+                        <a:rPr lang="en-US" sz="1200" b="1" dirty="0">
                           <a:effectLst/>
-                          <a:latin typeface="Consolas"/>
                         </a:rPr>
-                        <a:t>resources</a:t>
-                      </a:r>
-                      <a:r>
-                        <a:rPr lang="fr-FR" b="0" i="0" dirty="0">
-                          <a:effectLst/>
-                          <a:latin typeface="Consolas"/>
-                        </a:rPr>
-                        <a:t> :messages, </a:t>
-                      </a:r>
-                      <a:r>
-                        <a:rPr lang="fr-FR" b="0" i="0" dirty="0" err="1">
-                          <a:effectLst/>
-                          <a:latin typeface="Consolas"/>
-                        </a:rPr>
-                        <a:t>concerns</a:t>
-                      </a:r>
-                      <a:r>
-                        <a:rPr lang="fr-FR" b="0" i="0" dirty="0">
-                          <a:effectLst/>
-                          <a:latin typeface="Consolas"/>
-                        </a:rPr>
-                        <a:t>: :</a:t>
-                      </a:r>
-                      <a:r>
-                        <a:rPr lang="fr-FR" b="0" i="0" dirty="0" err="1">
-                          <a:effectLst/>
-                          <a:latin typeface="Consolas"/>
-                        </a:rPr>
-                        <a:t>commentable</a:t>
-                      </a:r>
-                      <a:endParaRPr lang="fr-FR" b="0" i="0" dirty="0">
-                        <a:effectLst/>
-                        <a:latin typeface="Consolas"/>
-                      </a:endParaRPr>
-                    </a:p>
-                    <a:p>
-                      <a:pPr algn="l" fontAlgn="base"/>
-                      <a:r>
-                        <a:rPr lang="fr-FR" b="0" i="0" dirty="0">
-                          <a:effectLst/>
-                          <a:latin typeface="Consolas"/>
-                        </a:rPr>
-                        <a:t> </a:t>
-                      </a:r>
-                    </a:p>
-                    <a:p>
-                      <a:pPr algn="l" fontAlgn="base"/>
-                      <a:r>
-                        <a:rPr lang="fr-FR" b="0" i="0" dirty="0" err="1">
-                          <a:effectLst/>
-                          <a:latin typeface="Consolas"/>
-                        </a:rPr>
-                        <a:t>resources</a:t>
-                      </a:r>
-                      <a:r>
-                        <a:rPr lang="fr-FR" b="0" i="0" dirty="0">
-                          <a:effectLst/>
-                          <a:latin typeface="Consolas"/>
-                        </a:rPr>
-                        <a:t> :articles, </a:t>
-                      </a:r>
-                      <a:r>
-                        <a:rPr lang="fr-FR" b="0" i="0" dirty="0" err="1">
-                          <a:effectLst/>
-                          <a:latin typeface="Consolas"/>
-                        </a:rPr>
-                        <a:t>concerns</a:t>
-                      </a:r>
-                      <a:r>
-                        <a:rPr lang="fr-FR" b="0" i="0" dirty="0">
-                          <a:effectLst/>
-                          <a:latin typeface="Consolas"/>
-                        </a:rPr>
-                        <a:t>: [:</a:t>
-                      </a:r>
-                      <a:r>
-                        <a:rPr lang="fr-FR" b="0" i="0" dirty="0" err="1">
-                          <a:effectLst/>
-                          <a:latin typeface="Consolas"/>
-                        </a:rPr>
-                        <a:t>commentable</a:t>
-                      </a:r>
-                      <a:r>
-                        <a:rPr lang="fr-FR" b="0" i="0" dirty="0">
-                          <a:effectLst/>
-                          <a:latin typeface="Consolas"/>
-                        </a:rPr>
-                        <a:t>, :</a:t>
-                      </a:r>
-                      <a:r>
-                        <a:rPr lang="fr-FR" b="0" i="0" dirty="0" err="1">
-                          <a:effectLst/>
-                          <a:latin typeface="Consolas"/>
-                        </a:rPr>
-                        <a:t>image_attachable</a:t>
-                      </a:r>
-                      <a:r>
-                        <a:rPr lang="fr-FR" b="0" i="0" dirty="0">
-                          <a:effectLst/>
-                          <a:latin typeface="Consolas"/>
-                        </a:rPr>
-                        <a:t>]</a:t>
+                        <a:t>HTTP Verb</a:t>
                       </a:r>
                     </a:p>
                   </a:txBody>
-                  <a:tcPr marL="0" marR="0" marT="0" marB="0" anchor="ctr">
-                    <a:lnL>
-                      <a:noFill/>
+                  <a:tcPr marL="56521" marR="56521" marT="50869" marB="50869" anchor="ctr">
+                    <a:lnL w="9525" cap="flat" cmpd="sng" algn="ctr">
+                      <a:solidFill>
+                        <a:srgbClr val="CCCCCC"/>
+                      </a:solidFill>
+                      <a:prstDash val="solid"/>
+                      <a:round/>
+                      <a:headEnd type="none" w="med" len="med"/>
+                      <a:tailEnd type="none" w="med" len="med"/>
                     </a:lnL>
-                    <a:lnR>
-                      <a:noFill/>
+                    <a:lnR w="9525" cap="flat" cmpd="sng" algn="ctr">
+                      <a:solidFill>
+                        <a:srgbClr val="CCCCCC"/>
+                      </a:solidFill>
+                      <a:prstDash val="solid"/>
+                      <a:round/>
+                      <a:headEnd type="none" w="med" len="med"/>
+                      <a:tailEnd type="none" w="med" len="med"/>
                     </a:lnR>
-                    <a:lnT>
-                      <a:noFill/>
+                    <a:lnT w="9525" cap="flat" cmpd="sng" algn="ctr">
+                      <a:solidFill>
+                        <a:srgbClr val="CCCCCC"/>
+                      </a:solidFill>
+                      <a:prstDash val="solid"/>
+                      <a:round/>
+                      <a:headEnd type="none" w="med" len="med"/>
+                      <a:tailEnd type="none" w="med" len="med"/>
                     </a:lnT>
-                    <a:lnB>
-                      <a:noFill/>
+                    <a:lnB w="9525" cap="flat" cmpd="sng" algn="ctr">
+                      <a:solidFill>
+                        <a:srgbClr val="CCCCCC"/>
+                      </a:solidFill>
+                      <a:prstDash val="solid"/>
+                      <a:round/>
+                      <a:headEnd type="none" w="med" len="med"/>
+                      <a:tailEnd type="none" w="med" len="med"/>
                     </a:lnB>
+                    <a:solidFill>
+                      <a:srgbClr val="EEEEEE"/>
+                    </a:solidFill>
+                  </a:tcPr>
+                </a:tc>
+                <a:tc>
+                  <a:txBody>
+                    <a:bodyPr/>
+                    <a:lstStyle/>
+                    <a:p>
+                      <a:pPr algn="l"/>
+                      <a:r>
+                        <a:rPr lang="en-US" sz="1200" b="1">
+                          <a:effectLst/>
+                        </a:rPr>
+                        <a:t>Path</a:t>
+                      </a:r>
+                    </a:p>
+                  </a:txBody>
+                  <a:tcPr marL="56521" marR="56521" marT="50869" marB="50869" anchor="ctr">
+                    <a:lnL w="9525" cap="flat" cmpd="sng" algn="ctr">
+                      <a:solidFill>
+                        <a:srgbClr val="CCCCCC"/>
+                      </a:solidFill>
+                      <a:prstDash val="solid"/>
+                      <a:round/>
+                      <a:headEnd type="none" w="med" len="med"/>
+                      <a:tailEnd type="none" w="med" len="med"/>
+                    </a:lnL>
+                    <a:lnR w="9525" cap="flat" cmpd="sng" algn="ctr">
+                      <a:solidFill>
+                        <a:srgbClr val="CCCCCC"/>
+                      </a:solidFill>
+                      <a:prstDash val="solid"/>
+                      <a:round/>
+                      <a:headEnd type="none" w="med" len="med"/>
+                      <a:tailEnd type="none" w="med" len="med"/>
+                    </a:lnR>
+                    <a:lnT w="9525" cap="flat" cmpd="sng" algn="ctr">
+                      <a:solidFill>
+                        <a:srgbClr val="CCCCCC"/>
+                      </a:solidFill>
+                      <a:prstDash val="solid"/>
+                      <a:round/>
+                      <a:headEnd type="none" w="med" len="med"/>
+                      <a:tailEnd type="none" w="med" len="med"/>
+                    </a:lnT>
+                    <a:lnB w="9525" cap="flat" cmpd="sng" algn="ctr">
+                      <a:solidFill>
+                        <a:srgbClr val="CCCCCC"/>
+                      </a:solidFill>
+                      <a:prstDash val="solid"/>
+                      <a:round/>
+                      <a:headEnd type="none" w="med" len="med"/>
+                      <a:tailEnd type="none" w="med" len="med"/>
+                    </a:lnB>
+                    <a:solidFill>
+                      <a:srgbClr val="EEEEEE"/>
+                    </a:solidFill>
+                  </a:tcPr>
+                </a:tc>
+                <a:tc>
+                  <a:txBody>
+                    <a:bodyPr/>
+                    <a:lstStyle/>
+                    <a:p>
+                      <a:pPr algn="l"/>
+                      <a:r>
+                        <a:rPr lang="en-US" sz="1200" b="1">
+                          <a:effectLst/>
+                        </a:rPr>
+                        <a:t>Controller#Action</a:t>
+                      </a:r>
+                    </a:p>
+                  </a:txBody>
+                  <a:tcPr marL="56521" marR="56521" marT="50869" marB="50869" anchor="ctr">
+                    <a:lnL w="9525" cap="flat" cmpd="sng" algn="ctr">
+                      <a:solidFill>
+                        <a:srgbClr val="CCCCCC"/>
+                      </a:solidFill>
+                      <a:prstDash val="solid"/>
+                      <a:round/>
+                      <a:headEnd type="none" w="med" len="med"/>
+                      <a:tailEnd type="none" w="med" len="med"/>
+                    </a:lnL>
+                    <a:lnR w="9525" cap="flat" cmpd="sng" algn="ctr">
+                      <a:solidFill>
+                        <a:srgbClr val="CCCCCC"/>
+                      </a:solidFill>
+                      <a:prstDash val="solid"/>
+                      <a:round/>
+                      <a:headEnd type="none" w="med" len="med"/>
+                      <a:tailEnd type="none" w="med" len="med"/>
+                    </a:lnR>
+                    <a:lnT w="9525" cap="flat" cmpd="sng" algn="ctr">
+                      <a:solidFill>
+                        <a:srgbClr val="CCCCCC"/>
+                      </a:solidFill>
+                      <a:prstDash val="solid"/>
+                      <a:round/>
+                      <a:headEnd type="none" w="med" len="med"/>
+                      <a:tailEnd type="none" w="med" len="med"/>
+                    </a:lnT>
+                    <a:lnB w="9525" cap="flat" cmpd="sng" algn="ctr">
+                      <a:solidFill>
+                        <a:srgbClr val="CCCCCC"/>
+                      </a:solidFill>
+                      <a:prstDash val="solid"/>
+                      <a:round/>
+                      <a:headEnd type="none" w="med" len="med"/>
+                      <a:tailEnd type="none" w="med" len="med"/>
+                    </a:lnB>
+                    <a:solidFill>
+                      <a:srgbClr val="EEEEEE"/>
+                    </a:solidFill>
+                  </a:tcPr>
+                </a:tc>
+                <a:tc>
+                  <a:txBody>
+                    <a:bodyPr/>
+                    <a:lstStyle/>
+                    <a:p>
+                      <a:pPr algn="l"/>
+                      <a:r>
+                        <a:rPr lang="en-US" sz="1200" b="1">
+                          <a:effectLst/>
+                        </a:rPr>
+                        <a:t>Used for</a:t>
+                      </a:r>
+                    </a:p>
+                  </a:txBody>
+                  <a:tcPr marL="56521" marR="56521" marT="50869" marB="50869" anchor="ctr">
+                    <a:lnL w="9525" cap="flat" cmpd="sng" algn="ctr">
+                      <a:solidFill>
+                        <a:srgbClr val="CCCCCC"/>
+                      </a:solidFill>
+                      <a:prstDash val="solid"/>
+                      <a:round/>
+                      <a:headEnd type="none" w="med" len="med"/>
+                      <a:tailEnd type="none" w="med" len="med"/>
+                    </a:lnL>
+                    <a:lnR w="9525" cap="flat" cmpd="sng" algn="ctr">
+                      <a:solidFill>
+                        <a:srgbClr val="CCCCCC"/>
+                      </a:solidFill>
+                      <a:prstDash val="solid"/>
+                      <a:round/>
+                      <a:headEnd type="none" w="med" len="med"/>
+                      <a:tailEnd type="none" w="med" len="med"/>
+                    </a:lnR>
+                    <a:lnT w="9525" cap="flat" cmpd="sng" algn="ctr">
+                      <a:solidFill>
+                        <a:srgbClr val="CCCCCC"/>
+                      </a:solidFill>
+                      <a:prstDash val="solid"/>
+                      <a:round/>
+                      <a:headEnd type="none" w="med" len="med"/>
+                      <a:tailEnd type="none" w="med" len="med"/>
+                    </a:lnT>
+                    <a:lnB w="9525" cap="flat" cmpd="sng" algn="ctr">
+                      <a:solidFill>
+                        <a:srgbClr val="CCCCCC"/>
+                      </a:solidFill>
+                      <a:prstDash val="solid"/>
+                      <a:round/>
+                      <a:headEnd type="none" w="med" len="med"/>
+                      <a:tailEnd type="none" w="med" len="med"/>
+                    </a:lnB>
+                    <a:solidFill>
+                      <a:srgbClr val="EEEEEE"/>
+                    </a:solidFill>
+                  </a:tcPr>
+                </a:tc>
+              </a:tr>
+              <a:tr h="442820">
+                <a:tc>
+                  <a:txBody>
+                    <a:bodyPr/>
+                    <a:lstStyle/>
+                    <a:p>
+                      <a:pPr algn="l"/>
+                      <a:r>
+                        <a:rPr lang="en-US" sz="1200" b="0" dirty="0">
+                          <a:effectLst/>
+                        </a:rPr>
+                        <a:t>GET</a:t>
+                      </a:r>
+                    </a:p>
+                  </a:txBody>
+                  <a:tcPr marL="56521" marR="56521" marT="50869" marB="50869" anchor="ctr">
+                    <a:lnL w="9525" cap="flat" cmpd="sng" algn="ctr">
+                      <a:solidFill>
+                        <a:srgbClr val="CCCCCC"/>
+                      </a:solidFill>
+                      <a:prstDash val="solid"/>
+                      <a:round/>
+                      <a:headEnd type="none" w="med" len="med"/>
+                      <a:tailEnd type="none" w="med" len="med"/>
+                    </a:lnL>
+                    <a:lnR w="9525" cap="flat" cmpd="sng" algn="ctr">
+                      <a:solidFill>
+                        <a:srgbClr val="CCCCCC"/>
+                      </a:solidFill>
+                      <a:prstDash val="solid"/>
+                      <a:round/>
+                      <a:headEnd type="none" w="med" len="med"/>
+                      <a:tailEnd type="none" w="med" len="med"/>
+                    </a:lnR>
+                    <a:lnT w="9525" cap="flat" cmpd="sng" algn="ctr">
+                      <a:solidFill>
+                        <a:srgbClr val="CCCCCC"/>
+                      </a:solidFill>
+                      <a:prstDash val="solid"/>
+                      <a:round/>
+                      <a:headEnd type="none" w="med" len="med"/>
+                      <a:tailEnd type="none" w="med" len="med"/>
+                    </a:lnT>
+                    <a:lnB w="9525" cap="flat" cmpd="sng" algn="ctr">
+                      <a:solidFill>
+                        <a:srgbClr val="CCCCCC"/>
+                      </a:solidFill>
+                      <a:prstDash val="solid"/>
+                      <a:round/>
+                      <a:headEnd type="none" w="med" len="med"/>
+                      <a:tailEnd type="none" w="med" len="med"/>
+                    </a:lnB>
+                    <a:solidFill>
+                      <a:srgbClr val="FFFFFF"/>
+                    </a:solidFill>
+                  </a:tcPr>
+                </a:tc>
+                <a:tc>
+                  <a:txBody>
+                    <a:bodyPr/>
+                    <a:lstStyle/>
+                    <a:p>
+                      <a:pPr algn="l"/>
+                      <a:r>
+                        <a:rPr lang="en-US" sz="1200" b="0">
+                          <a:effectLst/>
+                        </a:rPr>
+                        <a:t>/magazines/:magazine_id/ads</a:t>
+                      </a:r>
+                    </a:p>
+                  </a:txBody>
+                  <a:tcPr marL="56521" marR="56521" marT="50869" marB="50869" anchor="ctr">
+                    <a:lnL w="9525" cap="flat" cmpd="sng" algn="ctr">
+                      <a:solidFill>
+                        <a:srgbClr val="CCCCCC"/>
+                      </a:solidFill>
+                      <a:prstDash val="solid"/>
+                      <a:round/>
+                      <a:headEnd type="none" w="med" len="med"/>
+                      <a:tailEnd type="none" w="med" len="med"/>
+                    </a:lnL>
+                    <a:lnR w="9525" cap="flat" cmpd="sng" algn="ctr">
+                      <a:solidFill>
+                        <a:srgbClr val="CCCCCC"/>
+                      </a:solidFill>
+                      <a:prstDash val="solid"/>
+                      <a:round/>
+                      <a:headEnd type="none" w="med" len="med"/>
+                      <a:tailEnd type="none" w="med" len="med"/>
+                    </a:lnR>
+                    <a:lnT w="9525" cap="flat" cmpd="sng" algn="ctr">
+                      <a:solidFill>
+                        <a:srgbClr val="CCCCCC"/>
+                      </a:solidFill>
+                      <a:prstDash val="solid"/>
+                      <a:round/>
+                      <a:headEnd type="none" w="med" len="med"/>
+                      <a:tailEnd type="none" w="med" len="med"/>
+                    </a:lnT>
+                    <a:lnB w="9525" cap="flat" cmpd="sng" algn="ctr">
+                      <a:solidFill>
+                        <a:srgbClr val="CCCCCC"/>
+                      </a:solidFill>
+                      <a:prstDash val="solid"/>
+                      <a:round/>
+                      <a:headEnd type="none" w="med" len="med"/>
+                      <a:tailEnd type="none" w="med" len="med"/>
+                    </a:lnB>
+                    <a:solidFill>
+                      <a:srgbClr val="FFFFFF"/>
+                    </a:solidFill>
+                  </a:tcPr>
+                </a:tc>
+                <a:tc>
+                  <a:txBody>
+                    <a:bodyPr/>
+                    <a:lstStyle/>
+                    <a:p>
+                      <a:pPr algn="l"/>
+                      <a:r>
+                        <a:rPr lang="en-US" sz="1200" b="0">
+                          <a:effectLst/>
+                        </a:rPr>
+                        <a:t>ads#index</a:t>
+                      </a:r>
+                    </a:p>
+                  </a:txBody>
+                  <a:tcPr marL="56521" marR="56521" marT="50869" marB="50869" anchor="ctr">
+                    <a:lnL w="9525" cap="flat" cmpd="sng" algn="ctr">
+                      <a:solidFill>
+                        <a:srgbClr val="CCCCCC"/>
+                      </a:solidFill>
+                      <a:prstDash val="solid"/>
+                      <a:round/>
+                      <a:headEnd type="none" w="med" len="med"/>
+                      <a:tailEnd type="none" w="med" len="med"/>
+                    </a:lnL>
+                    <a:lnR w="9525" cap="flat" cmpd="sng" algn="ctr">
+                      <a:solidFill>
+                        <a:srgbClr val="CCCCCC"/>
+                      </a:solidFill>
+                      <a:prstDash val="solid"/>
+                      <a:round/>
+                      <a:headEnd type="none" w="med" len="med"/>
+                      <a:tailEnd type="none" w="med" len="med"/>
+                    </a:lnR>
+                    <a:lnT w="9525" cap="flat" cmpd="sng" algn="ctr">
+                      <a:solidFill>
+                        <a:srgbClr val="CCCCCC"/>
+                      </a:solidFill>
+                      <a:prstDash val="solid"/>
+                      <a:round/>
+                      <a:headEnd type="none" w="med" len="med"/>
+                      <a:tailEnd type="none" w="med" len="med"/>
+                    </a:lnT>
+                    <a:lnB w="9525" cap="flat" cmpd="sng" algn="ctr">
+                      <a:solidFill>
+                        <a:srgbClr val="CCCCCC"/>
+                      </a:solidFill>
+                      <a:prstDash val="solid"/>
+                      <a:round/>
+                      <a:headEnd type="none" w="med" len="med"/>
+                      <a:tailEnd type="none" w="med" len="med"/>
+                    </a:lnB>
+                    <a:solidFill>
+                      <a:srgbClr val="FFFFFF"/>
+                    </a:solidFill>
+                  </a:tcPr>
+                </a:tc>
+                <a:tc>
+                  <a:txBody>
+                    <a:bodyPr/>
+                    <a:lstStyle/>
+                    <a:p>
+                      <a:pPr algn="l"/>
+                      <a:r>
+                        <a:rPr lang="en-US" sz="1200" b="0">
+                          <a:effectLst/>
+                        </a:rPr>
+                        <a:t>display a list of all ads for a specific magazine</a:t>
+                      </a:r>
+                    </a:p>
+                  </a:txBody>
+                  <a:tcPr marL="56521" marR="56521" marT="50869" marB="50869" anchor="ctr">
+                    <a:lnL w="9525" cap="flat" cmpd="sng" algn="ctr">
+                      <a:solidFill>
+                        <a:srgbClr val="CCCCCC"/>
+                      </a:solidFill>
+                      <a:prstDash val="solid"/>
+                      <a:round/>
+                      <a:headEnd type="none" w="med" len="med"/>
+                      <a:tailEnd type="none" w="med" len="med"/>
+                    </a:lnL>
+                    <a:lnR w="9525" cap="flat" cmpd="sng" algn="ctr">
+                      <a:solidFill>
+                        <a:srgbClr val="CCCCCC"/>
+                      </a:solidFill>
+                      <a:prstDash val="solid"/>
+                      <a:round/>
+                      <a:headEnd type="none" w="med" len="med"/>
+                      <a:tailEnd type="none" w="med" len="med"/>
+                    </a:lnR>
+                    <a:lnT w="9525" cap="flat" cmpd="sng" algn="ctr">
+                      <a:solidFill>
+                        <a:srgbClr val="CCCCCC"/>
+                      </a:solidFill>
+                      <a:prstDash val="solid"/>
+                      <a:round/>
+                      <a:headEnd type="none" w="med" len="med"/>
+                      <a:tailEnd type="none" w="med" len="med"/>
+                    </a:lnT>
+                    <a:lnB w="9525" cap="flat" cmpd="sng" algn="ctr">
+                      <a:solidFill>
+                        <a:srgbClr val="CCCCCC"/>
+                      </a:solidFill>
+                      <a:prstDash val="solid"/>
+                      <a:round/>
+                      <a:headEnd type="none" w="med" len="med"/>
+                      <a:tailEnd type="none" w="med" len="med"/>
+                    </a:lnB>
+                    <a:solidFill>
+                      <a:srgbClr val="FFFFFF"/>
+                    </a:solidFill>
+                  </a:tcPr>
+                </a:tc>
+              </a:tr>
+              <a:tr h="758717">
+                <a:tc>
+                  <a:txBody>
+                    <a:bodyPr/>
+                    <a:lstStyle/>
+                    <a:p>
+                      <a:pPr algn="l"/>
+                      <a:r>
+                        <a:rPr lang="en-US" sz="1200" b="0" dirty="0">
+                          <a:effectLst/>
+                        </a:rPr>
+                        <a:t>GET</a:t>
+                      </a:r>
+                    </a:p>
+                  </a:txBody>
+                  <a:tcPr marL="56521" marR="56521" marT="50869" marB="50869" anchor="ctr">
+                    <a:lnL w="9525" cap="flat" cmpd="sng" algn="ctr">
+                      <a:solidFill>
+                        <a:srgbClr val="CCCCCC"/>
+                      </a:solidFill>
+                      <a:prstDash val="solid"/>
+                      <a:round/>
+                      <a:headEnd type="none" w="med" len="med"/>
+                      <a:tailEnd type="none" w="med" len="med"/>
+                    </a:lnL>
+                    <a:lnR w="9525" cap="flat" cmpd="sng" algn="ctr">
+                      <a:solidFill>
+                        <a:srgbClr val="CCCCCC"/>
+                      </a:solidFill>
+                      <a:prstDash val="solid"/>
+                      <a:round/>
+                      <a:headEnd type="none" w="med" len="med"/>
+                      <a:tailEnd type="none" w="med" len="med"/>
+                    </a:lnR>
+                    <a:lnT w="9525" cap="flat" cmpd="sng" algn="ctr">
+                      <a:solidFill>
+                        <a:srgbClr val="CCCCCC"/>
+                      </a:solidFill>
+                      <a:prstDash val="solid"/>
+                      <a:round/>
+                      <a:headEnd type="none" w="med" len="med"/>
+                      <a:tailEnd type="none" w="med" len="med"/>
+                    </a:lnT>
+                    <a:lnB w="9525" cap="flat" cmpd="sng" algn="ctr">
+                      <a:solidFill>
+                        <a:srgbClr val="CCCCCC"/>
+                      </a:solidFill>
+                      <a:prstDash val="solid"/>
+                      <a:round/>
+                      <a:headEnd type="none" w="med" len="med"/>
+                      <a:tailEnd type="none" w="med" len="med"/>
+                    </a:lnB>
+                    <a:solidFill>
+                      <a:srgbClr val="FFFFFF"/>
+                    </a:solidFill>
+                  </a:tcPr>
+                </a:tc>
+                <a:tc>
+                  <a:txBody>
+                    <a:bodyPr/>
+                    <a:lstStyle/>
+                    <a:p>
+                      <a:pPr algn="l"/>
+                      <a:r>
+                        <a:rPr lang="en-US" sz="1200" b="0">
+                          <a:effectLst/>
+                        </a:rPr>
+                        <a:t>/magazines/:magazine_id/ads/new</a:t>
+                      </a:r>
+                    </a:p>
+                  </a:txBody>
+                  <a:tcPr marL="56521" marR="56521" marT="50869" marB="50869" anchor="ctr">
+                    <a:lnL w="9525" cap="flat" cmpd="sng" algn="ctr">
+                      <a:solidFill>
+                        <a:srgbClr val="CCCCCC"/>
+                      </a:solidFill>
+                      <a:prstDash val="solid"/>
+                      <a:round/>
+                      <a:headEnd type="none" w="med" len="med"/>
+                      <a:tailEnd type="none" w="med" len="med"/>
+                    </a:lnL>
+                    <a:lnR w="9525" cap="flat" cmpd="sng" algn="ctr">
+                      <a:solidFill>
+                        <a:srgbClr val="CCCCCC"/>
+                      </a:solidFill>
+                      <a:prstDash val="solid"/>
+                      <a:round/>
+                      <a:headEnd type="none" w="med" len="med"/>
+                      <a:tailEnd type="none" w="med" len="med"/>
+                    </a:lnR>
+                    <a:lnT w="9525" cap="flat" cmpd="sng" algn="ctr">
+                      <a:solidFill>
+                        <a:srgbClr val="CCCCCC"/>
+                      </a:solidFill>
+                      <a:prstDash val="solid"/>
+                      <a:round/>
+                      <a:headEnd type="none" w="med" len="med"/>
+                      <a:tailEnd type="none" w="med" len="med"/>
+                    </a:lnT>
+                    <a:lnB w="9525" cap="flat" cmpd="sng" algn="ctr">
+                      <a:solidFill>
+                        <a:srgbClr val="CCCCCC"/>
+                      </a:solidFill>
+                      <a:prstDash val="solid"/>
+                      <a:round/>
+                      <a:headEnd type="none" w="med" len="med"/>
+                      <a:tailEnd type="none" w="med" len="med"/>
+                    </a:lnB>
+                    <a:solidFill>
+                      <a:srgbClr val="FFFFFF"/>
+                    </a:solidFill>
+                  </a:tcPr>
+                </a:tc>
+                <a:tc>
+                  <a:txBody>
+                    <a:bodyPr/>
+                    <a:lstStyle/>
+                    <a:p>
+                      <a:pPr algn="l"/>
+                      <a:r>
+                        <a:rPr lang="en-US" sz="1200" b="0">
+                          <a:effectLst/>
+                        </a:rPr>
+                        <a:t>ads#new</a:t>
+                      </a:r>
+                    </a:p>
+                  </a:txBody>
+                  <a:tcPr marL="56521" marR="56521" marT="50869" marB="50869" anchor="ctr">
+                    <a:lnL w="9525" cap="flat" cmpd="sng" algn="ctr">
+                      <a:solidFill>
+                        <a:srgbClr val="CCCCCC"/>
+                      </a:solidFill>
+                      <a:prstDash val="solid"/>
+                      <a:round/>
+                      <a:headEnd type="none" w="med" len="med"/>
+                      <a:tailEnd type="none" w="med" len="med"/>
+                    </a:lnL>
+                    <a:lnR w="9525" cap="flat" cmpd="sng" algn="ctr">
+                      <a:solidFill>
+                        <a:srgbClr val="CCCCCC"/>
+                      </a:solidFill>
+                      <a:prstDash val="solid"/>
+                      <a:round/>
+                      <a:headEnd type="none" w="med" len="med"/>
+                      <a:tailEnd type="none" w="med" len="med"/>
+                    </a:lnR>
+                    <a:lnT w="9525" cap="flat" cmpd="sng" algn="ctr">
+                      <a:solidFill>
+                        <a:srgbClr val="CCCCCC"/>
+                      </a:solidFill>
+                      <a:prstDash val="solid"/>
+                      <a:round/>
+                      <a:headEnd type="none" w="med" len="med"/>
+                      <a:tailEnd type="none" w="med" len="med"/>
+                    </a:lnT>
+                    <a:lnB w="9525" cap="flat" cmpd="sng" algn="ctr">
+                      <a:solidFill>
+                        <a:srgbClr val="CCCCCC"/>
+                      </a:solidFill>
+                      <a:prstDash val="solid"/>
+                      <a:round/>
+                      <a:headEnd type="none" w="med" len="med"/>
+                      <a:tailEnd type="none" w="med" len="med"/>
+                    </a:lnB>
+                    <a:solidFill>
+                      <a:srgbClr val="FFFFFF"/>
+                    </a:solidFill>
+                  </a:tcPr>
+                </a:tc>
+                <a:tc>
+                  <a:txBody>
+                    <a:bodyPr/>
+                    <a:lstStyle/>
+                    <a:p>
+                      <a:pPr algn="l"/>
+                      <a:r>
+                        <a:rPr lang="en-US" sz="1200" b="0">
+                          <a:effectLst/>
+                        </a:rPr>
+                        <a:t>return an HTML form for creating a new ad belonging to a specific magazine</a:t>
+                      </a:r>
+                    </a:p>
+                  </a:txBody>
+                  <a:tcPr marL="56521" marR="56521" marT="50869" marB="50869" anchor="ctr">
+                    <a:lnL w="9525" cap="flat" cmpd="sng" algn="ctr">
+                      <a:solidFill>
+                        <a:srgbClr val="CCCCCC"/>
+                      </a:solidFill>
+                      <a:prstDash val="solid"/>
+                      <a:round/>
+                      <a:headEnd type="none" w="med" len="med"/>
+                      <a:tailEnd type="none" w="med" len="med"/>
+                    </a:lnL>
+                    <a:lnR w="9525" cap="flat" cmpd="sng" algn="ctr">
+                      <a:solidFill>
+                        <a:srgbClr val="CCCCCC"/>
+                      </a:solidFill>
+                      <a:prstDash val="solid"/>
+                      <a:round/>
+                      <a:headEnd type="none" w="med" len="med"/>
+                      <a:tailEnd type="none" w="med" len="med"/>
+                    </a:lnR>
+                    <a:lnT w="9525" cap="flat" cmpd="sng" algn="ctr">
+                      <a:solidFill>
+                        <a:srgbClr val="CCCCCC"/>
+                      </a:solidFill>
+                      <a:prstDash val="solid"/>
+                      <a:round/>
+                      <a:headEnd type="none" w="med" len="med"/>
+                      <a:tailEnd type="none" w="med" len="med"/>
+                    </a:lnT>
+                    <a:lnB w="9525" cap="flat" cmpd="sng" algn="ctr">
+                      <a:solidFill>
+                        <a:srgbClr val="CCCCCC"/>
+                      </a:solidFill>
+                      <a:prstDash val="solid"/>
+                      <a:round/>
+                      <a:headEnd type="none" w="med" len="med"/>
+                      <a:tailEnd type="none" w="med" len="med"/>
+                    </a:lnB>
+                    <a:solidFill>
+                      <a:srgbClr val="FFFFFF"/>
+                    </a:solidFill>
+                  </a:tcPr>
+                </a:tc>
+              </a:tr>
+              <a:tr h="600769">
+                <a:tc>
+                  <a:txBody>
+                    <a:bodyPr/>
+                    <a:lstStyle/>
+                    <a:p>
+                      <a:pPr algn="l"/>
+                      <a:r>
+                        <a:rPr lang="en-US" sz="1200" b="0">
+                          <a:effectLst/>
+                        </a:rPr>
+                        <a:t>POST</a:t>
+                      </a:r>
+                    </a:p>
+                  </a:txBody>
+                  <a:tcPr marL="56521" marR="56521" marT="50869" marB="50869" anchor="ctr">
+                    <a:lnL w="9525" cap="flat" cmpd="sng" algn="ctr">
+                      <a:solidFill>
+                        <a:srgbClr val="CCCCCC"/>
+                      </a:solidFill>
+                      <a:prstDash val="solid"/>
+                      <a:round/>
+                      <a:headEnd type="none" w="med" len="med"/>
+                      <a:tailEnd type="none" w="med" len="med"/>
+                    </a:lnL>
+                    <a:lnR w="9525" cap="flat" cmpd="sng" algn="ctr">
+                      <a:solidFill>
+                        <a:srgbClr val="CCCCCC"/>
+                      </a:solidFill>
+                      <a:prstDash val="solid"/>
+                      <a:round/>
+                      <a:headEnd type="none" w="med" len="med"/>
+                      <a:tailEnd type="none" w="med" len="med"/>
+                    </a:lnR>
+                    <a:lnT w="9525" cap="flat" cmpd="sng" algn="ctr">
+                      <a:solidFill>
+                        <a:srgbClr val="CCCCCC"/>
+                      </a:solidFill>
+                      <a:prstDash val="solid"/>
+                      <a:round/>
+                      <a:headEnd type="none" w="med" len="med"/>
+                      <a:tailEnd type="none" w="med" len="med"/>
+                    </a:lnT>
+                    <a:lnB w="9525" cap="flat" cmpd="sng" algn="ctr">
+                      <a:solidFill>
+                        <a:srgbClr val="CCCCCC"/>
+                      </a:solidFill>
+                      <a:prstDash val="solid"/>
+                      <a:round/>
+                      <a:headEnd type="none" w="med" len="med"/>
+                      <a:tailEnd type="none" w="med" len="med"/>
+                    </a:lnB>
+                    <a:solidFill>
+                      <a:srgbClr val="FFFFFF"/>
+                    </a:solidFill>
+                  </a:tcPr>
+                </a:tc>
+                <a:tc>
+                  <a:txBody>
+                    <a:bodyPr/>
+                    <a:lstStyle/>
+                    <a:p>
+                      <a:pPr algn="l"/>
+                      <a:r>
+                        <a:rPr lang="en-US" sz="1200" b="0">
+                          <a:effectLst/>
+                        </a:rPr>
+                        <a:t>/magazines/:magazine_id/ads</a:t>
+                      </a:r>
+                    </a:p>
+                  </a:txBody>
+                  <a:tcPr marL="56521" marR="56521" marT="50869" marB="50869" anchor="ctr">
+                    <a:lnL w="9525" cap="flat" cmpd="sng" algn="ctr">
+                      <a:solidFill>
+                        <a:srgbClr val="CCCCCC"/>
+                      </a:solidFill>
+                      <a:prstDash val="solid"/>
+                      <a:round/>
+                      <a:headEnd type="none" w="med" len="med"/>
+                      <a:tailEnd type="none" w="med" len="med"/>
+                    </a:lnL>
+                    <a:lnR w="9525" cap="flat" cmpd="sng" algn="ctr">
+                      <a:solidFill>
+                        <a:srgbClr val="CCCCCC"/>
+                      </a:solidFill>
+                      <a:prstDash val="solid"/>
+                      <a:round/>
+                      <a:headEnd type="none" w="med" len="med"/>
+                      <a:tailEnd type="none" w="med" len="med"/>
+                    </a:lnR>
+                    <a:lnT w="9525" cap="flat" cmpd="sng" algn="ctr">
+                      <a:solidFill>
+                        <a:srgbClr val="CCCCCC"/>
+                      </a:solidFill>
+                      <a:prstDash val="solid"/>
+                      <a:round/>
+                      <a:headEnd type="none" w="med" len="med"/>
+                      <a:tailEnd type="none" w="med" len="med"/>
+                    </a:lnT>
+                    <a:lnB w="9525" cap="flat" cmpd="sng" algn="ctr">
+                      <a:solidFill>
+                        <a:srgbClr val="CCCCCC"/>
+                      </a:solidFill>
+                      <a:prstDash val="solid"/>
+                      <a:round/>
+                      <a:headEnd type="none" w="med" len="med"/>
+                      <a:tailEnd type="none" w="med" len="med"/>
+                    </a:lnB>
+                    <a:solidFill>
+                      <a:srgbClr val="FFFFFF"/>
+                    </a:solidFill>
+                  </a:tcPr>
+                </a:tc>
+                <a:tc>
+                  <a:txBody>
+                    <a:bodyPr/>
+                    <a:lstStyle/>
+                    <a:p>
+                      <a:pPr algn="l"/>
+                      <a:r>
+                        <a:rPr lang="en-US" sz="1200" b="0">
+                          <a:effectLst/>
+                        </a:rPr>
+                        <a:t>ads#create</a:t>
+                      </a:r>
+                    </a:p>
+                  </a:txBody>
+                  <a:tcPr marL="56521" marR="56521" marT="50869" marB="50869" anchor="ctr">
+                    <a:lnL w="9525" cap="flat" cmpd="sng" algn="ctr">
+                      <a:solidFill>
+                        <a:srgbClr val="CCCCCC"/>
+                      </a:solidFill>
+                      <a:prstDash val="solid"/>
+                      <a:round/>
+                      <a:headEnd type="none" w="med" len="med"/>
+                      <a:tailEnd type="none" w="med" len="med"/>
+                    </a:lnL>
+                    <a:lnR w="9525" cap="flat" cmpd="sng" algn="ctr">
+                      <a:solidFill>
+                        <a:srgbClr val="CCCCCC"/>
+                      </a:solidFill>
+                      <a:prstDash val="solid"/>
+                      <a:round/>
+                      <a:headEnd type="none" w="med" len="med"/>
+                      <a:tailEnd type="none" w="med" len="med"/>
+                    </a:lnR>
+                    <a:lnT w="9525" cap="flat" cmpd="sng" algn="ctr">
+                      <a:solidFill>
+                        <a:srgbClr val="CCCCCC"/>
+                      </a:solidFill>
+                      <a:prstDash val="solid"/>
+                      <a:round/>
+                      <a:headEnd type="none" w="med" len="med"/>
+                      <a:tailEnd type="none" w="med" len="med"/>
+                    </a:lnT>
+                    <a:lnB w="9525" cap="flat" cmpd="sng" algn="ctr">
+                      <a:solidFill>
+                        <a:srgbClr val="CCCCCC"/>
+                      </a:solidFill>
+                      <a:prstDash val="solid"/>
+                      <a:round/>
+                      <a:headEnd type="none" w="med" len="med"/>
+                      <a:tailEnd type="none" w="med" len="med"/>
+                    </a:lnB>
+                    <a:solidFill>
+                      <a:srgbClr val="FFFFFF"/>
+                    </a:solidFill>
+                  </a:tcPr>
+                </a:tc>
+                <a:tc>
+                  <a:txBody>
+                    <a:bodyPr/>
+                    <a:lstStyle/>
+                    <a:p>
+                      <a:pPr algn="l"/>
+                      <a:r>
+                        <a:rPr lang="en-US" sz="1200" b="0">
+                          <a:effectLst/>
+                        </a:rPr>
+                        <a:t>create a new ad belonging to a specific magazine</a:t>
+                      </a:r>
+                    </a:p>
+                  </a:txBody>
+                  <a:tcPr marL="56521" marR="56521" marT="50869" marB="50869" anchor="ctr">
+                    <a:lnL w="9525" cap="flat" cmpd="sng" algn="ctr">
+                      <a:solidFill>
+                        <a:srgbClr val="CCCCCC"/>
+                      </a:solidFill>
+                      <a:prstDash val="solid"/>
+                      <a:round/>
+                      <a:headEnd type="none" w="med" len="med"/>
+                      <a:tailEnd type="none" w="med" len="med"/>
+                    </a:lnL>
+                    <a:lnR w="9525" cap="flat" cmpd="sng" algn="ctr">
+                      <a:solidFill>
+                        <a:srgbClr val="CCCCCC"/>
+                      </a:solidFill>
+                      <a:prstDash val="solid"/>
+                      <a:round/>
+                      <a:headEnd type="none" w="med" len="med"/>
+                      <a:tailEnd type="none" w="med" len="med"/>
+                    </a:lnR>
+                    <a:lnT w="9525" cap="flat" cmpd="sng" algn="ctr">
+                      <a:solidFill>
+                        <a:srgbClr val="CCCCCC"/>
+                      </a:solidFill>
+                      <a:prstDash val="solid"/>
+                      <a:round/>
+                      <a:headEnd type="none" w="med" len="med"/>
+                      <a:tailEnd type="none" w="med" len="med"/>
+                    </a:lnT>
+                    <a:lnB w="9525" cap="flat" cmpd="sng" algn="ctr">
+                      <a:solidFill>
+                        <a:srgbClr val="CCCCCC"/>
+                      </a:solidFill>
+                      <a:prstDash val="solid"/>
+                      <a:round/>
+                      <a:headEnd type="none" w="med" len="med"/>
+                      <a:tailEnd type="none" w="med" len="med"/>
+                    </a:lnB>
+                    <a:solidFill>
+                      <a:srgbClr val="FFFFFF"/>
+                    </a:solidFill>
+                  </a:tcPr>
+                </a:tc>
+              </a:tr>
+              <a:tr h="600769">
+                <a:tc>
+                  <a:txBody>
+                    <a:bodyPr/>
+                    <a:lstStyle/>
+                    <a:p>
+                      <a:pPr algn="l"/>
+                      <a:r>
+                        <a:rPr lang="en-US" sz="1200" b="0">
+                          <a:effectLst/>
+                        </a:rPr>
+                        <a:t>GET</a:t>
+                      </a:r>
+                    </a:p>
+                  </a:txBody>
+                  <a:tcPr marL="56521" marR="56521" marT="50869" marB="50869" anchor="ctr">
+                    <a:lnL w="9525" cap="flat" cmpd="sng" algn="ctr">
+                      <a:solidFill>
+                        <a:srgbClr val="CCCCCC"/>
+                      </a:solidFill>
+                      <a:prstDash val="solid"/>
+                      <a:round/>
+                      <a:headEnd type="none" w="med" len="med"/>
+                      <a:tailEnd type="none" w="med" len="med"/>
+                    </a:lnL>
+                    <a:lnR w="9525" cap="flat" cmpd="sng" algn="ctr">
+                      <a:solidFill>
+                        <a:srgbClr val="CCCCCC"/>
+                      </a:solidFill>
+                      <a:prstDash val="solid"/>
+                      <a:round/>
+                      <a:headEnd type="none" w="med" len="med"/>
+                      <a:tailEnd type="none" w="med" len="med"/>
+                    </a:lnR>
+                    <a:lnT w="9525" cap="flat" cmpd="sng" algn="ctr">
+                      <a:solidFill>
+                        <a:srgbClr val="CCCCCC"/>
+                      </a:solidFill>
+                      <a:prstDash val="solid"/>
+                      <a:round/>
+                      <a:headEnd type="none" w="med" len="med"/>
+                      <a:tailEnd type="none" w="med" len="med"/>
+                    </a:lnT>
+                    <a:lnB w="9525" cap="flat" cmpd="sng" algn="ctr">
+                      <a:solidFill>
+                        <a:srgbClr val="CCCCCC"/>
+                      </a:solidFill>
+                      <a:prstDash val="solid"/>
+                      <a:round/>
+                      <a:headEnd type="none" w="med" len="med"/>
+                      <a:tailEnd type="none" w="med" len="med"/>
+                    </a:lnB>
+                    <a:solidFill>
+                      <a:srgbClr val="FFFFFF"/>
+                    </a:solidFill>
+                  </a:tcPr>
+                </a:tc>
+                <a:tc>
+                  <a:txBody>
+                    <a:bodyPr/>
+                    <a:lstStyle/>
+                    <a:p>
+                      <a:pPr algn="l"/>
+                      <a:r>
+                        <a:rPr lang="en-US" sz="1200" b="0">
+                          <a:effectLst/>
+                        </a:rPr>
+                        <a:t>/magazines/:magazine_id/ads/:id</a:t>
+                      </a:r>
+                    </a:p>
+                  </a:txBody>
+                  <a:tcPr marL="56521" marR="56521" marT="50869" marB="50869" anchor="ctr">
+                    <a:lnL w="9525" cap="flat" cmpd="sng" algn="ctr">
+                      <a:solidFill>
+                        <a:srgbClr val="CCCCCC"/>
+                      </a:solidFill>
+                      <a:prstDash val="solid"/>
+                      <a:round/>
+                      <a:headEnd type="none" w="med" len="med"/>
+                      <a:tailEnd type="none" w="med" len="med"/>
+                    </a:lnL>
+                    <a:lnR w="9525" cap="flat" cmpd="sng" algn="ctr">
+                      <a:solidFill>
+                        <a:srgbClr val="CCCCCC"/>
+                      </a:solidFill>
+                      <a:prstDash val="solid"/>
+                      <a:round/>
+                      <a:headEnd type="none" w="med" len="med"/>
+                      <a:tailEnd type="none" w="med" len="med"/>
+                    </a:lnR>
+                    <a:lnT w="9525" cap="flat" cmpd="sng" algn="ctr">
+                      <a:solidFill>
+                        <a:srgbClr val="CCCCCC"/>
+                      </a:solidFill>
+                      <a:prstDash val="solid"/>
+                      <a:round/>
+                      <a:headEnd type="none" w="med" len="med"/>
+                      <a:tailEnd type="none" w="med" len="med"/>
+                    </a:lnT>
+                    <a:lnB w="9525" cap="flat" cmpd="sng" algn="ctr">
+                      <a:solidFill>
+                        <a:srgbClr val="CCCCCC"/>
+                      </a:solidFill>
+                      <a:prstDash val="solid"/>
+                      <a:round/>
+                      <a:headEnd type="none" w="med" len="med"/>
+                      <a:tailEnd type="none" w="med" len="med"/>
+                    </a:lnB>
+                    <a:solidFill>
+                      <a:srgbClr val="FFFFFF"/>
+                    </a:solidFill>
+                  </a:tcPr>
+                </a:tc>
+                <a:tc>
+                  <a:txBody>
+                    <a:bodyPr/>
+                    <a:lstStyle/>
+                    <a:p>
+                      <a:pPr algn="l"/>
+                      <a:r>
+                        <a:rPr lang="en-US" sz="1200" b="0">
+                          <a:effectLst/>
+                        </a:rPr>
+                        <a:t>ads#show</a:t>
+                      </a:r>
+                    </a:p>
+                  </a:txBody>
+                  <a:tcPr marL="56521" marR="56521" marT="50869" marB="50869" anchor="ctr">
+                    <a:lnL w="9525" cap="flat" cmpd="sng" algn="ctr">
+                      <a:solidFill>
+                        <a:srgbClr val="CCCCCC"/>
+                      </a:solidFill>
+                      <a:prstDash val="solid"/>
+                      <a:round/>
+                      <a:headEnd type="none" w="med" len="med"/>
+                      <a:tailEnd type="none" w="med" len="med"/>
+                    </a:lnL>
+                    <a:lnR w="9525" cap="flat" cmpd="sng" algn="ctr">
+                      <a:solidFill>
+                        <a:srgbClr val="CCCCCC"/>
+                      </a:solidFill>
+                      <a:prstDash val="solid"/>
+                      <a:round/>
+                      <a:headEnd type="none" w="med" len="med"/>
+                      <a:tailEnd type="none" w="med" len="med"/>
+                    </a:lnR>
+                    <a:lnT w="9525" cap="flat" cmpd="sng" algn="ctr">
+                      <a:solidFill>
+                        <a:srgbClr val="CCCCCC"/>
+                      </a:solidFill>
+                      <a:prstDash val="solid"/>
+                      <a:round/>
+                      <a:headEnd type="none" w="med" len="med"/>
+                      <a:tailEnd type="none" w="med" len="med"/>
+                    </a:lnT>
+                    <a:lnB w="9525" cap="flat" cmpd="sng" algn="ctr">
+                      <a:solidFill>
+                        <a:srgbClr val="CCCCCC"/>
+                      </a:solidFill>
+                      <a:prstDash val="solid"/>
+                      <a:round/>
+                      <a:headEnd type="none" w="med" len="med"/>
+                      <a:tailEnd type="none" w="med" len="med"/>
+                    </a:lnB>
+                    <a:solidFill>
+                      <a:srgbClr val="FFFFFF"/>
+                    </a:solidFill>
+                  </a:tcPr>
+                </a:tc>
+                <a:tc>
+                  <a:txBody>
+                    <a:bodyPr/>
+                    <a:lstStyle/>
+                    <a:p>
+                      <a:pPr algn="l"/>
+                      <a:r>
+                        <a:rPr lang="en-US" sz="1200" b="0">
+                          <a:effectLst/>
+                        </a:rPr>
+                        <a:t>display a specific ad belonging to a specific magazine</a:t>
+                      </a:r>
+                    </a:p>
+                  </a:txBody>
+                  <a:tcPr marL="56521" marR="56521" marT="50869" marB="50869" anchor="ctr">
+                    <a:lnL w="9525" cap="flat" cmpd="sng" algn="ctr">
+                      <a:solidFill>
+                        <a:srgbClr val="CCCCCC"/>
+                      </a:solidFill>
+                      <a:prstDash val="solid"/>
+                      <a:round/>
+                      <a:headEnd type="none" w="med" len="med"/>
+                      <a:tailEnd type="none" w="med" len="med"/>
+                    </a:lnL>
+                    <a:lnR w="9525" cap="flat" cmpd="sng" algn="ctr">
+                      <a:solidFill>
+                        <a:srgbClr val="CCCCCC"/>
+                      </a:solidFill>
+                      <a:prstDash val="solid"/>
+                      <a:round/>
+                      <a:headEnd type="none" w="med" len="med"/>
+                      <a:tailEnd type="none" w="med" len="med"/>
+                    </a:lnR>
+                    <a:lnT w="9525" cap="flat" cmpd="sng" algn="ctr">
+                      <a:solidFill>
+                        <a:srgbClr val="CCCCCC"/>
+                      </a:solidFill>
+                      <a:prstDash val="solid"/>
+                      <a:round/>
+                      <a:headEnd type="none" w="med" len="med"/>
+                      <a:tailEnd type="none" w="med" len="med"/>
+                    </a:lnT>
+                    <a:lnB w="9525" cap="flat" cmpd="sng" algn="ctr">
+                      <a:solidFill>
+                        <a:srgbClr val="CCCCCC"/>
+                      </a:solidFill>
+                      <a:prstDash val="solid"/>
+                      <a:round/>
+                      <a:headEnd type="none" w="med" len="med"/>
+                      <a:tailEnd type="none" w="med" len="med"/>
+                    </a:lnB>
+                    <a:solidFill>
+                      <a:srgbClr val="FFFFFF"/>
+                    </a:solidFill>
+                  </a:tcPr>
+                </a:tc>
+              </a:tr>
+              <a:tr h="758717">
+                <a:tc>
+                  <a:txBody>
+                    <a:bodyPr/>
+                    <a:lstStyle/>
+                    <a:p>
+                      <a:pPr algn="l"/>
+                      <a:r>
+                        <a:rPr lang="en-US" sz="1200" b="0">
+                          <a:effectLst/>
+                        </a:rPr>
+                        <a:t>GET</a:t>
+                      </a:r>
+                    </a:p>
+                  </a:txBody>
+                  <a:tcPr marL="56521" marR="56521" marT="50869" marB="50869" anchor="ctr">
+                    <a:lnL w="9525" cap="flat" cmpd="sng" algn="ctr">
+                      <a:solidFill>
+                        <a:srgbClr val="CCCCCC"/>
+                      </a:solidFill>
+                      <a:prstDash val="solid"/>
+                      <a:round/>
+                      <a:headEnd type="none" w="med" len="med"/>
+                      <a:tailEnd type="none" w="med" len="med"/>
+                    </a:lnL>
+                    <a:lnR w="9525" cap="flat" cmpd="sng" algn="ctr">
+                      <a:solidFill>
+                        <a:srgbClr val="CCCCCC"/>
+                      </a:solidFill>
+                      <a:prstDash val="solid"/>
+                      <a:round/>
+                      <a:headEnd type="none" w="med" len="med"/>
+                      <a:tailEnd type="none" w="med" len="med"/>
+                    </a:lnR>
+                    <a:lnT w="9525" cap="flat" cmpd="sng" algn="ctr">
+                      <a:solidFill>
+                        <a:srgbClr val="CCCCCC"/>
+                      </a:solidFill>
+                      <a:prstDash val="solid"/>
+                      <a:round/>
+                      <a:headEnd type="none" w="med" len="med"/>
+                      <a:tailEnd type="none" w="med" len="med"/>
+                    </a:lnT>
+                    <a:lnB w="9525" cap="flat" cmpd="sng" algn="ctr">
+                      <a:solidFill>
+                        <a:srgbClr val="CCCCCC"/>
+                      </a:solidFill>
+                      <a:prstDash val="solid"/>
+                      <a:round/>
+                      <a:headEnd type="none" w="med" len="med"/>
+                      <a:tailEnd type="none" w="med" len="med"/>
+                    </a:lnB>
+                    <a:solidFill>
+                      <a:srgbClr val="FFFFFF"/>
+                    </a:solidFill>
+                  </a:tcPr>
+                </a:tc>
+                <a:tc>
+                  <a:txBody>
+                    <a:bodyPr/>
+                    <a:lstStyle/>
+                    <a:p>
+                      <a:pPr algn="l"/>
+                      <a:r>
+                        <a:rPr lang="en-US" sz="1200" b="0">
+                          <a:effectLst/>
+                        </a:rPr>
+                        <a:t>/magazines/:magazine_id/ads/:id/edit</a:t>
+                      </a:r>
+                    </a:p>
+                  </a:txBody>
+                  <a:tcPr marL="56521" marR="56521" marT="50869" marB="50869" anchor="ctr">
+                    <a:lnL w="9525" cap="flat" cmpd="sng" algn="ctr">
+                      <a:solidFill>
+                        <a:srgbClr val="CCCCCC"/>
+                      </a:solidFill>
+                      <a:prstDash val="solid"/>
+                      <a:round/>
+                      <a:headEnd type="none" w="med" len="med"/>
+                      <a:tailEnd type="none" w="med" len="med"/>
+                    </a:lnL>
+                    <a:lnR w="9525" cap="flat" cmpd="sng" algn="ctr">
+                      <a:solidFill>
+                        <a:srgbClr val="CCCCCC"/>
+                      </a:solidFill>
+                      <a:prstDash val="solid"/>
+                      <a:round/>
+                      <a:headEnd type="none" w="med" len="med"/>
+                      <a:tailEnd type="none" w="med" len="med"/>
+                    </a:lnR>
+                    <a:lnT w="9525" cap="flat" cmpd="sng" algn="ctr">
+                      <a:solidFill>
+                        <a:srgbClr val="CCCCCC"/>
+                      </a:solidFill>
+                      <a:prstDash val="solid"/>
+                      <a:round/>
+                      <a:headEnd type="none" w="med" len="med"/>
+                      <a:tailEnd type="none" w="med" len="med"/>
+                    </a:lnT>
+                    <a:lnB w="9525" cap="flat" cmpd="sng" algn="ctr">
+                      <a:solidFill>
+                        <a:srgbClr val="CCCCCC"/>
+                      </a:solidFill>
+                      <a:prstDash val="solid"/>
+                      <a:round/>
+                      <a:headEnd type="none" w="med" len="med"/>
+                      <a:tailEnd type="none" w="med" len="med"/>
+                    </a:lnB>
+                    <a:solidFill>
+                      <a:srgbClr val="FFFFFF"/>
+                    </a:solidFill>
+                  </a:tcPr>
+                </a:tc>
+                <a:tc>
+                  <a:txBody>
+                    <a:bodyPr/>
+                    <a:lstStyle/>
+                    <a:p>
+                      <a:pPr algn="l"/>
+                      <a:r>
+                        <a:rPr lang="en-US" sz="1200" b="0" dirty="0" err="1">
+                          <a:effectLst/>
+                        </a:rPr>
+                        <a:t>ads#edit</a:t>
+                      </a:r>
+                      <a:endParaRPr lang="en-US" sz="1200" b="0" dirty="0">
+                        <a:effectLst/>
+                      </a:endParaRPr>
+                    </a:p>
+                  </a:txBody>
+                  <a:tcPr marL="56521" marR="56521" marT="50869" marB="50869" anchor="ctr">
+                    <a:lnL w="9525" cap="flat" cmpd="sng" algn="ctr">
+                      <a:solidFill>
+                        <a:srgbClr val="CCCCCC"/>
+                      </a:solidFill>
+                      <a:prstDash val="solid"/>
+                      <a:round/>
+                      <a:headEnd type="none" w="med" len="med"/>
+                      <a:tailEnd type="none" w="med" len="med"/>
+                    </a:lnL>
+                    <a:lnR w="9525" cap="flat" cmpd="sng" algn="ctr">
+                      <a:solidFill>
+                        <a:srgbClr val="CCCCCC"/>
+                      </a:solidFill>
+                      <a:prstDash val="solid"/>
+                      <a:round/>
+                      <a:headEnd type="none" w="med" len="med"/>
+                      <a:tailEnd type="none" w="med" len="med"/>
+                    </a:lnR>
+                    <a:lnT w="9525" cap="flat" cmpd="sng" algn="ctr">
+                      <a:solidFill>
+                        <a:srgbClr val="CCCCCC"/>
+                      </a:solidFill>
+                      <a:prstDash val="solid"/>
+                      <a:round/>
+                      <a:headEnd type="none" w="med" len="med"/>
+                      <a:tailEnd type="none" w="med" len="med"/>
+                    </a:lnT>
+                    <a:lnB w="9525" cap="flat" cmpd="sng" algn="ctr">
+                      <a:solidFill>
+                        <a:srgbClr val="CCCCCC"/>
+                      </a:solidFill>
+                      <a:prstDash val="solid"/>
+                      <a:round/>
+                      <a:headEnd type="none" w="med" len="med"/>
+                      <a:tailEnd type="none" w="med" len="med"/>
+                    </a:lnB>
+                    <a:solidFill>
+                      <a:srgbClr val="FFFFFF"/>
+                    </a:solidFill>
+                  </a:tcPr>
+                </a:tc>
+                <a:tc>
+                  <a:txBody>
+                    <a:bodyPr/>
+                    <a:lstStyle/>
+                    <a:p>
+                      <a:pPr algn="l"/>
+                      <a:r>
+                        <a:rPr lang="en-US" sz="1200" b="0">
+                          <a:effectLst/>
+                        </a:rPr>
+                        <a:t>return an HTML form for editing an ad belonging to a specific magazine</a:t>
+                      </a:r>
+                    </a:p>
+                  </a:txBody>
+                  <a:tcPr marL="56521" marR="56521" marT="50869" marB="50869" anchor="ctr">
+                    <a:lnL w="9525" cap="flat" cmpd="sng" algn="ctr">
+                      <a:solidFill>
+                        <a:srgbClr val="CCCCCC"/>
+                      </a:solidFill>
+                      <a:prstDash val="solid"/>
+                      <a:round/>
+                      <a:headEnd type="none" w="med" len="med"/>
+                      <a:tailEnd type="none" w="med" len="med"/>
+                    </a:lnL>
+                    <a:lnR w="9525" cap="flat" cmpd="sng" algn="ctr">
+                      <a:solidFill>
+                        <a:srgbClr val="CCCCCC"/>
+                      </a:solidFill>
+                      <a:prstDash val="solid"/>
+                      <a:round/>
+                      <a:headEnd type="none" w="med" len="med"/>
+                      <a:tailEnd type="none" w="med" len="med"/>
+                    </a:lnR>
+                    <a:lnT w="9525" cap="flat" cmpd="sng" algn="ctr">
+                      <a:solidFill>
+                        <a:srgbClr val="CCCCCC"/>
+                      </a:solidFill>
+                      <a:prstDash val="solid"/>
+                      <a:round/>
+                      <a:headEnd type="none" w="med" len="med"/>
+                      <a:tailEnd type="none" w="med" len="med"/>
+                    </a:lnT>
+                    <a:lnB w="9525" cap="flat" cmpd="sng" algn="ctr">
+                      <a:solidFill>
+                        <a:srgbClr val="CCCCCC"/>
+                      </a:solidFill>
+                      <a:prstDash val="solid"/>
+                      <a:round/>
+                      <a:headEnd type="none" w="med" len="med"/>
+                      <a:tailEnd type="none" w="med" len="med"/>
+                    </a:lnB>
+                    <a:solidFill>
+                      <a:srgbClr val="FFFFFF"/>
+                    </a:solidFill>
+                  </a:tcPr>
+                </a:tc>
+              </a:tr>
+              <a:tr h="600769">
+                <a:tc>
+                  <a:txBody>
+                    <a:bodyPr/>
+                    <a:lstStyle/>
+                    <a:p>
+                      <a:pPr algn="l"/>
+                      <a:r>
+                        <a:rPr lang="en-US" sz="1200" b="0">
+                          <a:effectLst/>
+                        </a:rPr>
+                        <a:t>PATCH/PUT</a:t>
+                      </a:r>
+                    </a:p>
+                  </a:txBody>
+                  <a:tcPr marL="56521" marR="56521" marT="50869" marB="50869" anchor="ctr">
+                    <a:lnL w="9525" cap="flat" cmpd="sng" algn="ctr">
+                      <a:solidFill>
+                        <a:srgbClr val="CCCCCC"/>
+                      </a:solidFill>
+                      <a:prstDash val="solid"/>
+                      <a:round/>
+                      <a:headEnd type="none" w="med" len="med"/>
+                      <a:tailEnd type="none" w="med" len="med"/>
+                    </a:lnL>
+                    <a:lnR w="9525" cap="flat" cmpd="sng" algn="ctr">
+                      <a:solidFill>
+                        <a:srgbClr val="CCCCCC"/>
+                      </a:solidFill>
+                      <a:prstDash val="solid"/>
+                      <a:round/>
+                      <a:headEnd type="none" w="med" len="med"/>
+                      <a:tailEnd type="none" w="med" len="med"/>
+                    </a:lnR>
+                    <a:lnT w="9525" cap="flat" cmpd="sng" algn="ctr">
+                      <a:solidFill>
+                        <a:srgbClr val="CCCCCC"/>
+                      </a:solidFill>
+                      <a:prstDash val="solid"/>
+                      <a:round/>
+                      <a:headEnd type="none" w="med" len="med"/>
+                      <a:tailEnd type="none" w="med" len="med"/>
+                    </a:lnT>
+                    <a:lnB w="9525" cap="flat" cmpd="sng" algn="ctr">
+                      <a:solidFill>
+                        <a:srgbClr val="CCCCCC"/>
+                      </a:solidFill>
+                      <a:prstDash val="solid"/>
+                      <a:round/>
+                      <a:headEnd type="none" w="med" len="med"/>
+                      <a:tailEnd type="none" w="med" len="med"/>
+                    </a:lnB>
+                    <a:solidFill>
+                      <a:srgbClr val="FFFFFF"/>
+                    </a:solidFill>
+                  </a:tcPr>
+                </a:tc>
+                <a:tc>
+                  <a:txBody>
+                    <a:bodyPr/>
+                    <a:lstStyle/>
+                    <a:p>
+                      <a:pPr algn="l"/>
+                      <a:r>
+                        <a:rPr lang="en-US" sz="1200" b="0">
+                          <a:effectLst/>
+                        </a:rPr>
+                        <a:t>/magazines/:magazine_id/ads/:id</a:t>
+                      </a:r>
+                    </a:p>
+                  </a:txBody>
+                  <a:tcPr marL="56521" marR="56521" marT="50869" marB="50869" anchor="ctr">
+                    <a:lnL w="9525" cap="flat" cmpd="sng" algn="ctr">
+                      <a:solidFill>
+                        <a:srgbClr val="CCCCCC"/>
+                      </a:solidFill>
+                      <a:prstDash val="solid"/>
+                      <a:round/>
+                      <a:headEnd type="none" w="med" len="med"/>
+                      <a:tailEnd type="none" w="med" len="med"/>
+                    </a:lnL>
+                    <a:lnR w="9525" cap="flat" cmpd="sng" algn="ctr">
+                      <a:solidFill>
+                        <a:srgbClr val="CCCCCC"/>
+                      </a:solidFill>
+                      <a:prstDash val="solid"/>
+                      <a:round/>
+                      <a:headEnd type="none" w="med" len="med"/>
+                      <a:tailEnd type="none" w="med" len="med"/>
+                    </a:lnR>
+                    <a:lnT w="9525" cap="flat" cmpd="sng" algn="ctr">
+                      <a:solidFill>
+                        <a:srgbClr val="CCCCCC"/>
+                      </a:solidFill>
+                      <a:prstDash val="solid"/>
+                      <a:round/>
+                      <a:headEnd type="none" w="med" len="med"/>
+                      <a:tailEnd type="none" w="med" len="med"/>
+                    </a:lnT>
+                    <a:lnB w="9525" cap="flat" cmpd="sng" algn="ctr">
+                      <a:solidFill>
+                        <a:srgbClr val="CCCCCC"/>
+                      </a:solidFill>
+                      <a:prstDash val="solid"/>
+                      <a:round/>
+                      <a:headEnd type="none" w="med" len="med"/>
+                      <a:tailEnd type="none" w="med" len="med"/>
+                    </a:lnB>
+                    <a:solidFill>
+                      <a:srgbClr val="FFFFFF"/>
+                    </a:solidFill>
+                  </a:tcPr>
+                </a:tc>
+                <a:tc>
+                  <a:txBody>
+                    <a:bodyPr/>
+                    <a:lstStyle/>
+                    <a:p>
+                      <a:pPr algn="l"/>
+                      <a:r>
+                        <a:rPr lang="en-US" sz="1200" b="0">
+                          <a:effectLst/>
+                        </a:rPr>
+                        <a:t>ads#update</a:t>
+                      </a:r>
+                    </a:p>
+                  </a:txBody>
+                  <a:tcPr marL="56521" marR="56521" marT="50869" marB="50869" anchor="ctr">
+                    <a:lnL w="9525" cap="flat" cmpd="sng" algn="ctr">
+                      <a:solidFill>
+                        <a:srgbClr val="CCCCCC"/>
+                      </a:solidFill>
+                      <a:prstDash val="solid"/>
+                      <a:round/>
+                      <a:headEnd type="none" w="med" len="med"/>
+                      <a:tailEnd type="none" w="med" len="med"/>
+                    </a:lnL>
+                    <a:lnR w="9525" cap="flat" cmpd="sng" algn="ctr">
+                      <a:solidFill>
+                        <a:srgbClr val="CCCCCC"/>
+                      </a:solidFill>
+                      <a:prstDash val="solid"/>
+                      <a:round/>
+                      <a:headEnd type="none" w="med" len="med"/>
+                      <a:tailEnd type="none" w="med" len="med"/>
+                    </a:lnR>
+                    <a:lnT w="9525" cap="flat" cmpd="sng" algn="ctr">
+                      <a:solidFill>
+                        <a:srgbClr val="CCCCCC"/>
+                      </a:solidFill>
+                      <a:prstDash val="solid"/>
+                      <a:round/>
+                      <a:headEnd type="none" w="med" len="med"/>
+                      <a:tailEnd type="none" w="med" len="med"/>
+                    </a:lnT>
+                    <a:lnB w="9525" cap="flat" cmpd="sng" algn="ctr">
+                      <a:solidFill>
+                        <a:srgbClr val="CCCCCC"/>
+                      </a:solidFill>
+                      <a:prstDash val="solid"/>
+                      <a:round/>
+                      <a:headEnd type="none" w="med" len="med"/>
+                      <a:tailEnd type="none" w="med" len="med"/>
+                    </a:lnB>
+                    <a:solidFill>
+                      <a:srgbClr val="FFFFFF"/>
+                    </a:solidFill>
+                  </a:tcPr>
+                </a:tc>
+                <a:tc>
+                  <a:txBody>
+                    <a:bodyPr/>
+                    <a:lstStyle/>
+                    <a:p>
+                      <a:pPr algn="l"/>
+                      <a:r>
+                        <a:rPr lang="en-US" sz="1200" b="0" dirty="0">
+                          <a:effectLst/>
+                        </a:rPr>
+                        <a:t>update a specific ad belonging to a specific magazine</a:t>
+                      </a:r>
+                    </a:p>
+                  </a:txBody>
+                  <a:tcPr marL="56521" marR="56521" marT="50869" marB="50869" anchor="ctr">
+                    <a:lnL w="9525" cap="flat" cmpd="sng" algn="ctr">
+                      <a:solidFill>
+                        <a:srgbClr val="CCCCCC"/>
+                      </a:solidFill>
+                      <a:prstDash val="solid"/>
+                      <a:round/>
+                      <a:headEnd type="none" w="med" len="med"/>
+                      <a:tailEnd type="none" w="med" len="med"/>
+                    </a:lnL>
+                    <a:lnR w="9525" cap="flat" cmpd="sng" algn="ctr">
+                      <a:solidFill>
+                        <a:srgbClr val="CCCCCC"/>
+                      </a:solidFill>
+                      <a:prstDash val="solid"/>
+                      <a:round/>
+                      <a:headEnd type="none" w="med" len="med"/>
+                      <a:tailEnd type="none" w="med" len="med"/>
+                    </a:lnR>
+                    <a:lnT w="9525" cap="flat" cmpd="sng" algn="ctr">
+                      <a:solidFill>
+                        <a:srgbClr val="CCCCCC"/>
+                      </a:solidFill>
+                      <a:prstDash val="solid"/>
+                      <a:round/>
+                      <a:headEnd type="none" w="med" len="med"/>
+                      <a:tailEnd type="none" w="med" len="med"/>
+                    </a:lnT>
+                    <a:lnB w="9525" cap="flat" cmpd="sng" algn="ctr">
+                      <a:solidFill>
+                        <a:srgbClr val="CCCCCC"/>
+                      </a:solidFill>
+                      <a:prstDash val="solid"/>
+                      <a:round/>
+                      <a:headEnd type="none" w="med" len="med"/>
+                      <a:tailEnd type="none" w="med" len="med"/>
+                    </a:lnB>
+                    <a:solidFill>
+                      <a:srgbClr val="FFFFFF"/>
+                    </a:solidFill>
+                  </a:tcPr>
+                </a:tc>
+              </a:tr>
+              <a:tr h="600769">
+                <a:tc>
+                  <a:txBody>
+                    <a:bodyPr/>
+                    <a:lstStyle/>
+                    <a:p>
+                      <a:pPr algn="l"/>
+                      <a:r>
+                        <a:rPr lang="en-US" sz="1200" b="0">
+                          <a:effectLst/>
+                        </a:rPr>
+                        <a:t>DELETE</a:t>
+                      </a:r>
+                    </a:p>
+                  </a:txBody>
+                  <a:tcPr marL="56521" marR="56521" marT="50869" marB="50869" anchor="ctr">
+                    <a:lnL w="9525" cap="flat" cmpd="sng" algn="ctr">
+                      <a:solidFill>
+                        <a:srgbClr val="CCCCCC"/>
+                      </a:solidFill>
+                      <a:prstDash val="solid"/>
+                      <a:round/>
+                      <a:headEnd type="none" w="med" len="med"/>
+                      <a:tailEnd type="none" w="med" len="med"/>
+                    </a:lnL>
+                    <a:lnR w="9525" cap="flat" cmpd="sng" algn="ctr">
+                      <a:solidFill>
+                        <a:srgbClr val="CCCCCC"/>
+                      </a:solidFill>
+                      <a:prstDash val="solid"/>
+                      <a:round/>
+                      <a:headEnd type="none" w="med" len="med"/>
+                      <a:tailEnd type="none" w="med" len="med"/>
+                    </a:lnR>
+                    <a:lnT w="9525" cap="flat" cmpd="sng" algn="ctr">
+                      <a:solidFill>
+                        <a:srgbClr val="CCCCCC"/>
+                      </a:solidFill>
+                      <a:prstDash val="solid"/>
+                      <a:round/>
+                      <a:headEnd type="none" w="med" len="med"/>
+                      <a:tailEnd type="none" w="med" len="med"/>
+                    </a:lnT>
+                    <a:lnB w="9525" cap="flat" cmpd="sng" algn="ctr">
+                      <a:solidFill>
+                        <a:srgbClr val="CCCCCC"/>
+                      </a:solidFill>
+                      <a:prstDash val="solid"/>
+                      <a:round/>
+                      <a:headEnd type="none" w="med" len="med"/>
+                      <a:tailEnd type="none" w="med" len="med"/>
+                    </a:lnB>
+                    <a:solidFill>
+                      <a:srgbClr val="FFFFFF"/>
+                    </a:solidFill>
+                  </a:tcPr>
+                </a:tc>
+                <a:tc>
+                  <a:txBody>
+                    <a:bodyPr/>
+                    <a:lstStyle/>
+                    <a:p>
+                      <a:pPr algn="l"/>
+                      <a:r>
+                        <a:rPr lang="en-US" sz="1200" b="0">
+                          <a:effectLst/>
+                        </a:rPr>
+                        <a:t>/magazines/:magazine_id/ads/:id</a:t>
+                      </a:r>
+                    </a:p>
+                  </a:txBody>
+                  <a:tcPr marL="56521" marR="56521" marT="50869" marB="50869" anchor="ctr">
+                    <a:lnL w="9525" cap="flat" cmpd="sng" algn="ctr">
+                      <a:solidFill>
+                        <a:srgbClr val="CCCCCC"/>
+                      </a:solidFill>
+                      <a:prstDash val="solid"/>
+                      <a:round/>
+                      <a:headEnd type="none" w="med" len="med"/>
+                      <a:tailEnd type="none" w="med" len="med"/>
+                    </a:lnL>
+                    <a:lnR w="9525" cap="flat" cmpd="sng" algn="ctr">
+                      <a:solidFill>
+                        <a:srgbClr val="CCCCCC"/>
+                      </a:solidFill>
+                      <a:prstDash val="solid"/>
+                      <a:round/>
+                      <a:headEnd type="none" w="med" len="med"/>
+                      <a:tailEnd type="none" w="med" len="med"/>
+                    </a:lnR>
+                    <a:lnT w="9525" cap="flat" cmpd="sng" algn="ctr">
+                      <a:solidFill>
+                        <a:srgbClr val="CCCCCC"/>
+                      </a:solidFill>
+                      <a:prstDash val="solid"/>
+                      <a:round/>
+                      <a:headEnd type="none" w="med" len="med"/>
+                      <a:tailEnd type="none" w="med" len="med"/>
+                    </a:lnT>
+                    <a:lnB w="9525" cap="flat" cmpd="sng" algn="ctr">
+                      <a:solidFill>
+                        <a:srgbClr val="CCCCCC"/>
+                      </a:solidFill>
+                      <a:prstDash val="solid"/>
+                      <a:round/>
+                      <a:headEnd type="none" w="med" len="med"/>
+                      <a:tailEnd type="none" w="med" len="med"/>
+                    </a:lnB>
+                    <a:solidFill>
+                      <a:srgbClr val="FFFFFF"/>
+                    </a:solidFill>
+                  </a:tcPr>
+                </a:tc>
+                <a:tc>
+                  <a:txBody>
+                    <a:bodyPr/>
+                    <a:lstStyle/>
+                    <a:p>
+                      <a:pPr algn="l"/>
+                      <a:r>
+                        <a:rPr lang="en-US" sz="1200" b="0">
+                          <a:effectLst/>
+                        </a:rPr>
+                        <a:t>ads#destroy</a:t>
+                      </a:r>
+                    </a:p>
+                  </a:txBody>
+                  <a:tcPr marL="56521" marR="56521" marT="50869" marB="50869" anchor="ctr">
+                    <a:lnL w="9525" cap="flat" cmpd="sng" algn="ctr">
+                      <a:solidFill>
+                        <a:srgbClr val="CCCCCC"/>
+                      </a:solidFill>
+                      <a:prstDash val="solid"/>
+                      <a:round/>
+                      <a:headEnd type="none" w="med" len="med"/>
+                      <a:tailEnd type="none" w="med" len="med"/>
+                    </a:lnL>
+                    <a:lnR w="9525" cap="flat" cmpd="sng" algn="ctr">
+                      <a:solidFill>
+                        <a:srgbClr val="CCCCCC"/>
+                      </a:solidFill>
+                      <a:prstDash val="solid"/>
+                      <a:round/>
+                      <a:headEnd type="none" w="med" len="med"/>
+                      <a:tailEnd type="none" w="med" len="med"/>
+                    </a:lnR>
+                    <a:lnT w="9525" cap="flat" cmpd="sng" algn="ctr">
+                      <a:solidFill>
+                        <a:srgbClr val="CCCCCC"/>
+                      </a:solidFill>
+                      <a:prstDash val="solid"/>
+                      <a:round/>
+                      <a:headEnd type="none" w="med" len="med"/>
+                      <a:tailEnd type="none" w="med" len="med"/>
+                    </a:lnT>
+                    <a:lnB w="9525" cap="flat" cmpd="sng" algn="ctr">
+                      <a:solidFill>
+                        <a:srgbClr val="CCCCCC"/>
+                      </a:solidFill>
+                      <a:prstDash val="solid"/>
+                      <a:round/>
+                      <a:headEnd type="none" w="med" len="med"/>
+                      <a:tailEnd type="none" w="med" len="med"/>
+                    </a:lnB>
+                    <a:solidFill>
+                      <a:srgbClr val="FFFFFF"/>
+                    </a:solidFill>
+                  </a:tcPr>
+                </a:tc>
+                <a:tc>
+                  <a:txBody>
+                    <a:bodyPr/>
+                    <a:lstStyle/>
+                    <a:p>
+                      <a:pPr algn="l"/>
+                      <a:r>
+                        <a:rPr lang="en-US" sz="1200" b="0" dirty="0">
+                          <a:effectLst/>
+                        </a:rPr>
+                        <a:t>delete a specific ad belonging to a specific magazine</a:t>
+                      </a:r>
+                    </a:p>
+                  </a:txBody>
+                  <a:tcPr marL="56521" marR="56521" marT="50869" marB="50869" anchor="ctr">
+                    <a:lnL w="9525" cap="flat" cmpd="sng" algn="ctr">
+                      <a:solidFill>
+                        <a:srgbClr val="CCCCCC"/>
+                      </a:solidFill>
+                      <a:prstDash val="solid"/>
+                      <a:round/>
+                      <a:headEnd type="none" w="med" len="med"/>
+                      <a:tailEnd type="none" w="med" len="med"/>
+                    </a:lnL>
+                    <a:lnR w="9525" cap="flat" cmpd="sng" algn="ctr">
+                      <a:solidFill>
+                        <a:srgbClr val="CCCCCC"/>
+                      </a:solidFill>
+                      <a:prstDash val="solid"/>
+                      <a:round/>
+                      <a:headEnd type="none" w="med" len="med"/>
+                      <a:tailEnd type="none" w="med" len="med"/>
+                    </a:lnR>
+                    <a:lnT w="9525" cap="flat" cmpd="sng" algn="ctr">
+                      <a:solidFill>
+                        <a:srgbClr val="CCCCCC"/>
+                      </a:solidFill>
+                      <a:prstDash val="solid"/>
+                      <a:round/>
+                      <a:headEnd type="none" w="med" len="med"/>
+                      <a:tailEnd type="none" w="med" len="med"/>
+                    </a:lnT>
+                    <a:lnB w="9525" cap="flat" cmpd="sng" algn="ctr">
+                      <a:solidFill>
+                        <a:srgbClr val="CCCCCC"/>
+                      </a:solidFill>
+                      <a:prstDash val="solid"/>
+                      <a:round/>
+                      <a:headEnd type="none" w="med" len="med"/>
+                      <a:tailEnd type="none" w="med" len="med"/>
+                    </a:lnB>
+                    <a:solidFill>
+                      <a:srgbClr val="FFFFFF"/>
+                    </a:solidFill>
                   </a:tcPr>
                 </a:tc>
               </a:tr>
@@ -17579,18 +16259,91 @@
           </a:graphicData>
         </a:graphic>
       </p:graphicFrame>
+    </p:spTree>
+    <p:extLst>
+      <p:ext uri="{BB962C8B-B14F-4D97-AF65-F5344CB8AC3E}">
+        <p14:creationId xmlns:p14="http://schemas.microsoft.com/office/powerpoint/2010/main" val="2265521574"/>
+      </p:ext>
+    </p:extLst>
+  </p:cSld>
+  <p:clrMapOvr>
+    <a:masterClrMapping/>
+  </p:clrMapOvr>
+  <p:timing>
+    <p:tnLst>
+      <p:par>
+        <p:cTn id="1" dur="indefinite" restart="never" nodeType="tmRoot"/>
+      </p:par>
+    </p:tnLst>
+  </p:timing>
+</p:sld>
+</file>
+
+<file path=ppt/slides/slide27.xml><?xml version="1.0" encoding="utf-8"?>
+<p:sld xmlns:a="http://schemas.openxmlformats.org/drawingml/2006/main" xmlns:r="http://schemas.openxmlformats.org/officeDocument/2006/relationships" xmlns:p="http://schemas.openxmlformats.org/presentationml/2006/main">
+  <p:cSld>
+    <p:spTree>
+      <p:nvGrpSpPr>
+        <p:cNvPr id="1" name=""/>
+        <p:cNvGrpSpPr/>
+        <p:nvPr/>
+      </p:nvGrpSpPr>
+      <p:grpSpPr>
+        <a:xfrm>
+          <a:off x="0" y="0"/>
+          <a:ext cx="0" cy="0"/>
+          <a:chOff x="0" y="0"/>
+          <a:chExt cx="0" cy="0"/>
+        </a:xfrm>
+      </p:grpSpPr>
       <p:sp>
         <p:nvSpPr>
-          <p:cNvPr id="8" name="Rectangle 3"/>
+          <p:cNvPr id="2" name="Title 1"/>
           <p:cNvSpPr>
-            <a:spLocks noChangeArrowheads="1"/>
+            <a:spLocks noGrp="1"/>
           </p:cNvSpPr>
+          <p:nvPr>
+            <p:ph type="title"/>
+          </p:nvPr>
+        </p:nvSpPr>
+        <p:spPr/>
+        <p:txBody>
+          <a:bodyPr/>
+          <a:lstStyle/>
+          <a:p>
+            <a:r>
+              <a:rPr lang="en-US" dirty="0" smtClean="0"/>
+              <a:t>Adding Restful Actions</a:t>
+            </a:r>
+            <a:endParaRPr lang="en-US" dirty="0"/>
+          </a:p>
+        </p:txBody>
+      </p:sp>
+      <p:pic>
+        <p:nvPicPr>
+          <p:cNvPr id="7170" name="Picture 2"/>
+          <p:cNvPicPr>
+            <a:picLocks noChangeAspect="1" noChangeArrowheads="1"/>
+          </p:cNvPicPr>
           <p:nvPr/>
-        </p:nvSpPr>
+        </p:nvPicPr>
+        <p:blipFill>
+          <a:blip r:embed="rId2">
+            <a:extLst>
+              <a:ext uri="{28A0092B-C50C-407E-A947-70E740481C1C}">
+                <a14:useLocalDpi xmlns:a14="http://schemas.microsoft.com/office/drawing/2010/main" val="0"/>
+              </a:ext>
+            </a:extLst>
+          </a:blip>
+          <a:srcRect/>
+          <a:stretch>
+            <a:fillRect/>
+          </a:stretch>
+        </p:blipFill>
         <p:spPr bwMode="auto">
           <a:xfrm>
-            <a:off x="1866900" y="2636838"/>
-            <a:ext cx="9144000" cy="0"/>
+            <a:off x="609600" y="1362075"/>
+            <a:ext cx="6860603" cy="3419475"/>
           </a:xfrm>
           <a:prstGeom prst="rect">
             <a:avLst/>
@@ -17629,215 +16382,69 @@
             </a:ext>
           </a:extLst>
         </p:spPr>
-        <p:txBody>
-          <a:bodyPr vert="horz" wrap="none" lIns="91440" tIns="45720" rIns="91440" bIns="45720" numCol="1" anchor="ctr" anchorCtr="0" compatLnSpc="1">
-            <a:prstTxWarp prst="textNoShape">
-              <a:avLst/>
-            </a:prstTxWarp>
-            <a:spAutoFit/>
-          </a:bodyPr>
-          <a:lstStyle/>
-          <a:p>
-            <a:pPr marL="0" marR="0" lvl="0" indent="0" algn="l" defTabSz="914400" rtl="0" eaLnBrk="1" fontAlgn="base" latinLnBrk="0" hangingPunct="1">
-              <a:lnSpc>
-                <a:spcPct val="100000"/>
-              </a:lnSpc>
-              <a:spcBef>
-                <a:spcPct val="0"/>
-              </a:spcBef>
-              <a:spcAft>
-                <a:spcPct val="0"/>
-              </a:spcAft>
-              <a:buClrTx/>
-              <a:buSzTx/>
-              <a:buFontTx/>
-              <a:buNone/>
-              <a:tabLst/>
-            </a:pPr>
-            <a:r>
-              <a:rPr kumimoji="0" lang="en-US" sz="1800" b="0" i="0" u="none" strike="noStrike" cap="none" normalizeH="0" baseline="0" smtClean="0">
-                <a:ln>
-                  <a:noFill/>
-                </a:ln>
-                <a:solidFill>
-                  <a:schemeClr val="tx1"/>
-                </a:solidFill>
-                <a:effectLst/>
-                <a:latin typeface="Arial" pitchFamily="34" charset="0"/>
-                <a:cs typeface="Arial" pitchFamily="34" charset="0"/>
-              </a:rPr>
-              <a:t/>
-            </a:r>
-            <a:br>
-              <a:rPr kumimoji="0" lang="en-US" sz="1800" b="0" i="0" u="none" strike="noStrike" cap="none" normalizeH="0" baseline="0" smtClean="0">
-                <a:ln>
-                  <a:noFill/>
-                </a:ln>
-                <a:solidFill>
-                  <a:schemeClr val="tx1"/>
-                </a:solidFill>
-                <a:effectLst/>
-                <a:latin typeface="Arial" pitchFamily="34" charset="0"/>
-                <a:cs typeface="Arial" pitchFamily="34" charset="0"/>
-              </a:rPr>
-            </a:br>
-            <a:endParaRPr kumimoji="0" lang="en-US" sz="1800" b="0" i="0" u="none" strike="noStrike" cap="none" normalizeH="0" baseline="0" smtClean="0">
-              <a:ln>
-                <a:noFill/>
-              </a:ln>
-              <a:solidFill>
-                <a:schemeClr val="tx1"/>
-              </a:solidFill>
-              <a:effectLst/>
-              <a:latin typeface="Arial" pitchFamily="34" charset="0"/>
-              <a:cs typeface="Arial" pitchFamily="34" charset="0"/>
-            </a:endParaRPr>
-          </a:p>
-        </p:txBody>
-      </p:sp>
-      <p:graphicFrame>
-        <p:nvGraphicFramePr>
-          <p:cNvPr id="9" name="Table 8"/>
-          <p:cNvGraphicFramePr>
-            <a:graphicFrameLocks noGrp="1"/>
-          </p:cNvGraphicFramePr>
-          <p:nvPr>
-            <p:extLst>
-              <p:ext uri="{D42A27DB-BD31-4B8C-83A1-F6EECF244321}">
-                <p14:modId xmlns:p14="http://schemas.microsoft.com/office/powerpoint/2010/main" val="95469737"/>
-              </p:ext>
-            </p:extLst>
-          </p:nvPr>
-        </p:nvGraphicFramePr>
-        <p:xfrm>
-          <a:off x="5257800" y="1754148"/>
-          <a:ext cx="5105400" cy="1706880"/>
-        </p:xfrm>
-        <a:graphic>
-          <a:graphicData uri="http://schemas.openxmlformats.org/drawingml/2006/table">
-            <a:tbl>
-              <a:tblPr/>
-              <a:tblGrid>
-                <a:gridCol w="5105400"/>
-              </a:tblGrid>
-              <a:tr h="0">
-                <a:tc>
-                  <a:txBody>
-                    <a:bodyPr/>
-                    <a:lstStyle/>
-                    <a:p>
-                      <a:pPr algn="l" fontAlgn="base"/>
-                      <a:r>
-                        <a:rPr lang="en-US" b="0" i="0" dirty="0">
-                          <a:effectLst/>
-                          <a:latin typeface="Consolas"/>
-                        </a:rPr>
-                        <a:t>resources :messages do</a:t>
-                      </a:r>
-                    </a:p>
-                    <a:p>
-                      <a:pPr algn="l" fontAlgn="base"/>
-                      <a:r>
-                        <a:rPr lang="en-US" b="0" i="0" dirty="0">
-                          <a:effectLst/>
-                          <a:latin typeface="Consolas"/>
-                        </a:rPr>
-                        <a:t>  resources :comments</a:t>
-                      </a:r>
-                    </a:p>
-                    <a:p>
-                      <a:pPr algn="l" fontAlgn="base"/>
-                      <a:r>
-                        <a:rPr lang="en-US" b="0" i="0" dirty="0">
-                          <a:effectLst/>
-                          <a:latin typeface="Consolas"/>
-                        </a:rPr>
-                        <a:t>end</a:t>
-                      </a:r>
-                    </a:p>
-                    <a:p>
-                      <a:pPr algn="l" fontAlgn="base"/>
-                      <a:r>
-                        <a:rPr lang="en-US" b="0" i="0" dirty="0">
-                          <a:effectLst/>
-                          <a:latin typeface="Consolas"/>
-                        </a:rPr>
-                        <a:t> </a:t>
-                      </a:r>
-                    </a:p>
-                    <a:p>
-                      <a:pPr algn="l" fontAlgn="base"/>
-                      <a:r>
-                        <a:rPr lang="en-US" b="0" i="0" dirty="0">
-                          <a:effectLst/>
-                          <a:latin typeface="Consolas"/>
-                        </a:rPr>
-                        <a:t>resources :articles do</a:t>
-                      </a:r>
-                    </a:p>
-                    <a:p>
-                      <a:pPr algn="l" fontAlgn="base"/>
-                      <a:r>
-                        <a:rPr lang="en-US" b="0" i="0" dirty="0">
-                          <a:effectLst/>
-                          <a:latin typeface="Consolas"/>
-                        </a:rPr>
-                        <a:t>  resources :comments</a:t>
-                      </a:r>
-                    </a:p>
-                    <a:p>
-                      <a:pPr algn="l" fontAlgn="base"/>
-                      <a:r>
-                        <a:rPr lang="en-US" b="0" i="0" dirty="0">
-                          <a:effectLst/>
-                          <a:latin typeface="Consolas"/>
-                        </a:rPr>
-                        <a:t>  resources :images, only: :index</a:t>
-                      </a:r>
-                    </a:p>
-                    <a:p>
-                      <a:pPr algn="l" fontAlgn="base"/>
-                      <a:r>
-                        <a:rPr lang="en-US" b="0" i="0" dirty="0">
-                          <a:effectLst/>
-                          <a:latin typeface="Consolas"/>
-                        </a:rPr>
-                        <a:t>end</a:t>
-                      </a:r>
-                    </a:p>
-                  </a:txBody>
-                  <a:tcPr marL="0" marR="0" marT="0" marB="0" anchor="ctr">
-                    <a:lnL>
-                      <a:noFill/>
-                    </a:lnL>
-                    <a:lnR>
-                      <a:noFill/>
-                    </a:lnR>
-                    <a:lnT>
-                      <a:noFill/>
-                    </a:lnT>
-                    <a:lnB>
-                      <a:noFill/>
-                    </a:lnB>
-                  </a:tcPr>
-                </a:tc>
-              </a:tr>
-            </a:tbl>
-          </a:graphicData>
-        </a:graphic>
-      </p:graphicFrame>
-      <p:sp>
-        <p:nvSpPr>
-          <p:cNvPr id="10" name="Rectangle 4"/>
-          <p:cNvSpPr>
-            <a:spLocks noChangeArrowheads="1"/>
-          </p:cNvSpPr>
+      </p:pic>
+    </p:spTree>
+    <p:extLst>
+      <p:ext uri="{BB962C8B-B14F-4D97-AF65-F5344CB8AC3E}">
+        <p14:creationId xmlns:p14="http://schemas.microsoft.com/office/powerpoint/2010/main" val="1052648364"/>
+      </p:ext>
+    </p:extLst>
+  </p:cSld>
+  <p:clrMapOvr>
+    <a:masterClrMapping/>
+  </p:clrMapOvr>
+  <p:timing>
+    <p:tnLst>
+      <p:par>
+        <p:cTn id="1" dur="indefinite" restart="never" nodeType="tmRoot"/>
+      </p:par>
+    </p:tnLst>
+  </p:timing>
+</p:sld>
+</file>
+
+<file path=ppt/slides/slide28.xml><?xml version="1.0" encoding="utf-8"?>
+<p:sld xmlns:a="http://schemas.openxmlformats.org/drawingml/2006/main" xmlns:r="http://schemas.openxmlformats.org/officeDocument/2006/relationships" xmlns:p="http://schemas.openxmlformats.org/presentationml/2006/main">
+  <p:cSld>
+    <p:spTree>
+      <p:nvGrpSpPr>
+        <p:cNvPr id="1" name=""/>
+        <p:cNvGrpSpPr/>
+        <p:nvPr/>
+      </p:nvGrpSpPr>
+      <p:grpSpPr>
+        <a:xfrm>
+          <a:off x="0" y="0"/>
+          <a:ext cx="0" cy="0"/>
+          <a:chOff x="0" y="0"/>
+          <a:chExt cx="0" cy="0"/>
+        </a:xfrm>
+      </p:grpSpPr>
+      <p:pic>
+        <p:nvPicPr>
+          <p:cNvPr id="8194" name="Picture 2"/>
+          <p:cNvPicPr>
+            <a:picLocks noChangeAspect="1" noChangeArrowheads="1"/>
+          </p:cNvPicPr>
           <p:nvPr/>
-        </p:nvSpPr>
+        </p:nvPicPr>
+        <p:blipFill>
+          <a:blip r:embed="rId2">
+            <a:extLst>
+              <a:ext uri="{28A0092B-C50C-407E-A947-70E740481C1C}">
+                <a14:useLocalDpi xmlns:a14="http://schemas.microsoft.com/office/drawing/2010/main" val="0"/>
+              </a:ext>
+            </a:extLst>
+          </a:blip>
+          <a:srcRect/>
+          <a:stretch>
+            <a:fillRect/>
+          </a:stretch>
+        </p:blipFill>
         <p:spPr bwMode="auto">
           <a:xfrm>
-            <a:off x="1866900" y="2209800"/>
-            <a:ext cx="9144000" cy="0"/>
+            <a:off x="381000" y="438150"/>
+            <a:ext cx="8475668" cy="4114800"/>
           </a:xfrm>
           <a:prstGeom prst="rect">
             <a:avLst/>
@@ -17876,126 +16483,28 @@
             </a:ext>
           </a:extLst>
         </p:spPr>
-        <p:txBody>
-          <a:bodyPr vert="horz" wrap="none" lIns="91440" tIns="45720" rIns="91440" bIns="45720" numCol="1" anchor="ctr" anchorCtr="0" compatLnSpc="1">
-            <a:prstTxWarp prst="textNoShape">
-              <a:avLst/>
-            </a:prstTxWarp>
-            <a:spAutoFit/>
-          </a:bodyPr>
-          <a:lstStyle/>
-          <a:p>
-            <a:pPr marL="0" marR="0" lvl="0" indent="0" algn="l" defTabSz="914400" rtl="0" eaLnBrk="1" fontAlgn="base" latinLnBrk="0" hangingPunct="1">
-              <a:lnSpc>
-                <a:spcPct val="100000"/>
-              </a:lnSpc>
-              <a:spcBef>
-                <a:spcPct val="0"/>
-              </a:spcBef>
-              <a:spcAft>
-                <a:spcPct val="0"/>
-              </a:spcAft>
-              <a:buClrTx/>
-              <a:buSzTx/>
-              <a:buFontTx/>
-              <a:buNone/>
-              <a:tabLst/>
-            </a:pPr>
-            <a:r>
-              <a:rPr kumimoji="0" lang="en-US" sz="1800" b="0" i="0" u="none" strike="noStrike" cap="none" normalizeH="0" baseline="0" smtClean="0">
-                <a:ln>
-                  <a:noFill/>
-                </a:ln>
-                <a:solidFill>
-                  <a:schemeClr val="tx1"/>
-                </a:solidFill>
-                <a:effectLst/>
-                <a:latin typeface="Arial" pitchFamily="34" charset="0"/>
-                <a:cs typeface="Arial" pitchFamily="34" charset="0"/>
-              </a:rPr>
-              <a:t/>
-            </a:r>
-            <a:br>
-              <a:rPr kumimoji="0" lang="en-US" sz="1800" b="0" i="0" u="none" strike="noStrike" cap="none" normalizeH="0" baseline="0" smtClean="0">
-                <a:ln>
-                  <a:noFill/>
-                </a:ln>
-                <a:solidFill>
-                  <a:schemeClr val="tx1"/>
-                </a:solidFill>
-                <a:effectLst/>
-                <a:latin typeface="Arial" pitchFamily="34" charset="0"/>
-                <a:cs typeface="Arial" pitchFamily="34" charset="0"/>
-              </a:rPr>
-            </a:br>
-            <a:endParaRPr kumimoji="0" lang="en-US" sz="1800" b="0" i="0" u="none" strike="noStrike" cap="none" normalizeH="0" baseline="0" smtClean="0">
-              <a:ln>
-                <a:noFill/>
-              </a:ln>
-              <a:solidFill>
-                <a:schemeClr val="tx1"/>
-              </a:solidFill>
-              <a:effectLst/>
-              <a:latin typeface="Arial" pitchFamily="34" charset="0"/>
-              <a:cs typeface="Arial" pitchFamily="34" charset="0"/>
-            </a:endParaRPr>
-          </a:p>
-        </p:txBody>
-      </p:sp>
-      <p:sp>
-        <p:nvSpPr>
-          <p:cNvPr id="11" name="Right Arrow 10"/>
-          <p:cNvSpPr/>
-          <p:nvPr/>
-        </p:nvSpPr>
-        <p:spPr>
-          <a:xfrm>
-            <a:off x="4800600" y="2876550"/>
-            <a:ext cx="381000" cy="304800"/>
-          </a:xfrm>
-          <a:prstGeom prst="rightArrow">
-            <a:avLst/>
-          </a:prstGeom>
-        </p:spPr>
-        <p:style>
-          <a:lnRef idx="2">
-            <a:schemeClr val="accent1">
-              <a:shade val="50000"/>
-            </a:schemeClr>
-          </a:lnRef>
-          <a:fillRef idx="1">
-            <a:schemeClr val="accent1"/>
-          </a:fillRef>
-          <a:effectRef idx="0">
-            <a:schemeClr val="accent1"/>
-          </a:effectRef>
-          <a:fontRef idx="minor">
-            <a:schemeClr val="lt1"/>
-          </a:fontRef>
-        </p:style>
-        <p:txBody>
-          <a:bodyPr rtlCol="0" anchor="ctr"/>
-          <a:lstStyle/>
-          <a:p>
-            <a:pPr algn="ctr"/>
-            <a:endParaRPr lang="en-US"/>
-          </a:p>
-        </p:txBody>
-      </p:sp>
+      </p:pic>
     </p:spTree>
     <p:extLst>
       <p:ext uri="{BB962C8B-B14F-4D97-AF65-F5344CB8AC3E}">
-        <p14:creationId xmlns:p14="http://schemas.microsoft.com/office/powerpoint/2010/main" val="2683908585"/>
+        <p14:creationId xmlns:p14="http://schemas.microsoft.com/office/powerpoint/2010/main" val="487878135"/>
       </p:ext>
     </p:extLst>
   </p:cSld>
   <p:clrMapOvr>
     <a:masterClrMapping/>
   </p:clrMapOvr>
+  <p:timing>
+    <p:tnLst>
+      <p:par>
+        <p:cTn id="1" dur="indefinite" restart="never" nodeType="tmRoot"/>
+      </p:par>
+    </p:tnLst>
+  </p:timing>
 </p:sld>
 </file>
 
-<file path=ppt/slides/slide28.xml><?xml version="1.0" encoding="utf-8"?>
+<file path=ppt/slides/slide29.xml><?xml version="1.0" encoding="utf-8"?>
 <p:sld xmlns:a="http://schemas.openxmlformats.org/drawingml/2006/main" xmlns:r="http://schemas.openxmlformats.org/officeDocument/2006/relationships" xmlns:p="http://schemas.openxmlformats.org/presentationml/2006/main">
   <p:cSld>
     <p:spTree>
@@ -18029,22 +16538,37 @@
           <a:p>
             <a:r>
               <a:rPr lang="en-US" dirty="0" smtClean="0"/>
-              <a:t>Adding Restful Actions</a:t>
+              <a:t>Defining Defaults</a:t>
             </a:r>
             <a:endParaRPr lang="en-US" dirty="0"/>
           </a:p>
         </p:txBody>
       </p:sp>
-      <p:sp>
-        <p:nvSpPr>
-          <p:cNvPr id="3" name="Rectangle 3"/>
-          <p:cNvSpPr txBox="1"/>
+      <p:pic>
+        <p:nvPicPr>
+          <p:cNvPr id="9218" name="Picture 2"/>
+          <p:cNvPicPr>
+            <a:picLocks noChangeAspect="1" noChangeArrowheads="1"/>
+          </p:cNvPicPr>
           <p:nvPr/>
-        </p:nvSpPr>
-        <p:spPr>
+        </p:nvPicPr>
+        <p:blipFill>
+          <a:blip r:embed="rId2">
+            <a:extLst>
+              <a:ext uri="{28A0092B-C50C-407E-A947-70E740481C1C}">
+                <a14:useLocalDpi xmlns:a14="http://schemas.microsoft.com/office/drawing/2010/main" val="0"/>
+              </a:ext>
+            </a:extLst>
+          </a:blip>
+          <a:srcRect/>
+          <a:stretch>
+            <a:fillRect/>
+          </a:stretch>
+        </p:blipFill>
+        <p:spPr bwMode="auto">
           <a:xfrm>
-            <a:off x="457200" y="1200150"/>
-            <a:ext cx="8229600" cy="553998"/>
+            <a:off x="609600" y="981075"/>
+            <a:ext cx="7086600" cy="3800475"/>
           </a:xfrm>
           <a:prstGeom prst="rect">
             <a:avLst/>
@@ -18053,167 +16577,54 @@
           <a:ln>
             <a:noFill/>
           </a:ln>
+          <a:effectLst/>
+          <a:extLst>
+            <a:ext uri="{909E8E84-426E-40DD-AFC4-6F175D3DCCD1}">
+              <a14:hiddenFill xmlns:a14="http://schemas.microsoft.com/office/drawing/2010/main">
+                <a:solidFill>
+                  <a:schemeClr val="accent1"/>
+                </a:solidFill>
+              </a14:hiddenFill>
+            </a:ext>
+            <a:ext uri="{91240B29-F687-4F45-9708-019B960494DF}">
+              <a14:hiddenLine xmlns:a14="http://schemas.microsoft.com/office/drawing/2010/main" w="9525">
+                <a:solidFill>
+                  <a:schemeClr val="tx1"/>
+                </a:solidFill>
+                <a:miter lim="800000"/>
+                <a:headEnd/>
+                <a:tailEnd/>
+              </a14:hiddenLine>
+            </a:ext>
+            <a:ext uri="{AF507438-7753-43E0-B8FC-AC1667EBCBE1}">
+              <a14:hiddenEffects xmlns:a14="http://schemas.microsoft.com/office/drawing/2010/main">
+                <a:effectLst>
+                  <a:outerShdw dist="35921" dir="2700000" algn="ctr" rotWithShape="0">
+                    <a:schemeClr val="bg2"/>
+                  </a:outerShdw>
+                </a:effectLst>
+              </a14:hiddenEffects>
+            </a:ext>
+          </a:extLst>
         </p:spPr>
-        <p:txBody>
-          <a:bodyPr lIns="91425" tIns="91425" rIns="91425" bIns="91425" anchor="t" anchorCtr="0"/>
-          <a:lstStyle>
-            <a:defPPr marR="0" algn="l" rtl="0">
-              <a:lnSpc>
-                <a:spcPct val="100000"/>
-              </a:lnSpc>
-              <a:spcBef>
-                <a:spcPts val="0"/>
-              </a:spcBef>
-              <a:spcAft>
-                <a:spcPts val="0"/>
-              </a:spcAft>
-            </a:defPPr>
-            <a:lvl1pPr>
-              <a:spcBef>
-                <a:spcPts val="600"/>
-              </a:spcBef>
-              <a:buClr>
-                <a:schemeClr val="dk1"/>
-              </a:buClr>
-              <a:buSzPct val="100000"/>
-              <a:defRPr sz="3000">
-                <a:solidFill>
-                  <a:schemeClr val="dk1"/>
-                </a:solidFill>
-              </a:defRPr>
-            </a:lvl1pPr>
-            <a:lvl2pPr>
-              <a:spcBef>
-                <a:spcPts val="480"/>
-              </a:spcBef>
-              <a:buClr>
-                <a:schemeClr val="dk1"/>
-              </a:buClr>
-              <a:buSzPct val="100000"/>
-              <a:defRPr sz="2400">
-                <a:solidFill>
-                  <a:schemeClr val="dk1"/>
-                </a:solidFill>
-              </a:defRPr>
-            </a:lvl2pPr>
-            <a:lvl3pPr>
-              <a:spcBef>
-                <a:spcPts val="480"/>
-              </a:spcBef>
-              <a:buClr>
-                <a:schemeClr val="dk1"/>
-              </a:buClr>
-              <a:buSzPct val="100000"/>
-              <a:defRPr sz="2400">
-                <a:solidFill>
-                  <a:schemeClr val="dk1"/>
-                </a:solidFill>
-              </a:defRPr>
-            </a:lvl3pPr>
-            <a:lvl4pPr>
-              <a:spcBef>
-                <a:spcPts val="360"/>
-              </a:spcBef>
-              <a:buClr>
-                <a:schemeClr val="dk1"/>
-              </a:buClr>
-              <a:buSzPct val="100000"/>
-              <a:defRPr sz="1800">
-                <a:solidFill>
-                  <a:schemeClr val="dk1"/>
-                </a:solidFill>
-              </a:defRPr>
-            </a:lvl4pPr>
-            <a:lvl5pPr>
-              <a:spcBef>
-                <a:spcPts val="360"/>
-              </a:spcBef>
-              <a:buClr>
-                <a:schemeClr val="dk1"/>
-              </a:buClr>
-              <a:buSzPct val="100000"/>
-              <a:defRPr sz="1800">
-                <a:solidFill>
-                  <a:schemeClr val="dk1"/>
-                </a:solidFill>
-              </a:defRPr>
-            </a:lvl5pPr>
-            <a:lvl6pPr>
-              <a:spcBef>
-                <a:spcPts val="360"/>
-              </a:spcBef>
-              <a:buClr>
-                <a:schemeClr val="dk1"/>
-              </a:buClr>
-              <a:buSzPct val="100000"/>
-              <a:defRPr sz="1800">
-                <a:solidFill>
-                  <a:schemeClr val="dk1"/>
-                </a:solidFill>
-              </a:defRPr>
-            </a:lvl6pPr>
-            <a:lvl7pPr>
-              <a:spcBef>
-                <a:spcPts val="360"/>
-              </a:spcBef>
-              <a:buClr>
-                <a:schemeClr val="dk1"/>
-              </a:buClr>
-              <a:buSzPct val="100000"/>
-              <a:defRPr sz="1800">
-                <a:solidFill>
-                  <a:schemeClr val="dk1"/>
-                </a:solidFill>
-              </a:defRPr>
-            </a:lvl7pPr>
-            <a:lvl8pPr>
-              <a:spcBef>
-                <a:spcPts val="360"/>
-              </a:spcBef>
-              <a:buClr>
-                <a:schemeClr val="dk1"/>
-              </a:buClr>
-              <a:buSzPct val="100000"/>
-              <a:defRPr sz="1800">
-                <a:solidFill>
-                  <a:schemeClr val="dk1"/>
-                </a:solidFill>
-              </a:defRPr>
-            </a:lvl8pPr>
-            <a:lvl9pPr>
-              <a:spcBef>
-                <a:spcPts val="360"/>
-              </a:spcBef>
-              <a:buClr>
-                <a:schemeClr val="dk1"/>
-              </a:buClr>
-              <a:buSzPct val="100000"/>
-              <a:defRPr sz="1800">
-                <a:solidFill>
-                  <a:schemeClr val="dk1"/>
-                </a:solidFill>
-              </a:defRPr>
-            </a:lvl9pPr>
-          </a:lstStyle>
-          <a:p>
-            <a:r>
-              <a:rPr lang="en-US" smtClean="0"/>
-              <a:t>Text</a:t>
-            </a:r>
-            <a:endParaRPr lang="en-US"/>
-          </a:p>
-        </p:txBody>
-      </p:sp>
+      </p:pic>
     </p:spTree>
     <p:extLst>
       <p:ext uri="{BB962C8B-B14F-4D97-AF65-F5344CB8AC3E}">
-        <p14:creationId xmlns:p14="http://schemas.microsoft.com/office/powerpoint/2010/main" val="1052648364"/>
+        <p14:creationId xmlns:p14="http://schemas.microsoft.com/office/powerpoint/2010/main" val="4119481485"/>
       </p:ext>
     </p:extLst>
   </p:cSld>
   <p:clrMapOvr>
     <a:masterClrMapping/>
   </p:clrMapOvr>
+  <p:timing>
+    <p:tnLst>
+      <p:par>
+        <p:cTn id="1" dur="indefinite" restart="never" nodeType="tmRoot"/>
+      </p:par>
+    </p:tnLst>
+  </p:timing>
 </p:sld>
 </file>
 
@@ -18765,6 +17176,291 @@
   <p:transition spd="slow">
     <p:cut/>
   </p:transition>
+  <p:timing>
+    <p:tnLst>
+      <p:par>
+        <p:cTn id="1" dur="indefinite" restart="never" nodeType="tmRoot"/>
+      </p:par>
+    </p:tnLst>
+  </p:timing>
+</p:sld>
+</file>
+
+<file path=ppt/slides/slide30.xml><?xml version="1.0" encoding="utf-8"?>
+<p:sld xmlns:a="http://schemas.openxmlformats.org/drawingml/2006/main" xmlns:r="http://schemas.openxmlformats.org/officeDocument/2006/relationships" xmlns:p="http://schemas.openxmlformats.org/presentationml/2006/main">
+  <p:cSld>
+    <p:spTree>
+      <p:nvGrpSpPr>
+        <p:cNvPr id="1" name=""/>
+        <p:cNvGrpSpPr/>
+        <p:nvPr/>
+      </p:nvGrpSpPr>
+      <p:grpSpPr>
+        <a:xfrm>
+          <a:off x="0" y="0"/>
+          <a:ext cx="0" cy="0"/>
+          <a:chOff x="0" y="0"/>
+          <a:chExt cx="0" cy="0"/>
+        </a:xfrm>
+      </p:grpSpPr>
+      <p:sp>
+        <p:nvSpPr>
+          <p:cNvPr id="2" name="Title 1"/>
+          <p:cNvSpPr>
+            <a:spLocks noGrp="1"/>
+          </p:cNvSpPr>
+          <p:nvPr>
+            <p:ph type="title"/>
+          </p:nvPr>
+        </p:nvSpPr>
+        <p:spPr/>
+        <p:txBody>
+          <a:bodyPr/>
+          <a:lstStyle/>
+          <a:p>
+            <a:r>
+              <a:rPr lang="en-US" dirty="0" smtClean="0"/>
+              <a:t>Naming Routes</a:t>
+            </a:r>
+            <a:endParaRPr lang="en-US" dirty="0"/>
+          </a:p>
+        </p:txBody>
+      </p:sp>
+      <p:pic>
+        <p:nvPicPr>
+          <p:cNvPr id="10242" name="Picture 2"/>
+          <p:cNvPicPr>
+            <a:picLocks noChangeAspect="1" noChangeArrowheads="1"/>
+          </p:cNvPicPr>
+          <p:nvPr/>
+        </p:nvPicPr>
+        <p:blipFill>
+          <a:blip r:embed="rId2">
+            <a:extLst>
+              <a:ext uri="{28A0092B-C50C-407E-A947-70E740481C1C}">
+                <a14:useLocalDpi xmlns:a14="http://schemas.microsoft.com/office/drawing/2010/main" val="0"/>
+              </a:ext>
+            </a:extLst>
+          </a:blip>
+          <a:srcRect/>
+          <a:stretch>
+            <a:fillRect/>
+          </a:stretch>
+        </p:blipFill>
+        <p:spPr bwMode="auto">
+          <a:xfrm>
+            <a:off x="761999" y="1209674"/>
+            <a:ext cx="7272471" cy="3495675"/>
+          </a:xfrm>
+          <a:prstGeom prst="rect">
+            <a:avLst/>
+          </a:prstGeom>
+          <a:noFill/>
+          <a:ln>
+            <a:noFill/>
+          </a:ln>
+          <a:effectLst/>
+          <a:extLst>
+            <a:ext uri="{909E8E84-426E-40DD-AFC4-6F175D3DCCD1}">
+              <a14:hiddenFill xmlns:a14="http://schemas.microsoft.com/office/drawing/2010/main">
+                <a:solidFill>
+                  <a:schemeClr val="accent1"/>
+                </a:solidFill>
+              </a14:hiddenFill>
+            </a:ext>
+            <a:ext uri="{91240B29-F687-4F45-9708-019B960494DF}">
+              <a14:hiddenLine xmlns:a14="http://schemas.microsoft.com/office/drawing/2010/main" w="9525">
+                <a:solidFill>
+                  <a:schemeClr val="tx1"/>
+                </a:solidFill>
+                <a:miter lim="800000"/>
+                <a:headEnd/>
+                <a:tailEnd/>
+              </a14:hiddenLine>
+            </a:ext>
+            <a:ext uri="{AF507438-7753-43E0-B8FC-AC1667EBCBE1}">
+              <a14:hiddenEffects xmlns:a14="http://schemas.microsoft.com/office/drawing/2010/main">
+                <a:effectLst>
+                  <a:outerShdw dist="35921" dir="2700000" algn="ctr" rotWithShape="0">
+                    <a:schemeClr val="bg2"/>
+                  </a:outerShdw>
+                </a:effectLst>
+              </a14:hiddenEffects>
+            </a:ext>
+          </a:extLst>
+        </p:spPr>
+      </p:pic>
+    </p:spTree>
+    <p:extLst>
+      <p:ext uri="{BB962C8B-B14F-4D97-AF65-F5344CB8AC3E}">
+        <p14:creationId xmlns:p14="http://schemas.microsoft.com/office/powerpoint/2010/main" val="2260318148"/>
+      </p:ext>
+    </p:extLst>
+  </p:cSld>
+  <p:clrMapOvr>
+    <a:masterClrMapping/>
+  </p:clrMapOvr>
+  <p:timing>
+    <p:tnLst>
+      <p:par>
+        <p:cTn id="1" dur="indefinite" restart="never" nodeType="tmRoot"/>
+      </p:par>
+    </p:tnLst>
+  </p:timing>
+</p:sld>
+</file>
+
+<file path=ppt/slides/slide31.xml><?xml version="1.0" encoding="utf-8"?>
+<p:sld xmlns:a="http://schemas.openxmlformats.org/drawingml/2006/main" xmlns:r="http://schemas.openxmlformats.org/officeDocument/2006/relationships" xmlns:p="http://schemas.openxmlformats.org/presentationml/2006/main">
+  <p:cSld>
+    <p:spTree>
+      <p:nvGrpSpPr>
+        <p:cNvPr id="1" name=""/>
+        <p:cNvGrpSpPr/>
+        <p:nvPr/>
+      </p:nvGrpSpPr>
+      <p:grpSpPr>
+        <a:xfrm>
+          <a:off x="0" y="0"/>
+          <a:ext cx="0" cy="0"/>
+          <a:chOff x="0" y="0"/>
+          <a:chExt cx="0" cy="0"/>
+        </a:xfrm>
+      </p:grpSpPr>
+      <p:sp>
+        <p:nvSpPr>
+          <p:cNvPr id="2" name="Title 1"/>
+          <p:cNvSpPr>
+            <a:spLocks noGrp="1"/>
+          </p:cNvSpPr>
+          <p:nvPr>
+            <p:ph type="title"/>
+          </p:nvPr>
+        </p:nvSpPr>
+        <p:spPr/>
+        <p:txBody>
+          <a:bodyPr/>
+          <a:lstStyle/>
+          <a:p>
+            <a:r>
+              <a:rPr lang="en-US" dirty="0" smtClean="0"/>
+              <a:t>Using “root”</a:t>
+            </a:r>
+            <a:endParaRPr lang="en-US" dirty="0"/>
+          </a:p>
+        </p:txBody>
+      </p:sp>
+      <p:pic>
+        <p:nvPicPr>
+          <p:cNvPr id="11266" name="Picture 2"/>
+          <p:cNvPicPr>
+            <a:picLocks noChangeAspect="1" noChangeArrowheads="1"/>
+          </p:cNvPicPr>
+          <p:nvPr/>
+        </p:nvPicPr>
+        <p:blipFill>
+          <a:blip r:embed="rId2">
+            <a:extLst>
+              <a:ext uri="{28A0092B-C50C-407E-A947-70E740481C1C}">
+                <a14:useLocalDpi xmlns:a14="http://schemas.microsoft.com/office/drawing/2010/main" val="0"/>
+              </a:ext>
+            </a:extLst>
+          </a:blip>
+          <a:srcRect/>
+          <a:stretch>
+            <a:fillRect/>
+          </a:stretch>
+        </p:blipFill>
+        <p:spPr bwMode="auto">
+          <a:xfrm>
+            <a:off x="914400" y="1009650"/>
+            <a:ext cx="7239000" cy="4076700"/>
+          </a:xfrm>
+          <a:prstGeom prst="rect">
+            <a:avLst/>
+          </a:prstGeom>
+          <a:noFill/>
+          <a:ln>
+            <a:noFill/>
+          </a:ln>
+          <a:effectLst/>
+          <a:extLst>
+            <a:ext uri="{909E8E84-426E-40DD-AFC4-6F175D3DCCD1}">
+              <a14:hiddenFill xmlns:a14="http://schemas.microsoft.com/office/drawing/2010/main">
+                <a:solidFill>
+                  <a:schemeClr val="accent1"/>
+                </a:solidFill>
+              </a14:hiddenFill>
+            </a:ext>
+            <a:ext uri="{91240B29-F687-4F45-9708-019B960494DF}">
+              <a14:hiddenLine xmlns:a14="http://schemas.microsoft.com/office/drawing/2010/main" w="9525">
+                <a:solidFill>
+                  <a:schemeClr val="tx1"/>
+                </a:solidFill>
+                <a:miter lim="800000"/>
+                <a:headEnd/>
+                <a:tailEnd/>
+              </a14:hiddenLine>
+            </a:ext>
+            <a:ext uri="{AF507438-7753-43E0-B8FC-AC1667EBCBE1}">
+              <a14:hiddenEffects xmlns:a14="http://schemas.microsoft.com/office/drawing/2010/main">
+                <a:effectLst>
+                  <a:outerShdw dist="35921" dir="2700000" algn="ctr" rotWithShape="0">
+                    <a:schemeClr val="bg2"/>
+                  </a:outerShdw>
+                </a:effectLst>
+              </a14:hiddenEffects>
+            </a:ext>
+          </a:extLst>
+        </p:spPr>
+      </p:pic>
+    </p:spTree>
+    <p:extLst>
+      <p:ext uri="{BB962C8B-B14F-4D97-AF65-F5344CB8AC3E}">
+        <p14:creationId xmlns:p14="http://schemas.microsoft.com/office/powerpoint/2010/main" val="1129007389"/>
+      </p:ext>
+    </p:extLst>
+  </p:cSld>
+  <p:clrMapOvr>
+    <a:masterClrMapping/>
+  </p:clrMapOvr>
+  <p:timing>
+    <p:tnLst>
+      <p:par>
+        <p:cTn id="1" dur="indefinite" restart="never" nodeType="tmRoot"/>
+      </p:par>
+    </p:tnLst>
+  </p:timing>
+</p:sld>
+</file>
+
+<file path=ppt/slides/slide32.xml><?xml version="1.0" encoding="utf-8"?>
+<p:sld xmlns:a="http://schemas.openxmlformats.org/drawingml/2006/main" xmlns:r="http://schemas.openxmlformats.org/officeDocument/2006/relationships" xmlns:p="http://schemas.openxmlformats.org/presentationml/2006/main">
+  <p:cSld>
+    <p:spTree>
+      <p:nvGrpSpPr>
+        <p:cNvPr id="1" name=""/>
+        <p:cNvGrpSpPr/>
+        <p:nvPr/>
+      </p:nvGrpSpPr>
+      <p:grpSpPr>
+        <a:xfrm>
+          <a:off x="0" y="0"/>
+          <a:ext cx="0" cy="0"/>
+          <a:chOff x="0" y="0"/>
+          <a:chExt cx="0" cy="0"/>
+        </a:xfrm>
+      </p:grpSpPr>
+    </p:spTree>
+    <p:extLst>
+      <p:ext uri="{BB962C8B-B14F-4D97-AF65-F5344CB8AC3E}">
+        <p14:creationId xmlns:p14="http://schemas.microsoft.com/office/powerpoint/2010/main" val="2222619725"/>
+      </p:ext>
+    </p:extLst>
+  </p:cSld>
+  <p:clrMapOvr>
+    <a:masterClrMapping/>
+  </p:clrMapOvr>
   <p:timing>
     <p:tnLst>
       <p:par>
@@ -21060,9 +19756,6 @@
               </a:rPr>
               <a:t>end</a:t>
             </a:r>
-            <a:endParaRPr lang="en-US" sz="1200" dirty="0">
-              <a:latin typeface="Consolas"/>
-            </a:endParaRPr>
           </a:p>
         </p:txBody>
       </p:sp>

--- a/Ruby_On_Rails_Deck-Controller.pptx
+++ b/Ruby_On_Rails_Deck-Controller.pptx
@@ -5,7 +5,7 @@
     <p:sldMasterId id="2147483654" r:id="rId1"/>
   </p:sldMasterIdLst>
   <p:notesMasterIdLst>
-    <p:notesMasterId r:id="rId34"/>
+    <p:notesMasterId r:id="rId33"/>
   </p:notesMasterIdLst>
   <p:sldIdLst>
     <p:sldId id="256" r:id="rId2"/>
@@ -39,12 +39,11 @@
     <p:sldId id="300" r:id="rId30"/>
     <p:sldId id="301" r:id="rId31"/>
     <p:sldId id="302" r:id="rId32"/>
-    <p:sldId id="303" r:id="rId33"/>
   </p:sldIdLst>
   <p:sldSz cx="9144000" cy="5143500" type="screen16x9"/>
   <p:notesSz cx="6858000" cy="9144000"/>
   <p:custDataLst>
-    <p:tags r:id="rId35"/>
+    <p:tags r:id="rId34"/>
   </p:custDataLst>
   <p:defaultTextStyle>
     <a:defPPr marR="0" algn="l" rtl="0">
@@ -2784,7 +2783,7 @@
           <a:graphicData uri="http://schemas.openxmlformats.org/presentationml/2006/ole">
             <mc:AlternateContent xmlns:mc="http://schemas.openxmlformats.org/markup-compatibility/2006">
               <mc:Choice xmlns:v="urn:schemas-microsoft-com:vml" Requires="v">
-                <p:oleObj spid="_x0000_s1123" name="think-cell Slide" r:id="rId10" imgW="270" imgH="270" progId="TCLayout.ActiveDocument.1">
+                <p:oleObj spid="_x0000_s1126" name="think-cell Slide" r:id="rId10" imgW="270" imgH="270" progId="TCLayout.ActiveDocument.1">
                   <p:embed/>
                 </p:oleObj>
               </mc:Choice>
@@ -5442,21 +5441,27 @@
           <p:cNvGraphicFramePr>
             <a:graphicFrameLocks noGrp="1"/>
           </p:cNvGraphicFramePr>
-          <p:nvPr/>
+          <p:nvPr>
+            <p:extLst>
+              <p:ext uri="{D42A27DB-BD31-4B8C-83A1-F6EECF244321}">
+                <p14:modId xmlns:p14="http://schemas.microsoft.com/office/powerpoint/2010/main" val="3364200058"/>
+              </p:ext>
+            </p:extLst>
+          </p:nvPr>
         </p:nvGraphicFramePr>
         <p:xfrm>
-          <a:off x="1874995" y="1200149"/>
-          <a:ext cx="5394010" cy="3725865"/>
+          <a:off x="1447800" y="1047750"/>
+          <a:ext cx="6400800" cy="3886203"/>
         </p:xfrm>
         <a:graphic>
           <a:graphicData uri="http://schemas.openxmlformats.org/drawingml/2006/table">
             <a:tbl>
               <a:tblPr/>
               <a:tblGrid>
-                <a:gridCol w="2697005"/>
-                <a:gridCol w="2697005"/>
+                <a:gridCol w="3200400"/>
+                <a:gridCol w="3200400"/>
               </a:tblGrid>
-              <a:tr h="252220">
+              <a:tr h="263074">
                 <a:tc>
                   <a:txBody>
                     <a:bodyPr/>
@@ -5570,7 +5575,7 @@
                   </a:tcPr>
                 </a:tc>
               </a:tr>
-              <a:tr h="252220">
+              <a:tr h="263074">
                 <a:tc>
                   <a:txBody>
                     <a:bodyPr/>
@@ -5684,7 +5689,7 @@
                   </a:tcPr>
                 </a:tc>
               </a:tr>
-              <a:tr h="392065">
+              <a:tr h="408937">
                 <a:tc>
                   <a:txBody>
                     <a:bodyPr/>
@@ -5798,7 +5803,7 @@
                   </a:tcPr>
                 </a:tc>
               </a:tr>
-              <a:tr h="252220">
+              <a:tr h="263074">
                 <a:tc>
                   <a:txBody>
                     <a:bodyPr/>
@@ -5912,7 +5917,7 @@
                   </a:tcPr>
                 </a:tc>
               </a:tr>
-              <a:tr h="252220">
+              <a:tr h="263074">
                 <a:tc>
                   <a:txBody>
                     <a:bodyPr/>
@@ -6026,7 +6031,7 @@
                   </a:tcPr>
                 </a:tc>
               </a:tr>
-              <a:tr h="392065">
+              <a:tr h="408937">
                 <a:tc>
                   <a:txBody>
                     <a:bodyPr/>
@@ -6140,7 +6145,7 @@
                   </a:tcPr>
                 </a:tc>
               </a:tr>
-              <a:tr h="392065">
+              <a:tr h="408937">
                 <a:tc>
                   <a:txBody>
                     <a:bodyPr/>
@@ -6254,7 +6259,7 @@
                   </a:tcPr>
                 </a:tc>
               </a:tr>
-              <a:tr h="252220">
+              <a:tr h="263074">
                 <a:tc>
                   <a:txBody>
                     <a:bodyPr/>
@@ -6368,7 +6373,7 @@
                   </a:tcPr>
                 </a:tc>
               </a:tr>
-              <a:tr h="392065">
+              <a:tr h="408937">
                 <a:tc>
                   <a:txBody>
                     <a:bodyPr/>
@@ -6482,7 +6487,7 @@
                   </a:tcPr>
                 </a:tc>
               </a:tr>
-              <a:tr h="392065">
+              <a:tr h="408937">
                 <a:tc>
                   <a:txBody>
                     <a:bodyPr/>
@@ -6596,7 +6601,7 @@
                   </a:tcPr>
                 </a:tc>
               </a:tr>
-              <a:tr h="252220">
+              <a:tr h="263074">
                 <a:tc>
                   <a:txBody>
                     <a:bodyPr/>
@@ -6710,7 +6715,7 @@
                   </a:tcPr>
                 </a:tc>
               </a:tr>
-              <a:tr h="252220">
+              <a:tr h="263074">
                 <a:tc>
                   <a:txBody>
                     <a:bodyPr/>
@@ -8964,67 +8969,15 @@
             </a:r>
             <a:r>
               <a:rPr lang="en-US" sz="1400" dirty="0"/>
-              <a:t>of declaring separate routes for your </a:t>
+              <a:t>of declaring separate routes for your index, show, new, edit, create, </a:t>
+            </a:r>
+            <a:r>
+              <a:rPr lang="en-US" sz="1400" dirty="0" err="1"/>
+              <a:t>updateand</a:t>
             </a:r>
             <a:r>
               <a:rPr lang="en-US" sz="1400" dirty="0"/>
-              <a:t>index</a:t>
-            </a:r>
-            <a:r>
-              <a:rPr lang="en-US" sz="1400" dirty="0"/>
-              <a:t>, </a:t>
-            </a:r>
-            <a:r>
-              <a:rPr lang="en-US" sz="1400" dirty="0"/>
-              <a:t>show</a:t>
-            </a:r>
-            <a:r>
-              <a:rPr lang="en-US" sz="1400" dirty="0"/>
-              <a:t>, </a:t>
-            </a:r>
-            <a:r>
-              <a:rPr lang="en-US" sz="1400" dirty="0"/>
-              <a:t>new</a:t>
-            </a:r>
-            <a:r>
-              <a:rPr lang="en-US" sz="1400" dirty="0"/>
-              <a:t>, </a:t>
-            </a:r>
-            <a:r>
-              <a:rPr lang="en-US" sz="1400" dirty="0"/>
-              <a:t>edit</a:t>
-            </a:r>
-            <a:r>
-              <a:rPr lang="en-US" sz="1400" dirty="0"/>
-              <a:t>, </a:t>
-            </a:r>
-            <a:r>
-              <a:rPr lang="en-US" sz="1400" dirty="0"/>
-              <a:t>create</a:t>
-            </a:r>
-            <a:r>
-              <a:rPr lang="en-US" sz="1400" dirty="0"/>
-              <a:t>, </a:t>
-            </a:r>
-            <a:r>
-              <a:rPr lang="en-US" sz="1400" dirty="0" err="1"/>
-              <a:t>update</a:t>
-            </a:r>
-            <a:r>
-              <a:rPr lang="en-US" sz="1400" dirty="0" err="1"/>
-              <a:t>and</a:t>
-            </a:r>
-            <a:r>
-              <a:rPr lang="en-US" sz="1400" dirty="0"/>
-              <a:t> </a:t>
-            </a:r>
-            <a:r>
-              <a:rPr lang="en-US" sz="1400" dirty="0"/>
-              <a:t>destroy</a:t>
-            </a:r>
-            <a:r>
-              <a:rPr lang="en-US" sz="1400" dirty="0"/>
-              <a:t> actions, a resourceful route declares them in a single line of code</a:t>
+              <a:t> destroy actions, a resourceful route declares them in a single line of code</a:t>
             </a:r>
             <a:r>
               <a:rPr lang="en-US" sz="1400" dirty="0" smtClean="0"/>
@@ -17434,43 +17387,6 @@
 </p:sld>
 </file>
 
-<file path=ppt/slides/slide32.xml><?xml version="1.0" encoding="utf-8"?>
-<p:sld xmlns:a="http://schemas.openxmlformats.org/drawingml/2006/main" xmlns:r="http://schemas.openxmlformats.org/officeDocument/2006/relationships" xmlns:p="http://schemas.openxmlformats.org/presentationml/2006/main">
-  <p:cSld>
-    <p:spTree>
-      <p:nvGrpSpPr>
-        <p:cNvPr id="1" name=""/>
-        <p:cNvGrpSpPr/>
-        <p:nvPr/>
-      </p:nvGrpSpPr>
-      <p:grpSpPr>
-        <a:xfrm>
-          <a:off x="0" y="0"/>
-          <a:ext cx="0" cy="0"/>
-          <a:chOff x="0" y="0"/>
-          <a:chExt cx="0" cy="0"/>
-        </a:xfrm>
-      </p:grpSpPr>
-    </p:spTree>
-    <p:extLst>
-      <p:ext uri="{BB962C8B-B14F-4D97-AF65-F5344CB8AC3E}">
-        <p14:creationId xmlns:p14="http://schemas.microsoft.com/office/powerpoint/2010/main" val="2222619725"/>
-      </p:ext>
-    </p:extLst>
-  </p:cSld>
-  <p:clrMapOvr>
-    <a:masterClrMapping/>
-  </p:clrMapOvr>
-  <p:timing>
-    <p:tnLst>
-      <p:par>
-        <p:cTn id="1" dur="indefinite" restart="never" nodeType="tmRoot"/>
-      </p:par>
-    </p:tnLst>
-  </p:timing>
-</p:sld>
-</file>
-
 <file path=ppt/slides/slide4.xml><?xml version="1.0" encoding="utf-8"?>
 <p:sld xmlns:a="http://schemas.openxmlformats.org/drawingml/2006/main" xmlns:r="http://schemas.openxmlformats.org/officeDocument/2006/relationships" xmlns:p="http://schemas.openxmlformats.org/presentationml/2006/main">
   <p:cSld>
@@ -19490,7 +19406,7 @@
         </p:nvSpPr>
         <p:spPr>
           <a:xfrm>
-            <a:off x="1066800" y="2114550"/>
+            <a:off x="1066800" y="2257782"/>
             <a:ext cx="6629400" cy="2523768"/>
           </a:xfrm>
           <a:prstGeom prst="rect">
